--- a/DraftSlides/Lecture3.pptx
+++ b/DraftSlides/Lecture3.pptx
@@ -5,27 +5,28 @@
     <p:sldMasterId id="2147483648" r:id="rId1"/>
   </p:sldMasterIdLst>
   <p:notesMasterIdLst>
-    <p:notesMasterId r:id="rId20"/>
+    <p:notesMasterId r:id="rId21"/>
   </p:notesMasterIdLst>
   <p:sldIdLst>
     <p:sldId id="454" r:id="rId2"/>
     <p:sldId id="496" r:id="rId3"/>
     <p:sldId id="497" r:id="rId4"/>
     <p:sldId id="498" r:id="rId5"/>
-    <p:sldId id="507" r:id="rId6"/>
-    <p:sldId id="508" r:id="rId7"/>
-    <p:sldId id="509" r:id="rId8"/>
-    <p:sldId id="503" r:id="rId9"/>
-    <p:sldId id="504" r:id="rId10"/>
-    <p:sldId id="322" r:id="rId11"/>
-    <p:sldId id="363" r:id="rId12"/>
-    <p:sldId id="324" r:id="rId13"/>
-    <p:sldId id="364" r:id="rId14"/>
-    <p:sldId id="368" r:id="rId15"/>
-    <p:sldId id="367" r:id="rId16"/>
-    <p:sldId id="510" r:id="rId17"/>
-    <p:sldId id="506" r:id="rId18"/>
-    <p:sldId id="505" r:id="rId19"/>
+    <p:sldId id="499" r:id="rId6"/>
+    <p:sldId id="507" r:id="rId7"/>
+    <p:sldId id="508" r:id="rId8"/>
+    <p:sldId id="509" r:id="rId9"/>
+    <p:sldId id="503" r:id="rId10"/>
+    <p:sldId id="504" r:id="rId11"/>
+    <p:sldId id="322" r:id="rId12"/>
+    <p:sldId id="363" r:id="rId13"/>
+    <p:sldId id="324" r:id="rId14"/>
+    <p:sldId id="364" r:id="rId15"/>
+    <p:sldId id="368" r:id="rId16"/>
+    <p:sldId id="367" r:id="rId17"/>
+    <p:sldId id="510" r:id="rId18"/>
+    <p:sldId id="506" r:id="rId19"/>
+    <p:sldId id="505" r:id="rId20"/>
   </p:sldIdLst>
   <p:sldSz cx="10080625" cy="7559675"/>
   <p:notesSz cx="7772400" cy="10058400"/>
@@ -242,13 +243,37 @@
 <file path=ppt/revisionInfo.xml><?xml version="1.0" encoding="utf-8"?>
 <p1510:revInfo xmlns:a="http://schemas.openxmlformats.org/drawingml/2006/main" xmlns:r="http://schemas.openxmlformats.org/officeDocument/2006/relationships" xmlns:p1510="http://schemas.microsoft.com/office/powerpoint/2015/10/main">
   <p1510:revLst>
-    <p1510:client id="{C38392AF-60C0-7C4E-B866-540BD3A79BF5}" v="1" dt="2021-09-01T06:15:19.930"/>
+    <p1510:client id="{52BA0025-75E6-4D09-AB7B-4D0E827572B4}" v="1" dt="2021-09-07T14:47:51.927"/>
   </p1510:revLst>
 </p1510:revInfo>
 </file>
 
 <file path=ppt/changesInfos/changesInfo1.xml><?xml version="1.0" encoding="utf-8"?>
 <pc:chgInfo xmlns:a="http://schemas.openxmlformats.org/drawingml/2006/main" xmlns:r="http://schemas.openxmlformats.org/officeDocument/2006/relationships" xmlns:ac="http://schemas.microsoft.com/office/drawing/2013/main/command" xmlns:pc="http://schemas.microsoft.com/office/powerpoint/2013/main/command">
+  <pc:docChgLst>
+    <pc:chgData name="Khattab, Sherif" userId="c83b1e15-36f3-4f46-aceb-05aac24c545e" providerId="ADAL" clId="{00771379-563B-405F-813C-A6D6F2B0CDAD}"/>
+    <pc:docChg chg="modSld">
+      <pc:chgData name="Khattab, Sherif" userId="c83b1e15-36f3-4f46-aceb-05aac24c545e" providerId="ADAL" clId="{00771379-563B-405F-813C-A6D6F2B0CDAD}" dt="2020-09-08T04:21:57.867" v="3" actId="20577"/>
+      <pc:docMkLst>
+        <pc:docMk/>
+      </pc:docMkLst>
+      <pc:sldChg chg="modSp mod">
+        <pc:chgData name="Khattab, Sherif" userId="c83b1e15-36f3-4f46-aceb-05aac24c545e" providerId="ADAL" clId="{00771379-563B-405F-813C-A6D6F2B0CDAD}" dt="2020-09-08T04:21:57.867" v="3" actId="20577"/>
+        <pc:sldMkLst>
+          <pc:docMk/>
+          <pc:sldMk cId="1330366002" sldId="454"/>
+        </pc:sldMkLst>
+        <pc:spChg chg="mod">
+          <ac:chgData name="Khattab, Sherif" userId="c83b1e15-36f3-4f46-aceb-05aac24c545e" providerId="ADAL" clId="{00771379-563B-405F-813C-A6D6F2B0CDAD}" dt="2020-09-08T04:21:57.867" v="3" actId="20577"/>
+          <ac:spMkLst>
+            <pc:docMk/>
+            <pc:sldMk cId="1330366002" sldId="454"/>
+            <ac:spMk id="3" creationId="{00000000-0000-0000-0000-000000000000}"/>
+          </ac:spMkLst>
+        </pc:spChg>
+      </pc:sldChg>
+    </pc:docChg>
+  </pc:docChgLst>
   <pc:docChgLst>
     <pc:chgData name="Khattab, Sherif" userId="c83b1e15-36f3-4f46-aceb-05aac24c545e" providerId="ADAL" clId="{E6EB0EA7-2544-4CF1-A7D6-AFF5E9AECA5D}"/>
     <pc:docChg chg="addSld delSld modSld modMainMaster">
@@ -1474,606 +1499,65 @@
     </pc:docChg>
   </pc:docChgLst>
   <pc:docChgLst>
-    <pc:chgData name="Khattab, Sherif" userId="c83b1e15-36f3-4f46-aceb-05aac24c545e" providerId="ADAL" clId="{BA7E1913-A6F0-C848-94D5-CEC45678B150}"/>
+    <pc:chgData name="Khattab, Sherif" userId="c83b1e15-36f3-4f46-aceb-05aac24c545e" providerId="ADAL" clId="{FE92C68B-4A2B-491A-802D-9A016E970098}"/>
     <pc:docChg chg="addSld modSld">
-      <pc:chgData name="Khattab, Sherif" userId="c83b1e15-36f3-4f46-aceb-05aac24c545e" providerId="ADAL" clId="{BA7E1913-A6F0-C848-94D5-CEC45678B150}" dt="2021-01-20T03:36:45.256" v="0"/>
+      <pc:chgData name="Khattab, Sherif" userId="c83b1e15-36f3-4f46-aceb-05aac24c545e" providerId="ADAL" clId="{FE92C68B-4A2B-491A-802D-9A016E970098}" dt="2021-01-21T02:52:14.809" v="71" actId="20577"/>
       <pc:docMkLst>
         <pc:docMk/>
       </pc:docMkLst>
-      <pc:sldChg chg="add">
-        <pc:chgData name="Khattab, Sherif" userId="c83b1e15-36f3-4f46-aceb-05aac24c545e" providerId="ADAL" clId="{BA7E1913-A6F0-C848-94D5-CEC45678B150}" dt="2021-01-20T03:36:45.256" v="0"/>
-        <pc:sldMkLst>
-          <pc:docMk/>
-          <pc:sldMk cId="2329144619" sldId="445"/>
-        </pc:sldMkLst>
-      </pc:sldChg>
-      <pc:sldChg chg="add">
-        <pc:chgData name="Khattab, Sherif" userId="c83b1e15-36f3-4f46-aceb-05aac24c545e" providerId="ADAL" clId="{BA7E1913-A6F0-C848-94D5-CEC45678B150}" dt="2021-01-20T03:36:45.256" v="0"/>
-        <pc:sldMkLst>
-          <pc:docMk/>
-          <pc:sldMk cId="1783368962" sldId="448"/>
-        </pc:sldMkLst>
-      </pc:sldChg>
-      <pc:sldChg chg="add">
-        <pc:chgData name="Khattab, Sherif" userId="c83b1e15-36f3-4f46-aceb-05aac24c545e" providerId="ADAL" clId="{BA7E1913-A6F0-C848-94D5-CEC45678B150}" dt="2021-01-20T03:36:45.256" v="0"/>
-        <pc:sldMkLst>
-          <pc:docMk/>
-          <pc:sldMk cId="2276002102" sldId="451"/>
-        </pc:sldMkLst>
-      </pc:sldChg>
-      <pc:sldChg chg="modSp">
-        <pc:chgData name="Khattab, Sherif" userId="c83b1e15-36f3-4f46-aceb-05aac24c545e" providerId="ADAL" clId="{BA7E1913-A6F0-C848-94D5-CEC45678B150}" dt="2021-01-20T03:36:45.256" v="0"/>
-        <pc:sldMkLst>
-          <pc:docMk/>
-          <pc:sldMk cId="1025764700" sldId="471"/>
+      <pc:sldChg chg="modSp mod">
+        <pc:chgData name="Khattab, Sherif" userId="c83b1e15-36f3-4f46-aceb-05aac24c545e" providerId="ADAL" clId="{FE92C68B-4A2B-491A-802D-9A016E970098}" dt="2021-01-21T02:51:24.200" v="12" actId="20577"/>
+        <pc:sldMkLst>
+          <pc:docMk/>
+          <pc:sldMk cId="1330366002" sldId="454"/>
         </pc:sldMkLst>
         <pc:spChg chg="mod">
-          <ac:chgData name="Khattab, Sherif" userId="c83b1e15-36f3-4f46-aceb-05aac24c545e" providerId="ADAL" clId="{BA7E1913-A6F0-C848-94D5-CEC45678B150}" dt="2021-01-20T03:36:45.256" v="0"/>
-          <ac:spMkLst>
-            <pc:docMk/>
-            <pc:sldMk cId="1025764700" sldId="471"/>
-            <ac:spMk id="2" creationId="{002C4211-0128-449E-9D1F-69BC748F2810}"/>
-          </ac:spMkLst>
-        </pc:spChg>
+          <ac:chgData name="Khattab, Sherif" userId="c83b1e15-36f3-4f46-aceb-05aac24c545e" providerId="ADAL" clId="{FE92C68B-4A2B-491A-802D-9A016E970098}" dt="2021-01-21T02:51:24.200" v="12" actId="20577"/>
+          <ac:spMkLst>
+            <pc:docMk/>
+            <pc:sldMk cId="1330366002" sldId="454"/>
+            <ac:spMk id="3" creationId="{00000000-0000-0000-0000-000000000000}"/>
+          </ac:spMkLst>
+        </pc:spChg>
+      </pc:sldChg>
+      <pc:sldChg chg="modSp new mod">
+        <pc:chgData name="Khattab, Sherif" userId="c83b1e15-36f3-4f46-aceb-05aac24c545e" providerId="ADAL" clId="{FE92C68B-4A2B-491A-802D-9A016E970098}" dt="2021-01-21T02:52:14.809" v="71" actId="20577"/>
+        <pc:sldMkLst>
+          <pc:docMk/>
+          <pc:sldMk cId="702367729" sldId="496"/>
+        </pc:sldMkLst>
         <pc:spChg chg="mod">
-          <ac:chgData name="Khattab, Sherif" userId="c83b1e15-36f3-4f46-aceb-05aac24c545e" providerId="ADAL" clId="{BA7E1913-A6F0-C848-94D5-CEC45678B150}" dt="2021-01-20T03:36:45.256" v="0"/>
-          <ac:spMkLst>
-            <pc:docMk/>
-            <pc:sldMk cId="1025764700" sldId="471"/>
-            <ac:spMk id="4" creationId="{2E01187D-8C39-467D-8FD2-B6E79B15F5CB}"/>
+          <ac:chgData name="Khattab, Sherif" userId="c83b1e15-36f3-4f46-aceb-05aac24c545e" providerId="ADAL" clId="{FE92C68B-4A2B-491A-802D-9A016E970098}" dt="2021-01-21T02:51:45.117" v="26" actId="20577"/>
+          <ac:spMkLst>
+            <pc:docMk/>
+            <pc:sldMk cId="702367729" sldId="496"/>
+            <ac:spMk id="2" creationId="{AB9EA720-F5B4-463B-B14C-1970BB85B2C8}"/>
           </ac:spMkLst>
         </pc:spChg>
         <pc:spChg chg="mod">
-          <ac:chgData name="Khattab, Sherif" userId="c83b1e15-36f3-4f46-aceb-05aac24c545e" providerId="ADAL" clId="{BA7E1913-A6F0-C848-94D5-CEC45678B150}" dt="2021-01-20T03:36:45.256" v="0"/>
-          <ac:spMkLst>
-            <pc:docMk/>
-            <pc:sldMk cId="1025764700" sldId="471"/>
-            <ac:spMk id="5121" creationId="{7512BAA4-EBB3-4158-9546-24CBE50F6439}"/>
-          </ac:spMkLst>
-        </pc:spChg>
-        <pc:spChg chg="mod">
-          <ac:chgData name="Khattab, Sherif" userId="c83b1e15-36f3-4f46-aceb-05aac24c545e" providerId="ADAL" clId="{BA7E1913-A6F0-C848-94D5-CEC45678B150}" dt="2021-01-20T03:36:45.256" v="0"/>
-          <ac:spMkLst>
-            <pc:docMk/>
-            <pc:sldMk cId="1025764700" sldId="471"/>
-            <ac:spMk id="5122" creationId="{23997D45-6B1B-416E-BB06-0DAFD6B2DE75}"/>
-          </ac:spMkLst>
-        </pc:spChg>
-        <pc:grpChg chg="mod">
-          <ac:chgData name="Khattab, Sherif" userId="c83b1e15-36f3-4f46-aceb-05aac24c545e" providerId="ADAL" clId="{BA7E1913-A6F0-C848-94D5-CEC45678B150}" dt="2021-01-20T03:36:45.256" v="0"/>
-          <ac:grpSpMkLst>
-            <pc:docMk/>
-            <pc:sldMk cId="1025764700" sldId="471"/>
-            <ac:grpSpMk id="1" creationId="{00000000-0000-0000-0000-000000000000}"/>
-          </ac:grpSpMkLst>
-        </pc:grpChg>
-        <pc:graphicFrameChg chg="mod">
-          <ac:chgData name="Khattab, Sherif" userId="c83b1e15-36f3-4f46-aceb-05aac24c545e" providerId="ADAL" clId="{BA7E1913-A6F0-C848-94D5-CEC45678B150}" dt="2021-01-20T03:36:45.256" v="0"/>
-          <ac:graphicFrameMkLst>
-            <pc:docMk/>
-            <pc:sldMk cId="1025764700" sldId="471"/>
-            <ac:graphicFrameMk id="5123" creationId="{21D7AF36-DB7D-4E96-B4D0-2E733D24C464}"/>
-          </ac:graphicFrameMkLst>
-        </pc:graphicFrameChg>
-      </pc:sldChg>
-      <pc:sldChg chg="modSp">
-        <pc:chgData name="Khattab, Sherif" userId="c83b1e15-36f3-4f46-aceb-05aac24c545e" providerId="ADAL" clId="{BA7E1913-A6F0-C848-94D5-CEC45678B150}" dt="2021-01-20T03:36:45.256" v="0"/>
-        <pc:sldMkLst>
-          <pc:docMk/>
-          <pc:sldMk cId="3109107092" sldId="472"/>
-        </pc:sldMkLst>
-        <pc:spChg chg="mod">
-          <ac:chgData name="Khattab, Sherif" userId="c83b1e15-36f3-4f46-aceb-05aac24c545e" providerId="ADAL" clId="{BA7E1913-A6F0-C848-94D5-CEC45678B150}" dt="2021-01-20T03:36:45.256" v="0"/>
-          <ac:spMkLst>
-            <pc:docMk/>
-            <pc:sldMk cId="3109107092" sldId="472"/>
-            <ac:spMk id="3" creationId="{30AEF3C6-7EA7-449A-9293-E3ED9F2886F9}"/>
-          </ac:spMkLst>
-        </pc:spChg>
-        <pc:spChg chg="mod">
-          <ac:chgData name="Khattab, Sherif" userId="c83b1e15-36f3-4f46-aceb-05aac24c545e" providerId="ADAL" clId="{BA7E1913-A6F0-C848-94D5-CEC45678B150}" dt="2021-01-20T03:36:45.256" v="0"/>
-          <ac:spMkLst>
-            <pc:docMk/>
-            <pc:sldMk cId="3109107092" sldId="472"/>
-            <ac:spMk id="5" creationId="{86D334BE-F1A0-401C-A7A6-E8399DADA66A}"/>
-          </ac:spMkLst>
-        </pc:spChg>
-        <pc:spChg chg="mod">
-          <ac:chgData name="Khattab, Sherif" userId="c83b1e15-36f3-4f46-aceb-05aac24c545e" providerId="ADAL" clId="{BA7E1913-A6F0-C848-94D5-CEC45678B150}" dt="2021-01-20T03:36:45.256" v="0"/>
-          <ac:spMkLst>
-            <pc:docMk/>
-            <pc:sldMk cId="3109107092" sldId="472"/>
-            <ac:spMk id="7" creationId="{E5F29704-03AA-B747-A2ED-5B8027B1EDEB}"/>
-          </ac:spMkLst>
-        </pc:spChg>
-        <pc:spChg chg="mod">
-          <ac:chgData name="Khattab, Sherif" userId="c83b1e15-36f3-4f46-aceb-05aac24c545e" providerId="ADAL" clId="{BA7E1913-A6F0-C848-94D5-CEC45678B150}" dt="2021-01-20T03:36:45.256" v="0"/>
-          <ac:spMkLst>
-            <pc:docMk/>
-            <pc:sldMk cId="3109107092" sldId="472"/>
-            <ac:spMk id="6146" creationId="{5AEA12F1-A345-4E80-B81B-BB7F54B720F7}"/>
-          </ac:spMkLst>
-        </pc:spChg>
-        <pc:grpChg chg="mod">
-          <ac:chgData name="Khattab, Sherif" userId="c83b1e15-36f3-4f46-aceb-05aac24c545e" providerId="ADAL" clId="{BA7E1913-A6F0-C848-94D5-CEC45678B150}" dt="2021-01-20T03:36:45.256" v="0"/>
-          <ac:grpSpMkLst>
-            <pc:docMk/>
-            <pc:sldMk cId="3109107092" sldId="472"/>
-            <ac:grpSpMk id="1" creationId="{00000000-0000-0000-0000-000000000000}"/>
-          </ac:grpSpMkLst>
-        </pc:grpChg>
-        <pc:graphicFrameChg chg="mod">
-          <ac:chgData name="Khattab, Sherif" userId="c83b1e15-36f3-4f46-aceb-05aac24c545e" providerId="ADAL" clId="{BA7E1913-A6F0-C848-94D5-CEC45678B150}" dt="2021-01-20T03:36:45.256" v="0"/>
-          <ac:graphicFrameMkLst>
-            <pc:docMk/>
-            <pc:sldMk cId="3109107092" sldId="472"/>
-            <ac:graphicFrameMk id="6145" creationId="{1F7F153F-0046-48A7-AF42-071F4C813482}"/>
-          </ac:graphicFrameMkLst>
-        </pc:graphicFrameChg>
-      </pc:sldChg>
-      <pc:sldChg chg="modSp">
-        <pc:chgData name="Khattab, Sherif" userId="c83b1e15-36f3-4f46-aceb-05aac24c545e" providerId="ADAL" clId="{BA7E1913-A6F0-C848-94D5-CEC45678B150}" dt="2021-01-20T03:36:45.256" v="0"/>
-        <pc:sldMkLst>
-          <pc:docMk/>
-          <pc:sldMk cId="4038969182" sldId="477"/>
-        </pc:sldMkLst>
-        <pc:spChg chg="mod">
-          <ac:chgData name="Khattab, Sherif" userId="c83b1e15-36f3-4f46-aceb-05aac24c545e" providerId="ADAL" clId="{BA7E1913-A6F0-C848-94D5-CEC45678B150}" dt="2021-01-20T03:36:45.256" v="0"/>
-          <ac:spMkLst>
-            <pc:docMk/>
-            <pc:sldMk cId="4038969182" sldId="477"/>
-            <ac:spMk id="2" creationId="{FC2F5822-FB95-4FA7-8814-7A9973030216}"/>
-          </ac:spMkLst>
-        </pc:spChg>
-        <pc:spChg chg="mod">
-          <ac:chgData name="Khattab, Sherif" userId="c83b1e15-36f3-4f46-aceb-05aac24c545e" providerId="ADAL" clId="{BA7E1913-A6F0-C848-94D5-CEC45678B150}" dt="2021-01-20T03:36:45.256" v="0"/>
-          <ac:spMkLst>
-            <pc:docMk/>
-            <pc:sldMk cId="4038969182" sldId="477"/>
-            <ac:spMk id="4" creationId="{AC512AFF-6A18-4D49-A4E6-2CC1827AA033}"/>
-          </ac:spMkLst>
-        </pc:spChg>
-        <pc:spChg chg="mod">
-          <ac:chgData name="Khattab, Sherif" userId="c83b1e15-36f3-4f46-aceb-05aac24c545e" providerId="ADAL" clId="{BA7E1913-A6F0-C848-94D5-CEC45678B150}" dt="2021-01-20T03:36:45.256" v="0"/>
-          <ac:spMkLst>
-            <pc:docMk/>
-            <pc:sldMk cId="4038969182" sldId="477"/>
-            <ac:spMk id="16385" creationId="{6A11D2B9-CA45-4A0D-B509-8257E2D9B94F}"/>
-          </ac:spMkLst>
-        </pc:spChg>
-        <pc:spChg chg="mod">
-          <ac:chgData name="Khattab, Sherif" userId="c83b1e15-36f3-4f46-aceb-05aac24c545e" providerId="ADAL" clId="{BA7E1913-A6F0-C848-94D5-CEC45678B150}" dt="2021-01-20T03:36:45.256" v="0"/>
-          <ac:spMkLst>
-            <pc:docMk/>
-            <pc:sldMk cId="4038969182" sldId="477"/>
-            <ac:spMk id="16386" creationId="{2EE14E1C-57AD-4AA5-8D97-EF494DA8A5A6}"/>
-          </ac:spMkLst>
-        </pc:spChg>
-        <pc:grpChg chg="mod">
-          <ac:chgData name="Khattab, Sherif" userId="c83b1e15-36f3-4f46-aceb-05aac24c545e" providerId="ADAL" clId="{BA7E1913-A6F0-C848-94D5-CEC45678B150}" dt="2021-01-20T03:36:45.256" v="0"/>
-          <ac:grpSpMkLst>
-            <pc:docMk/>
-            <pc:sldMk cId="4038969182" sldId="477"/>
-            <ac:grpSpMk id="1" creationId="{00000000-0000-0000-0000-000000000000}"/>
-          </ac:grpSpMkLst>
-        </pc:grpChg>
-        <pc:graphicFrameChg chg="mod">
-          <ac:chgData name="Khattab, Sherif" userId="c83b1e15-36f3-4f46-aceb-05aac24c545e" providerId="ADAL" clId="{BA7E1913-A6F0-C848-94D5-CEC45678B150}" dt="2021-01-20T03:36:45.256" v="0"/>
-          <ac:graphicFrameMkLst>
-            <pc:docMk/>
-            <pc:sldMk cId="4038969182" sldId="477"/>
-            <ac:graphicFrameMk id="16387" creationId="{AF2F8ED8-16A1-4F89-BDB6-8C2730B36B52}"/>
-          </ac:graphicFrameMkLst>
-        </pc:graphicFrameChg>
-      </pc:sldChg>
-      <pc:sldChg chg="modSp">
-        <pc:chgData name="Khattab, Sherif" userId="c83b1e15-36f3-4f46-aceb-05aac24c545e" providerId="ADAL" clId="{BA7E1913-A6F0-C848-94D5-CEC45678B150}" dt="2021-01-20T03:36:45.256" v="0"/>
-        <pc:sldMkLst>
-          <pc:docMk/>
-          <pc:sldMk cId="873856523" sldId="479"/>
-        </pc:sldMkLst>
-        <pc:spChg chg="mod">
-          <ac:chgData name="Khattab, Sherif" userId="c83b1e15-36f3-4f46-aceb-05aac24c545e" providerId="ADAL" clId="{BA7E1913-A6F0-C848-94D5-CEC45678B150}" dt="2021-01-20T03:36:45.256" v="0"/>
-          <ac:spMkLst>
-            <pc:docMk/>
-            <pc:sldMk cId="873856523" sldId="479"/>
-            <ac:spMk id="2" creationId="{0EA6D591-B53C-496E-AC8A-4A137C95CFED}"/>
-          </ac:spMkLst>
-        </pc:spChg>
-        <pc:spChg chg="mod">
-          <ac:chgData name="Khattab, Sherif" userId="c83b1e15-36f3-4f46-aceb-05aac24c545e" providerId="ADAL" clId="{BA7E1913-A6F0-C848-94D5-CEC45678B150}" dt="2021-01-20T03:36:45.256" v="0"/>
-          <ac:spMkLst>
-            <pc:docMk/>
-            <pc:sldMk cId="873856523" sldId="479"/>
-            <ac:spMk id="4" creationId="{ED98CD1B-CC0F-4183-9A7A-D761866A6186}"/>
-          </ac:spMkLst>
-        </pc:spChg>
-        <pc:spChg chg="mod">
-          <ac:chgData name="Khattab, Sherif" userId="c83b1e15-36f3-4f46-aceb-05aac24c545e" providerId="ADAL" clId="{BA7E1913-A6F0-C848-94D5-CEC45678B150}" dt="2021-01-20T03:36:45.256" v="0"/>
-          <ac:spMkLst>
-            <pc:docMk/>
-            <pc:sldMk cId="873856523" sldId="479"/>
-            <ac:spMk id="18433" creationId="{E3607FC9-A77A-4CEC-B201-FD6943B401ED}"/>
-          </ac:spMkLst>
-        </pc:spChg>
-        <pc:spChg chg="mod">
-          <ac:chgData name="Khattab, Sherif" userId="c83b1e15-36f3-4f46-aceb-05aac24c545e" providerId="ADAL" clId="{BA7E1913-A6F0-C848-94D5-CEC45678B150}" dt="2021-01-20T03:36:45.256" v="0"/>
-          <ac:spMkLst>
-            <pc:docMk/>
-            <pc:sldMk cId="873856523" sldId="479"/>
-            <ac:spMk id="18434" creationId="{A670C1CC-C98F-4983-9392-1D866C0F5D42}"/>
-          </ac:spMkLst>
-        </pc:spChg>
-        <pc:grpChg chg="mod">
-          <ac:chgData name="Khattab, Sherif" userId="c83b1e15-36f3-4f46-aceb-05aac24c545e" providerId="ADAL" clId="{BA7E1913-A6F0-C848-94D5-CEC45678B150}" dt="2021-01-20T03:36:45.256" v="0"/>
-          <ac:grpSpMkLst>
-            <pc:docMk/>
-            <pc:sldMk cId="873856523" sldId="479"/>
-            <ac:grpSpMk id="1" creationId="{00000000-0000-0000-0000-000000000000}"/>
-          </ac:grpSpMkLst>
-        </pc:grpChg>
-        <pc:graphicFrameChg chg="mod">
-          <ac:chgData name="Khattab, Sherif" userId="c83b1e15-36f3-4f46-aceb-05aac24c545e" providerId="ADAL" clId="{BA7E1913-A6F0-C848-94D5-CEC45678B150}" dt="2021-01-20T03:36:45.256" v="0"/>
-          <ac:graphicFrameMkLst>
-            <pc:docMk/>
-            <pc:sldMk cId="873856523" sldId="479"/>
-            <ac:graphicFrameMk id="18435" creationId="{E649380A-CE1F-4021-A060-3DE112829840}"/>
-          </ac:graphicFrameMkLst>
-        </pc:graphicFrameChg>
-      </pc:sldChg>
-      <pc:sldChg chg="modSp">
-        <pc:chgData name="Khattab, Sherif" userId="c83b1e15-36f3-4f46-aceb-05aac24c545e" providerId="ADAL" clId="{BA7E1913-A6F0-C848-94D5-CEC45678B150}" dt="2021-01-20T03:36:45.256" v="0"/>
-        <pc:sldMkLst>
-          <pc:docMk/>
-          <pc:sldMk cId="1560930406" sldId="482"/>
-        </pc:sldMkLst>
-        <pc:spChg chg="mod">
-          <ac:chgData name="Khattab, Sherif" userId="c83b1e15-36f3-4f46-aceb-05aac24c545e" providerId="ADAL" clId="{BA7E1913-A6F0-C848-94D5-CEC45678B150}" dt="2021-01-20T03:36:45.256" v="0"/>
-          <ac:spMkLst>
-            <pc:docMk/>
-            <pc:sldMk cId="1560930406" sldId="482"/>
-            <ac:spMk id="2" creationId="{DF0F4013-0B68-4D88-865A-4FC3176C8654}"/>
-          </ac:spMkLst>
-        </pc:spChg>
-        <pc:spChg chg="mod">
-          <ac:chgData name="Khattab, Sherif" userId="c83b1e15-36f3-4f46-aceb-05aac24c545e" providerId="ADAL" clId="{BA7E1913-A6F0-C848-94D5-CEC45678B150}" dt="2021-01-20T03:36:45.256" v="0"/>
-          <ac:spMkLst>
-            <pc:docMk/>
-            <pc:sldMk cId="1560930406" sldId="482"/>
-            <ac:spMk id="4" creationId="{EC2FC32F-B9CD-4D1A-AE2B-0825BE055635}"/>
-          </ac:spMkLst>
-        </pc:spChg>
-        <pc:spChg chg="mod">
-          <ac:chgData name="Khattab, Sherif" userId="c83b1e15-36f3-4f46-aceb-05aac24c545e" providerId="ADAL" clId="{BA7E1913-A6F0-C848-94D5-CEC45678B150}" dt="2021-01-20T03:36:45.256" v="0"/>
-          <ac:spMkLst>
-            <pc:docMk/>
-            <pc:sldMk cId="1560930406" sldId="482"/>
-            <ac:spMk id="23553" creationId="{E59624D1-FEEB-4340-9651-13DD586B53A9}"/>
-          </ac:spMkLst>
-        </pc:spChg>
-        <pc:spChg chg="mod">
-          <ac:chgData name="Khattab, Sherif" userId="c83b1e15-36f3-4f46-aceb-05aac24c545e" providerId="ADAL" clId="{BA7E1913-A6F0-C848-94D5-CEC45678B150}" dt="2021-01-20T03:36:45.256" v="0"/>
-          <ac:spMkLst>
-            <pc:docMk/>
-            <pc:sldMk cId="1560930406" sldId="482"/>
-            <ac:spMk id="23554" creationId="{352A19DE-2E99-4131-8018-428EB1D381D8}"/>
-          </ac:spMkLst>
-        </pc:spChg>
-        <pc:grpChg chg="mod">
-          <ac:chgData name="Khattab, Sherif" userId="c83b1e15-36f3-4f46-aceb-05aac24c545e" providerId="ADAL" clId="{BA7E1913-A6F0-C848-94D5-CEC45678B150}" dt="2021-01-20T03:36:45.256" v="0"/>
-          <ac:grpSpMkLst>
-            <pc:docMk/>
-            <pc:sldMk cId="1560930406" sldId="482"/>
-            <ac:grpSpMk id="1" creationId="{00000000-0000-0000-0000-000000000000}"/>
-          </ac:grpSpMkLst>
-        </pc:grpChg>
-        <pc:graphicFrameChg chg="mod">
-          <ac:chgData name="Khattab, Sherif" userId="c83b1e15-36f3-4f46-aceb-05aac24c545e" providerId="ADAL" clId="{BA7E1913-A6F0-C848-94D5-CEC45678B150}" dt="2021-01-20T03:36:45.256" v="0"/>
-          <ac:graphicFrameMkLst>
-            <pc:docMk/>
-            <pc:sldMk cId="1560930406" sldId="482"/>
-            <ac:graphicFrameMk id="23555" creationId="{72BCA54F-0328-4938-A740-EE2040664901}"/>
-          </ac:graphicFrameMkLst>
-        </pc:graphicFrameChg>
-      </pc:sldChg>
-      <pc:sldChg chg="modSp">
-        <pc:chgData name="Khattab, Sherif" userId="c83b1e15-36f3-4f46-aceb-05aac24c545e" providerId="ADAL" clId="{BA7E1913-A6F0-C848-94D5-CEC45678B150}" dt="2021-01-20T03:36:45.256" v="0"/>
-        <pc:sldMkLst>
-          <pc:docMk/>
-          <pc:sldMk cId="1948397067" sldId="484"/>
-        </pc:sldMkLst>
-        <pc:spChg chg="mod">
-          <ac:chgData name="Khattab, Sherif" userId="c83b1e15-36f3-4f46-aceb-05aac24c545e" providerId="ADAL" clId="{BA7E1913-A6F0-C848-94D5-CEC45678B150}" dt="2021-01-20T03:36:45.256" v="0"/>
-          <ac:spMkLst>
-            <pc:docMk/>
-            <pc:sldMk cId="1948397067" sldId="484"/>
-            <ac:spMk id="3" creationId="{8EEA02BE-54EF-4DED-8936-3DDE41ED48F3}"/>
-          </ac:spMkLst>
-        </pc:spChg>
-        <pc:spChg chg="mod">
-          <ac:chgData name="Khattab, Sherif" userId="c83b1e15-36f3-4f46-aceb-05aac24c545e" providerId="ADAL" clId="{BA7E1913-A6F0-C848-94D5-CEC45678B150}" dt="2021-01-20T03:36:45.256" v="0"/>
-          <ac:spMkLst>
-            <pc:docMk/>
-            <pc:sldMk cId="1948397067" sldId="484"/>
-            <ac:spMk id="5" creationId="{DE1FD728-0EB3-4F5A-B200-1BF20173728C}"/>
-          </ac:spMkLst>
-        </pc:spChg>
-        <pc:spChg chg="mod">
-          <ac:chgData name="Khattab, Sherif" userId="c83b1e15-36f3-4f46-aceb-05aac24c545e" providerId="ADAL" clId="{BA7E1913-A6F0-C848-94D5-CEC45678B150}" dt="2021-01-20T03:36:45.256" v="0"/>
-          <ac:spMkLst>
-            <pc:docMk/>
-            <pc:sldMk cId="1948397067" sldId="484"/>
-            <ac:spMk id="7" creationId="{8A225AA0-21AD-A843-A4E3-3C82E24A7D11}"/>
-          </ac:spMkLst>
-        </pc:spChg>
-        <pc:spChg chg="mod">
-          <ac:chgData name="Khattab, Sherif" userId="c83b1e15-36f3-4f46-aceb-05aac24c545e" providerId="ADAL" clId="{BA7E1913-A6F0-C848-94D5-CEC45678B150}" dt="2021-01-20T03:36:45.256" v="0"/>
-          <ac:spMkLst>
-            <pc:docMk/>
-            <pc:sldMk cId="1948397067" sldId="484"/>
-            <ac:spMk id="25601" creationId="{5E2E26B9-79A1-4156-BA81-69E66E0DF0CE}"/>
-          </ac:spMkLst>
-        </pc:spChg>
-        <pc:grpChg chg="mod">
-          <ac:chgData name="Khattab, Sherif" userId="c83b1e15-36f3-4f46-aceb-05aac24c545e" providerId="ADAL" clId="{BA7E1913-A6F0-C848-94D5-CEC45678B150}" dt="2021-01-20T03:36:45.256" v="0"/>
-          <ac:grpSpMkLst>
-            <pc:docMk/>
-            <pc:sldMk cId="1948397067" sldId="484"/>
-            <ac:grpSpMk id="1" creationId="{00000000-0000-0000-0000-000000000000}"/>
-          </ac:grpSpMkLst>
-        </pc:grpChg>
-        <pc:graphicFrameChg chg="mod">
-          <ac:chgData name="Khattab, Sherif" userId="c83b1e15-36f3-4f46-aceb-05aac24c545e" providerId="ADAL" clId="{BA7E1913-A6F0-C848-94D5-CEC45678B150}" dt="2021-01-20T03:36:45.256" v="0"/>
-          <ac:graphicFrameMkLst>
-            <pc:docMk/>
-            <pc:sldMk cId="1948397067" sldId="484"/>
-            <ac:graphicFrameMk id="25602" creationId="{D681AA8F-570B-452A-9EE8-6BAD95C0CB2A}"/>
-          </ac:graphicFrameMkLst>
-        </pc:graphicFrameChg>
-      </pc:sldChg>
-      <pc:sldChg chg="modSp">
-        <pc:chgData name="Khattab, Sherif" userId="c83b1e15-36f3-4f46-aceb-05aac24c545e" providerId="ADAL" clId="{BA7E1913-A6F0-C848-94D5-CEC45678B150}" dt="2021-01-20T03:36:45.256" v="0"/>
-        <pc:sldMkLst>
-          <pc:docMk/>
-          <pc:sldMk cId="1363323927" sldId="488"/>
-        </pc:sldMkLst>
-        <pc:spChg chg="mod">
-          <ac:chgData name="Khattab, Sherif" userId="c83b1e15-36f3-4f46-aceb-05aac24c545e" providerId="ADAL" clId="{BA7E1913-A6F0-C848-94D5-CEC45678B150}" dt="2021-01-20T03:36:45.256" v="0"/>
-          <ac:spMkLst>
-            <pc:docMk/>
-            <pc:sldMk cId="1363323927" sldId="488"/>
-            <ac:spMk id="2" creationId="{D1784F0E-0CE3-4DF2-BF5E-AC961DED9AD5}"/>
-          </ac:spMkLst>
-        </pc:spChg>
-        <pc:spChg chg="mod">
-          <ac:chgData name="Khattab, Sherif" userId="c83b1e15-36f3-4f46-aceb-05aac24c545e" providerId="ADAL" clId="{BA7E1913-A6F0-C848-94D5-CEC45678B150}" dt="2021-01-20T03:36:45.256" v="0"/>
-          <ac:spMkLst>
-            <pc:docMk/>
-            <pc:sldMk cId="1363323927" sldId="488"/>
-            <ac:spMk id="4" creationId="{EDE852BE-9DBB-4B9F-96D6-41502235E65B}"/>
-          </ac:spMkLst>
-        </pc:spChg>
-        <pc:spChg chg="mod">
-          <ac:chgData name="Khattab, Sherif" userId="c83b1e15-36f3-4f46-aceb-05aac24c545e" providerId="ADAL" clId="{BA7E1913-A6F0-C848-94D5-CEC45678B150}" dt="2021-01-20T03:36:45.256" v="0"/>
-          <ac:spMkLst>
-            <pc:docMk/>
-            <pc:sldMk cId="1363323927" sldId="488"/>
-            <ac:spMk id="29697" creationId="{28E17C06-9C26-4EA2-A8CB-9E266E08CFC9}"/>
-          </ac:spMkLst>
-        </pc:spChg>
-        <pc:spChg chg="mod">
-          <ac:chgData name="Khattab, Sherif" userId="c83b1e15-36f3-4f46-aceb-05aac24c545e" providerId="ADAL" clId="{BA7E1913-A6F0-C848-94D5-CEC45678B150}" dt="2021-01-20T03:36:45.256" v="0"/>
-          <ac:spMkLst>
-            <pc:docMk/>
-            <pc:sldMk cId="1363323927" sldId="488"/>
-            <ac:spMk id="29699" creationId="{9B87D08D-EF4A-454B-A132-2A933B33FADF}"/>
-          </ac:spMkLst>
-        </pc:spChg>
-        <pc:grpChg chg="mod">
-          <ac:chgData name="Khattab, Sherif" userId="c83b1e15-36f3-4f46-aceb-05aac24c545e" providerId="ADAL" clId="{BA7E1913-A6F0-C848-94D5-CEC45678B150}" dt="2021-01-20T03:36:45.256" v="0"/>
-          <ac:grpSpMkLst>
-            <pc:docMk/>
-            <pc:sldMk cId="1363323927" sldId="488"/>
-            <ac:grpSpMk id="1" creationId="{00000000-0000-0000-0000-000000000000}"/>
-          </ac:grpSpMkLst>
-        </pc:grpChg>
-        <pc:graphicFrameChg chg="mod">
-          <ac:chgData name="Khattab, Sherif" userId="c83b1e15-36f3-4f46-aceb-05aac24c545e" providerId="ADAL" clId="{BA7E1913-A6F0-C848-94D5-CEC45678B150}" dt="2021-01-20T03:36:45.256" v="0"/>
-          <ac:graphicFrameMkLst>
-            <pc:docMk/>
-            <pc:sldMk cId="1363323927" sldId="488"/>
-            <ac:graphicFrameMk id="29698" creationId="{5096B804-6DD5-4EA7-8B5D-E7C04AA4F65D}"/>
-          </ac:graphicFrameMkLst>
-        </pc:graphicFrameChg>
-      </pc:sldChg>
-      <pc:sldChg chg="modSp">
-        <pc:chgData name="Khattab, Sherif" userId="c83b1e15-36f3-4f46-aceb-05aac24c545e" providerId="ADAL" clId="{BA7E1913-A6F0-C848-94D5-CEC45678B150}" dt="2021-01-20T03:36:45.256" v="0"/>
-        <pc:sldMkLst>
-          <pc:docMk/>
-          <pc:sldMk cId="936409682" sldId="489"/>
-        </pc:sldMkLst>
-        <pc:spChg chg="mod">
-          <ac:chgData name="Khattab, Sherif" userId="c83b1e15-36f3-4f46-aceb-05aac24c545e" providerId="ADAL" clId="{BA7E1913-A6F0-C848-94D5-CEC45678B150}" dt="2021-01-20T03:36:45.256" v="0"/>
-          <ac:spMkLst>
-            <pc:docMk/>
-            <pc:sldMk cId="936409682" sldId="489"/>
-            <ac:spMk id="2" creationId="{150C62BB-E114-454B-85DB-53D764ED6038}"/>
-          </ac:spMkLst>
-        </pc:spChg>
-        <pc:spChg chg="mod">
-          <ac:chgData name="Khattab, Sherif" userId="c83b1e15-36f3-4f46-aceb-05aac24c545e" providerId="ADAL" clId="{BA7E1913-A6F0-C848-94D5-CEC45678B150}" dt="2021-01-20T03:36:45.256" v="0"/>
-          <ac:spMkLst>
-            <pc:docMk/>
-            <pc:sldMk cId="936409682" sldId="489"/>
-            <ac:spMk id="4" creationId="{8F548AA1-681E-4DA0-A9AF-6C8D550D5E08}"/>
-          </ac:spMkLst>
-        </pc:spChg>
-        <pc:spChg chg="mod">
-          <ac:chgData name="Khattab, Sherif" userId="c83b1e15-36f3-4f46-aceb-05aac24c545e" providerId="ADAL" clId="{BA7E1913-A6F0-C848-94D5-CEC45678B150}" dt="2021-01-20T03:36:45.256" v="0"/>
-          <ac:spMkLst>
-            <pc:docMk/>
-            <pc:sldMk cId="936409682" sldId="489"/>
-            <ac:spMk id="30721" creationId="{0A3F3B3A-9F5F-4801-AFED-E732F58A9EA2}"/>
-          </ac:spMkLst>
-        </pc:spChg>
-        <pc:spChg chg="mod">
-          <ac:chgData name="Khattab, Sherif" userId="c83b1e15-36f3-4f46-aceb-05aac24c545e" providerId="ADAL" clId="{BA7E1913-A6F0-C848-94D5-CEC45678B150}" dt="2021-01-20T03:36:45.256" v="0"/>
-          <ac:spMkLst>
-            <pc:docMk/>
-            <pc:sldMk cId="936409682" sldId="489"/>
-            <ac:spMk id="30722" creationId="{33C3E8B9-1772-47B4-9411-185F126423BA}"/>
-          </ac:spMkLst>
-        </pc:spChg>
-        <pc:grpChg chg="mod">
-          <ac:chgData name="Khattab, Sherif" userId="c83b1e15-36f3-4f46-aceb-05aac24c545e" providerId="ADAL" clId="{BA7E1913-A6F0-C848-94D5-CEC45678B150}" dt="2021-01-20T03:36:45.256" v="0"/>
-          <ac:grpSpMkLst>
-            <pc:docMk/>
-            <pc:sldMk cId="936409682" sldId="489"/>
-            <ac:grpSpMk id="1" creationId="{00000000-0000-0000-0000-000000000000}"/>
-          </ac:grpSpMkLst>
-        </pc:grpChg>
-        <pc:graphicFrameChg chg="mod">
-          <ac:chgData name="Khattab, Sherif" userId="c83b1e15-36f3-4f46-aceb-05aac24c545e" providerId="ADAL" clId="{BA7E1913-A6F0-C848-94D5-CEC45678B150}" dt="2021-01-20T03:36:45.256" v="0"/>
-          <ac:graphicFrameMkLst>
-            <pc:docMk/>
-            <pc:sldMk cId="936409682" sldId="489"/>
-            <ac:graphicFrameMk id="30723" creationId="{24ED8923-A61A-4244-A0FE-28542EDE5C2B}"/>
-          </ac:graphicFrameMkLst>
-        </pc:graphicFrameChg>
-      </pc:sldChg>
-      <pc:sldChg chg="modSp">
-        <pc:chgData name="Khattab, Sherif" userId="c83b1e15-36f3-4f46-aceb-05aac24c545e" providerId="ADAL" clId="{BA7E1913-A6F0-C848-94D5-CEC45678B150}" dt="2021-01-20T03:36:45.256" v="0"/>
-        <pc:sldMkLst>
-          <pc:docMk/>
-          <pc:sldMk cId="3447713174" sldId="494"/>
-        </pc:sldMkLst>
-        <pc:spChg chg="mod">
-          <ac:chgData name="Khattab, Sherif" userId="c83b1e15-36f3-4f46-aceb-05aac24c545e" providerId="ADAL" clId="{BA7E1913-A6F0-C848-94D5-CEC45678B150}" dt="2021-01-20T03:36:45.256" v="0"/>
-          <ac:spMkLst>
-            <pc:docMk/>
-            <pc:sldMk cId="3447713174" sldId="494"/>
-            <ac:spMk id="3" creationId="{68983252-D58B-4136-834E-912F539F00B6}"/>
-          </ac:spMkLst>
-        </pc:spChg>
-        <pc:spChg chg="mod">
-          <ac:chgData name="Khattab, Sherif" userId="c83b1e15-36f3-4f46-aceb-05aac24c545e" providerId="ADAL" clId="{BA7E1913-A6F0-C848-94D5-CEC45678B150}" dt="2021-01-20T03:36:45.256" v="0"/>
-          <ac:spMkLst>
-            <pc:docMk/>
-            <pc:sldMk cId="3447713174" sldId="494"/>
-            <ac:spMk id="5" creationId="{6E7E3CCF-4F96-45E6-B828-6AA5F067043A}"/>
-          </ac:spMkLst>
-        </pc:spChg>
-        <pc:spChg chg="mod">
-          <ac:chgData name="Khattab, Sherif" userId="c83b1e15-36f3-4f46-aceb-05aac24c545e" providerId="ADAL" clId="{BA7E1913-A6F0-C848-94D5-CEC45678B150}" dt="2021-01-20T03:36:45.256" v="0"/>
-          <ac:spMkLst>
-            <pc:docMk/>
-            <pc:sldMk cId="3447713174" sldId="494"/>
-            <ac:spMk id="7" creationId="{E82B22B3-1517-E346-9A8B-094A40D2FC5B}"/>
-          </ac:spMkLst>
-        </pc:spChg>
-        <pc:spChg chg="mod">
-          <ac:chgData name="Khattab, Sherif" userId="c83b1e15-36f3-4f46-aceb-05aac24c545e" providerId="ADAL" clId="{BA7E1913-A6F0-C848-94D5-CEC45678B150}" dt="2021-01-20T03:36:45.256" v="0"/>
-          <ac:spMkLst>
-            <pc:docMk/>
-            <pc:sldMk cId="3447713174" sldId="494"/>
-            <ac:spMk id="35841" creationId="{B48F48C8-3631-4F5F-8724-374B534CDB0D}"/>
-          </ac:spMkLst>
-        </pc:spChg>
-        <pc:grpChg chg="mod">
-          <ac:chgData name="Khattab, Sherif" userId="c83b1e15-36f3-4f46-aceb-05aac24c545e" providerId="ADAL" clId="{BA7E1913-A6F0-C848-94D5-CEC45678B150}" dt="2021-01-20T03:36:45.256" v="0"/>
-          <ac:grpSpMkLst>
-            <pc:docMk/>
-            <pc:sldMk cId="3447713174" sldId="494"/>
-            <ac:grpSpMk id="1" creationId="{00000000-0000-0000-0000-000000000000}"/>
-          </ac:grpSpMkLst>
-        </pc:grpChg>
-        <pc:graphicFrameChg chg="mod">
-          <ac:chgData name="Khattab, Sherif" userId="c83b1e15-36f3-4f46-aceb-05aac24c545e" providerId="ADAL" clId="{BA7E1913-A6F0-C848-94D5-CEC45678B150}" dt="2021-01-20T03:36:45.256" v="0"/>
-          <ac:graphicFrameMkLst>
-            <pc:docMk/>
-            <pc:sldMk cId="3447713174" sldId="494"/>
-            <ac:graphicFrameMk id="35842" creationId="{8D1701A4-A56B-439A-9B39-A560D76A3316}"/>
-          </ac:graphicFrameMkLst>
-        </pc:graphicFrameChg>
-      </pc:sldChg>
-      <pc:sldChg chg="modSp">
-        <pc:chgData name="Khattab, Sherif" userId="c83b1e15-36f3-4f46-aceb-05aac24c545e" providerId="ADAL" clId="{BA7E1913-A6F0-C848-94D5-CEC45678B150}" dt="2021-01-20T03:36:45.256" v="0"/>
-        <pc:sldMkLst>
-          <pc:docMk/>
-          <pc:sldMk cId="2129126942" sldId="495"/>
-        </pc:sldMkLst>
-        <pc:spChg chg="mod">
-          <ac:chgData name="Khattab, Sherif" userId="c83b1e15-36f3-4f46-aceb-05aac24c545e" providerId="ADAL" clId="{BA7E1913-A6F0-C848-94D5-CEC45678B150}" dt="2021-01-20T03:36:45.256" v="0"/>
-          <ac:spMkLst>
-            <pc:docMk/>
-            <pc:sldMk cId="2129126942" sldId="495"/>
-            <ac:spMk id="2" creationId="{B0EDE6F0-5E08-467B-A6AE-AA045809023A}"/>
-          </ac:spMkLst>
-        </pc:spChg>
-        <pc:spChg chg="mod">
-          <ac:chgData name="Khattab, Sherif" userId="c83b1e15-36f3-4f46-aceb-05aac24c545e" providerId="ADAL" clId="{BA7E1913-A6F0-C848-94D5-CEC45678B150}" dt="2021-01-20T03:36:45.256" v="0"/>
-          <ac:spMkLst>
-            <pc:docMk/>
-            <pc:sldMk cId="2129126942" sldId="495"/>
-            <ac:spMk id="4" creationId="{31048580-254B-4562-B07A-13FA9D7EEB7E}"/>
-          </ac:spMkLst>
-        </pc:spChg>
-        <pc:spChg chg="mod">
-          <ac:chgData name="Khattab, Sherif" userId="c83b1e15-36f3-4f46-aceb-05aac24c545e" providerId="ADAL" clId="{BA7E1913-A6F0-C848-94D5-CEC45678B150}" dt="2021-01-20T03:36:45.256" v="0"/>
-          <ac:spMkLst>
-            <pc:docMk/>
-            <pc:sldMk cId="2129126942" sldId="495"/>
-            <ac:spMk id="36865" creationId="{7EA33581-0FBA-4513-BC21-59EBD3254C34}"/>
-          </ac:spMkLst>
-        </pc:spChg>
-        <pc:spChg chg="mod">
-          <ac:chgData name="Khattab, Sherif" userId="c83b1e15-36f3-4f46-aceb-05aac24c545e" providerId="ADAL" clId="{BA7E1913-A6F0-C848-94D5-CEC45678B150}" dt="2021-01-20T03:36:45.256" v="0"/>
-          <ac:spMkLst>
-            <pc:docMk/>
-            <pc:sldMk cId="2129126942" sldId="495"/>
-            <ac:spMk id="36866" creationId="{D4B374AC-8E1B-4FB1-8CD1-E75C5A388926}"/>
-          </ac:spMkLst>
-        </pc:spChg>
-        <pc:grpChg chg="mod">
-          <ac:chgData name="Khattab, Sherif" userId="c83b1e15-36f3-4f46-aceb-05aac24c545e" providerId="ADAL" clId="{BA7E1913-A6F0-C848-94D5-CEC45678B150}" dt="2021-01-20T03:36:45.256" v="0"/>
-          <ac:grpSpMkLst>
-            <pc:docMk/>
-            <pc:sldMk cId="2129126942" sldId="495"/>
-            <ac:grpSpMk id="1" creationId="{00000000-0000-0000-0000-000000000000}"/>
-          </ac:grpSpMkLst>
-        </pc:grpChg>
-        <pc:graphicFrameChg chg="mod">
-          <ac:chgData name="Khattab, Sherif" userId="c83b1e15-36f3-4f46-aceb-05aac24c545e" providerId="ADAL" clId="{BA7E1913-A6F0-C848-94D5-CEC45678B150}" dt="2021-01-20T03:36:45.256" v="0"/>
-          <ac:graphicFrameMkLst>
-            <pc:docMk/>
-            <pc:sldMk cId="2129126942" sldId="495"/>
-            <ac:graphicFrameMk id="36867" creationId="{6EBD17C3-7239-4686-9A19-775BA4E9A6D5}"/>
-          </ac:graphicFrameMkLst>
-        </pc:graphicFrameChg>
+          <ac:chgData name="Khattab, Sherif" userId="c83b1e15-36f3-4f46-aceb-05aac24c545e" providerId="ADAL" clId="{FE92C68B-4A2B-491A-802D-9A016E970098}" dt="2021-01-21T02:52:14.809" v="71" actId="20577"/>
+          <ac:spMkLst>
+            <pc:docMk/>
+            <pc:sldMk cId="702367729" sldId="496"/>
+            <ac:spMk id="3" creationId="{2466C52D-9A48-4683-BE7F-268D8DB7FAAD}"/>
+          </ac:spMkLst>
+        </pc:spChg>
       </pc:sldChg>
     </pc:docChg>
   </pc:docChgLst>
   <pc:docChgLst>
-    <pc:chgData name="Khattab, Sherif" userId="c83b1e15-36f3-4f46-aceb-05aac24c545e" providerId="ADAL" clId="{C38392AF-60C0-7C4E-B866-540BD3A79BF5}"/>
-    <pc:docChg chg="modSld">
-      <pc:chgData name="Khattab, Sherif" userId="c83b1e15-36f3-4f46-aceb-05aac24c545e" providerId="ADAL" clId="{C38392AF-60C0-7C4E-B866-540BD3A79BF5}" dt="2021-09-01T06:15:19.930" v="0"/>
+    <pc:chgData name="Khattab, Sherif" userId="c83b1e15-36f3-4f46-aceb-05aac24c545e" providerId="ADAL" clId="{79D9A848-63DC-C04B-A37B-45CD4B398B25}"/>
+    <pc:docChg chg="sldOrd">
+      <pc:chgData name="Khattab, Sherif" userId="c83b1e15-36f3-4f46-aceb-05aac24c545e" providerId="ADAL" clId="{79D9A848-63DC-C04B-A37B-45CD4B398B25}" dt="2020-10-07T03:45:55.390" v="0" actId="20578"/>
       <pc:docMkLst>
         <pc:docMk/>
       </pc:docMkLst>
-      <pc:sldChg chg="modSp">
-        <pc:chgData name="Khattab, Sherif" userId="c83b1e15-36f3-4f46-aceb-05aac24c545e" providerId="ADAL" clId="{C38392AF-60C0-7C4E-B866-540BD3A79BF5}" dt="2021-09-01T06:15:19.930" v="0"/>
-        <pc:sldMkLst>
-          <pc:docMk/>
-          <pc:sldMk cId="1330366002" sldId="454"/>
-        </pc:sldMkLst>
-        <pc:spChg chg="mod">
-          <ac:chgData name="Khattab, Sherif" userId="c83b1e15-36f3-4f46-aceb-05aac24c545e" providerId="ADAL" clId="{C38392AF-60C0-7C4E-B866-540BD3A79BF5}" dt="2021-09-01T06:15:19.930" v="0"/>
-          <ac:spMkLst>
-            <pc:docMk/>
-            <pc:sldMk cId="1330366002" sldId="454"/>
-            <ac:spMk id="3" creationId="{00000000-0000-0000-0000-000000000000}"/>
-          </ac:spMkLst>
-        </pc:spChg>
+      <pc:sldChg chg="ord">
+        <pc:chgData name="Khattab, Sherif" userId="c83b1e15-36f3-4f46-aceb-05aac24c545e" providerId="ADAL" clId="{79D9A848-63DC-C04B-A37B-45CD4B398B25}" dt="2020-10-07T03:45:55.390" v="0" actId="20578"/>
+        <pc:sldMkLst>
+          <pc:docMk/>
+          <pc:sldMk cId="434376579" sldId="363"/>
+        </pc:sldMkLst>
       </pc:sldChg>
     </pc:docChg>
   </pc:docChgLst>
@@ -5129,111 +4613,1088 @@
     </pc:docChg>
   </pc:docChgLst>
   <pc:docChgLst>
-    <pc:chgData name="Khattab, Sherif" userId="c83b1e15-36f3-4f46-aceb-05aac24c545e" providerId="ADAL" clId="{94F68BA0-932C-4D21-AEE0-E945C2C3FB87}"/>
-    <pc:docChg chg="undo custSel addSld modSld">
-      <pc:chgData name="Khattab, Sherif" userId="c83b1e15-36f3-4f46-aceb-05aac24c545e" providerId="ADAL" clId="{94F68BA0-932C-4D21-AEE0-E945C2C3FB87}" dt="2021-01-28T21:10:21.158" v="176" actId="20577"/>
+    <pc:chgData name="Khattab, Sherif" userId="c83b1e15-36f3-4f46-aceb-05aac24c545e" providerId="ADAL" clId="{C38392AF-60C0-7C4E-B866-540BD3A79BF5}"/>
+    <pc:docChg chg="modSld">
+      <pc:chgData name="Khattab, Sherif" userId="c83b1e15-36f3-4f46-aceb-05aac24c545e" providerId="ADAL" clId="{C38392AF-60C0-7C4E-B866-540BD3A79BF5}" dt="2021-09-01T06:15:19.930" v="0"/>
       <pc:docMkLst>
         <pc:docMk/>
       </pc:docMkLst>
-      <pc:sldChg chg="addSp modSp new mod modNotesTx">
-        <pc:chgData name="Khattab, Sherif" userId="c83b1e15-36f3-4f46-aceb-05aac24c545e" providerId="ADAL" clId="{94F68BA0-932C-4D21-AEE0-E945C2C3FB87}" dt="2021-01-28T21:07:59.505" v="24" actId="1076"/>
-        <pc:sldMkLst>
-          <pc:docMk/>
-          <pc:sldMk cId="1845419114" sldId="507"/>
+      <pc:sldChg chg="modSp">
+        <pc:chgData name="Khattab, Sherif" userId="c83b1e15-36f3-4f46-aceb-05aac24c545e" providerId="ADAL" clId="{C38392AF-60C0-7C4E-B866-540BD3A79BF5}" dt="2021-09-01T06:15:19.930" v="0"/>
+        <pc:sldMkLst>
+          <pc:docMk/>
+          <pc:sldMk cId="1330366002" sldId="454"/>
         </pc:sldMkLst>
         <pc:spChg chg="mod">
-          <ac:chgData name="Khattab, Sherif" userId="c83b1e15-36f3-4f46-aceb-05aac24c545e" providerId="ADAL" clId="{94F68BA0-932C-4D21-AEE0-E945C2C3FB87}" dt="2021-01-28T21:07:52.378" v="21" actId="20577"/>
-          <ac:spMkLst>
-            <pc:docMk/>
-            <pc:sldMk cId="1845419114" sldId="507"/>
-            <ac:spMk id="2" creationId="{21B069AF-6569-4512-986F-E784F07B4C99}"/>
-          </ac:spMkLst>
-        </pc:spChg>
-        <pc:picChg chg="add mod">
-          <ac:chgData name="Khattab, Sherif" userId="c83b1e15-36f3-4f46-aceb-05aac24c545e" providerId="ADAL" clId="{94F68BA0-932C-4D21-AEE0-E945C2C3FB87}" dt="2021-01-28T21:07:59.505" v="24" actId="1076"/>
-          <ac:picMkLst>
-            <pc:docMk/>
-            <pc:sldMk cId="1845419114" sldId="507"/>
-            <ac:picMk id="7" creationId="{A2165A44-E543-4E5D-ADBC-6FFA9E6C6982}"/>
-          </ac:picMkLst>
-        </pc:picChg>
-      </pc:sldChg>
-      <pc:sldChg chg="addSp modSp new mod">
-        <pc:chgData name="Khattab, Sherif" userId="c83b1e15-36f3-4f46-aceb-05aac24c545e" providerId="ADAL" clId="{94F68BA0-932C-4D21-AEE0-E945C2C3FB87}" dt="2021-01-28T21:08:43.072" v="60" actId="1076"/>
-        <pc:sldMkLst>
-          <pc:docMk/>
-          <pc:sldMk cId="2093362943" sldId="508"/>
+          <ac:chgData name="Khattab, Sherif" userId="c83b1e15-36f3-4f46-aceb-05aac24c545e" providerId="ADAL" clId="{C38392AF-60C0-7C4E-B866-540BD3A79BF5}" dt="2021-09-01T06:15:19.930" v="0"/>
+          <ac:spMkLst>
+            <pc:docMk/>
+            <pc:sldMk cId="1330366002" sldId="454"/>
+            <ac:spMk id="3" creationId="{00000000-0000-0000-0000-000000000000}"/>
+          </ac:spMkLst>
+        </pc:spChg>
+      </pc:sldChg>
+    </pc:docChg>
+  </pc:docChgLst>
+  <pc:docChgLst>
+    <pc:chgData name="Khattab, Sherif" userId="c83b1e15-36f3-4f46-aceb-05aac24c545e" providerId="ADAL" clId="{DE316A4D-089D-2A40-9FA9-4724C2884636}"/>
+    <pc:docChg chg="undo custSel addSld delSld modSld">
+      <pc:chgData name="Khattab, Sherif" userId="c83b1e15-36f3-4f46-aceb-05aac24c545e" providerId="ADAL" clId="{DE316A4D-089D-2A40-9FA9-4724C2884636}" dt="2019-05-23T05:43:41.544" v="183"/>
+      <pc:docMkLst>
+        <pc:docMk/>
+      </pc:docMkLst>
+      <pc:sldChg chg="modSp">
+        <pc:chgData name="Khattab, Sherif" userId="c83b1e15-36f3-4f46-aceb-05aac24c545e" providerId="ADAL" clId="{DE316A4D-089D-2A40-9FA9-4724C2884636}" dt="2019-05-14T13:41:27.276" v="1" actId="20577"/>
+        <pc:sldMkLst>
+          <pc:docMk/>
+          <pc:sldMk cId="0" sldId="256"/>
         </pc:sldMkLst>
         <pc:spChg chg="mod">
-          <ac:chgData name="Khattab, Sherif" userId="c83b1e15-36f3-4f46-aceb-05aac24c545e" providerId="ADAL" clId="{94F68BA0-932C-4D21-AEE0-E945C2C3FB87}" dt="2021-01-28T21:08:23.017" v="57" actId="313"/>
-          <ac:spMkLst>
-            <pc:docMk/>
-            <pc:sldMk cId="2093362943" sldId="508"/>
-            <ac:spMk id="2" creationId="{9EB84ECC-A963-45D4-A10E-8ED34DA7EC35}"/>
-          </ac:spMkLst>
-        </pc:spChg>
-        <pc:picChg chg="add mod">
-          <ac:chgData name="Khattab, Sherif" userId="c83b1e15-36f3-4f46-aceb-05aac24c545e" providerId="ADAL" clId="{94F68BA0-932C-4D21-AEE0-E945C2C3FB87}" dt="2021-01-28T21:08:43.072" v="60" actId="1076"/>
-          <ac:picMkLst>
-            <pc:docMk/>
-            <pc:sldMk cId="2093362943" sldId="508"/>
-            <ac:picMk id="7" creationId="{F2F5B2AD-A872-4FA9-A92F-14E4C405740D}"/>
-          </ac:picMkLst>
-        </pc:picChg>
-      </pc:sldChg>
-      <pc:sldChg chg="addSp modSp new mod">
-        <pc:chgData name="Khattab, Sherif" userId="c83b1e15-36f3-4f46-aceb-05aac24c545e" providerId="ADAL" clId="{94F68BA0-932C-4D21-AEE0-E945C2C3FB87}" dt="2021-01-28T21:09:24.051" v="94" actId="1076"/>
-        <pc:sldMkLst>
-          <pc:docMk/>
-          <pc:sldMk cId="2804781805" sldId="509"/>
+          <ac:chgData name="Khattab, Sherif" userId="c83b1e15-36f3-4f46-aceb-05aac24c545e" providerId="ADAL" clId="{DE316A4D-089D-2A40-9FA9-4724C2884636}" dt="2019-05-14T13:41:27.276" v="1" actId="20577"/>
+          <ac:spMkLst>
+            <pc:docMk/>
+            <pc:sldMk cId="0" sldId="256"/>
+            <ac:spMk id="2" creationId="{00000000-0000-0000-0000-000000000000}"/>
+          </ac:spMkLst>
+        </pc:spChg>
+      </pc:sldChg>
+      <pc:sldChg chg="del">
+        <pc:chgData name="Khattab, Sherif" userId="c83b1e15-36f3-4f46-aceb-05aac24c545e" providerId="ADAL" clId="{DE316A4D-089D-2A40-9FA9-4724C2884636}" dt="2019-05-23T03:59:27.081" v="2" actId="2696"/>
+        <pc:sldMkLst>
+          <pc:docMk/>
+          <pc:sldMk cId="1969176380" sldId="257"/>
+        </pc:sldMkLst>
+      </pc:sldChg>
+      <pc:sldChg chg="del">
+        <pc:chgData name="Khattab, Sherif" userId="c83b1e15-36f3-4f46-aceb-05aac24c545e" providerId="ADAL" clId="{DE316A4D-089D-2A40-9FA9-4724C2884636}" dt="2019-05-23T03:59:31.239" v="3" actId="2696"/>
+        <pc:sldMkLst>
+          <pc:docMk/>
+          <pc:sldMk cId="978894378" sldId="266"/>
+        </pc:sldMkLst>
+      </pc:sldChg>
+      <pc:sldChg chg="del">
+        <pc:chgData name="Khattab, Sherif" userId="c83b1e15-36f3-4f46-aceb-05aac24c545e" providerId="ADAL" clId="{DE316A4D-089D-2A40-9FA9-4724C2884636}" dt="2019-05-23T03:59:34.863" v="4" actId="2696"/>
+        <pc:sldMkLst>
+          <pc:docMk/>
+          <pc:sldMk cId="1871263980" sldId="275"/>
+        </pc:sldMkLst>
+      </pc:sldChg>
+      <pc:sldChg chg="del">
+        <pc:chgData name="Khattab, Sherif" userId="c83b1e15-36f3-4f46-aceb-05aac24c545e" providerId="ADAL" clId="{DE316A4D-089D-2A40-9FA9-4724C2884636}" dt="2019-05-23T03:59:50.802" v="5" actId="2696"/>
+        <pc:sldMkLst>
+          <pc:docMk/>
+          <pc:sldMk cId="2119836463" sldId="283"/>
+        </pc:sldMkLst>
+      </pc:sldChg>
+      <pc:sldChg chg="del">
+        <pc:chgData name="Khattab, Sherif" userId="c83b1e15-36f3-4f46-aceb-05aac24c545e" providerId="ADAL" clId="{DE316A4D-089D-2A40-9FA9-4724C2884636}" dt="2019-05-23T03:59:50.830" v="6" actId="2696"/>
+        <pc:sldMkLst>
+          <pc:docMk/>
+          <pc:sldMk cId="1220313734" sldId="284"/>
+        </pc:sldMkLst>
+      </pc:sldChg>
+      <pc:sldChg chg="del">
+        <pc:chgData name="Khattab, Sherif" userId="c83b1e15-36f3-4f46-aceb-05aac24c545e" providerId="ADAL" clId="{DE316A4D-089D-2A40-9FA9-4724C2884636}" dt="2019-05-23T03:59:50.853" v="7" actId="2696"/>
+        <pc:sldMkLst>
+          <pc:docMk/>
+          <pc:sldMk cId="882805023" sldId="285"/>
+        </pc:sldMkLst>
+      </pc:sldChg>
+      <pc:sldChg chg="del">
+        <pc:chgData name="Khattab, Sherif" userId="c83b1e15-36f3-4f46-aceb-05aac24c545e" providerId="ADAL" clId="{DE316A4D-089D-2A40-9FA9-4724C2884636}" dt="2019-05-23T03:59:50.877" v="8" actId="2696"/>
+        <pc:sldMkLst>
+          <pc:docMk/>
+          <pc:sldMk cId="561854054" sldId="287"/>
+        </pc:sldMkLst>
+      </pc:sldChg>
+      <pc:sldChg chg="del">
+        <pc:chgData name="Khattab, Sherif" userId="c83b1e15-36f3-4f46-aceb-05aac24c545e" providerId="ADAL" clId="{DE316A4D-089D-2A40-9FA9-4724C2884636}" dt="2019-05-23T03:59:50.893" v="9" actId="2696"/>
+        <pc:sldMkLst>
+          <pc:docMk/>
+          <pc:sldMk cId="1121912213" sldId="288"/>
+        </pc:sldMkLst>
+      </pc:sldChg>
+      <pc:sldChg chg="del">
+        <pc:chgData name="Khattab, Sherif" userId="c83b1e15-36f3-4f46-aceb-05aac24c545e" providerId="ADAL" clId="{DE316A4D-089D-2A40-9FA9-4724C2884636}" dt="2019-05-23T03:59:50.912" v="10" actId="2696"/>
+        <pc:sldMkLst>
+          <pc:docMk/>
+          <pc:sldMk cId="2123485087" sldId="289"/>
+        </pc:sldMkLst>
+      </pc:sldChg>
+      <pc:sldChg chg="del">
+        <pc:chgData name="Khattab, Sherif" userId="c83b1e15-36f3-4f46-aceb-05aac24c545e" providerId="ADAL" clId="{DE316A4D-089D-2A40-9FA9-4724C2884636}" dt="2019-05-23T03:59:50.929" v="11" actId="2696"/>
+        <pc:sldMkLst>
+          <pc:docMk/>
+          <pc:sldMk cId="1071549106" sldId="290"/>
+        </pc:sldMkLst>
+      </pc:sldChg>
+      <pc:sldChg chg="del">
+        <pc:chgData name="Khattab, Sherif" userId="c83b1e15-36f3-4f46-aceb-05aac24c545e" providerId="ADAL" clId="{DE316A4D-089D-2A40-9FA9-4724C2884636}" dt="2019-05-23T03:59:50.947" v="12" actId="2696"/>
+        <pc:sldMkLst>
+          <pc:docMk/>
+          <pc:sldMk cId="622828641" sldId="291"/>
+        </pc:sldMkLst>
+      </pc:sldChg>
+      <pc:sldChg chg="del">
+        <pc:chgData name="Khattab, Sherif" userId="c83b1e15-36f3-4f46-aceb-05aac24c545e" providerId="ADAL" clId="{DE316A4D-089D-2A40-9FA9-4724C2884636}" dt="2019-05-23T03:59:50.968" v="13" actId="2696"/>
+        <pc:sldMkLst>
+          <pc:docMk/>
+          <pc:sldMk cId="1781024462" sldId="292"/>
+        </pc:sldMkLst>
+      </pc:sldChg>
+      <pc:sldChg chg="del">
+        <pc:chgData name="Khattab, Sherif" userId="c83b1e15-36f3-4f46-aceb-05aac24c545e" providerId="ADAL" clId="{DE316A4D-089D-2A40-9FA9-4724C2884636}" dt="2019-05-23T03:59:50.988" v="14" actId="2696"/>
+        <pc:sldMkLst>
+          <pc:docMk/>
+          <pc:sldMk cId="64306115" sldId="295"/>
+        </pc:sldMkLst>
+      </pc:sldChg>
+      <pc:sldChg chg="del">
+        <pc:chgData name="Khattab, Sherif" userId="c83b1e15-36f3-4f46-aceb-05aac24c545e" providerId="ADAL" clId="{DE316A4D-089D-2A40-9FA9-4724C2884636}" dt="2019-05-23T03:59:51.007" v="15" actId="2696"/>
+        <pc:sldMkLst>
+          <pc:docMk/>
+          <pc:sldMk cId="281707087" sldId="296"/>
+        </pc:sldMkLst>
+      </pc:sldChg>
+      <pc:sldChg chg="del">
+        <pc:chgData name="Khattab, Sherif" userId="c83b1e15-36f3-4f46-aceb-05aac24c545e" providerId="ADAL" clId="{DE316A4D-089D-2A40-9FA9-4724C2884636}" dt="2019-05-23T03:59:51.028" v="16" actId="2696"/>
+        <pc:sldMkLst>
+          <pc:docMk/>
+          <pc:sldMk cId="275381494" sldId="297"/>
+        </pc:sldMkLst>
+      </pc:sldChg>
+      <pc:sldChg chg="del">
+        <pc:chgData name="Khattab, Sherif" userId="c83b1e15-36f3-4f46-aceb-05aac24c545e" providerId="ADAL" clId="{DE316A4D-089D-2A40-9FA9-4724C2884636}" dt="2019-05-23T03:59:51.054" v="17" actId="2696"/>
+        <pc:sldMkLst>
+          <pc:docMk/>
+          <pc:sldMk cId="1323538422" sldId="298"/>
+        </pc:sldMkLst>
+      </pc:sldChg>
+      <pc:sldChg chg="del">
+        <pc:chgData name="Khattab, Sherif" userId="c83b1e15-36f3-4f46-aceb-05aac24c545e" providerId="ADAL" clId="{DE316A4D-089D-2A40-9FA9-4724C2884636}" dt="2019-05-23T03:59:51.076" v="18" actId="2696"/>
+        <pc:sldMkLst>
+          <pc:docMk/>
+          <pc:sldMk cId="1186219626" sldId="299"/>
+        </pc:sldMkLst>
+      </pc:sldChg>
+      <pc:sldChg chg="del">
+        <pc:chgData name="Khattab, Sherif" userId="c83b1e15-36f3-4f46-aceb-05aac24c545e" providerId="ADAL" clId="{DE316A4D-089D-2A40-9FA9-4724C2884636}" dt="2019-05-23T03:59:51.094" v="19" actId="2696"/>
+        <pc:sldMkLst>
+          <pc:docMk/>
+          <pc:sldMk cId="1838361739" sldId="300"/>
+        </pc:sldMkLst>
+      </pc:sldChg>
+      <pc:sldChg chg="del">
+        <pc:chgData name="Khattab, Sherif" userId="c83b1e15-36f3-4f46-aceb-05aac24c545e" providerId="ADAL" clId="{DE316A4D-089D-2A40-9FA9-4724C2884636}" dt="2019-05-23T03:59:51.121" v="20" actId="2696"/>
+        <pc:sldMkLst>
+          <pc:docMk/>
+          <pc:sldMk cId="2051028719" sldId="301"/>
+        </pc:sldMkLst>
+      </pc:sldChg>
+      <pc:sldChg chg="del">
+        <pc:chgData name="Khattab, Sherif" userId="c83b1e15-36f3-4f46-aceb-05aac24c545e" providerId="ADAL" clId="{DE316A4D-089D-2A40-9FA9-4724C2884636}" dt="2019-05-23T03:59:51.137" v="21" actId="2696"/>
+        <pc:sldMkLst>
+          <pc:docMk/>
+          <pc:sldMk cId="247758724" sldId="302"/>
+        </pc:sldMkLst>
+      </pc:sldChg>
+      <pc:sldChg chg="del">
+        <pc:chgData name="Khattab, Sherif" userId="c83b1e15-36f3-4f46-aceb-05aac24c545e" providerId="ADAL" clId="{DE316A4D-089D-2A40-9FA9-4724C2884636}" dt="2019-05-23T03:59:51.155" v="22" actId="2696"/>
+        <pc:sldMkLst>
+          <pc:docMk/>
+          <pc:sldMk cId="1220341221" sldId="308"/>
+        </pc:sldMkLst>
+      </pc:sldChg>
+      <pc:sldChg chg="del">
+        <pc:chgData name="Khattab, Sherif" userId="c83b1e15-36f3-4f46-aceb-05aac24c545e" providerId="ADAL" clId="{DE316A4D-089D-2A40-9FA9-4724C2884636}" dt="2019-05-23T03:59:51.175" v="23" actId="2696"/>
+        <pc:sldMkLst>
+          <pc:docMk/>
+          <pc:sldMk cId="7029104" sldId="310"/>
+        </pc:sldMkLst>
+      </pc:sldChg>
+      <pc:sldChg chg="del">
+        <pc:chgData name="Khattab, Sherif" userId="c83b1e15-36f3-4f46-aceb-05aac24c545e" providerId="ADAL" clId="{DE316A4D-089D-2A40-9FA9-4724C2884636}" dt="2019-05-23T03:59:51.194" v="24" actId="2696"/>
+        <pc:sldMkLst>
+          <pc:docMk/>
+          <pc:sldMk cId="1024142779" sldId="312"/>
+        </pc:sldMkLst>
+      </pc:sldChg>
+      <pc:sldChg chg="del">
+        <pc:chgData name="Khattab, Sherif" userId="c83b1e15-36f3-4f46-aceb-05aac24c545e" providerId="ADAL" clId="{DE316A4D-089D-2A40-9FA9-4724C2884636}" dt="2019-05-23T03:59:51.209" v="25" actId="2696"/>
+        <pc:sldMkLst>
+          <pc:docMk/>
+          <pc:sldMk cId="1916533646" sldId="313"/>
+        </pc:sldMkLst>
+      </pc:sldChg>
+      <pc:sldChg chg="del">
+        <pc:chgData name="Khattab, Sherif" userId="c83b1e15-36f3-4f46-aceb-05aac24c545e" providerId="ADAL" clId="{DE316A4D-089D-2A40-9FA9-4724C2884636}" dt="2019-05-23T03:59:51.225" v="26" actId="2696"/>
+        <pc:sldMkLst>
+          <pc:docMk/>
+          <pc:sldMk cId="1496362242" sldId="314"/>
+        </pc:sldMkLst>
+      </pc:sldChg>
+      <pc:sldChg chg="del">
+        <pc:chgData name="Khattab, Sherif" userId="c83b1e15-36f3-4f46-aceb-05aac24c545e" providerId="ADAL" clId="{DE316A4D-089D-2A40-9FA9-4724C2884636}" dt="2019-05-23T03:59:51.246" v="27" actId="2696"/>
+        <pc:sldMkLst>
+          <pc:docMk/>
+          <pc:sldMk cId="1231859445" sldId="315"/>
+        </pc:sldMkLst>
+      </pc:sldChg>
+      <pc:sldChg chg="del">
+        <pc:chgData name="Khattab, Sherif" userId="c83b1e15-36f3-4f46-aceb-05aac24c545e" providerId="ADAL" clId="{DE316A4D-089D-2A40-9FA9-4724C2884636}" dt="2019-05-23T03:59:51.263" v="28" actId="2696"/>
+        <pc:sldMkLst>
+          <pc:docMk/>
+          <pc:sldMk cId="1500164103" sldId="316"/>
+        </pc:sldMkLst>
+      </pc:sldChg>
+      <pc:sldChg chg="del">
+        <pc:chgData name="Khattab, Sherif" userId="c83b1e15-36f3-4f46-aceb-05aac24c545e" providerId="ADAL" clId="{DE316A4D-089D-2A40-9FA9-4724C2884636}" dt="2019-05-23T03:59:51.285" v="29" actId="2696"/>
+        <pc:sldMkLst>
+          <pc:docMk/>
+          <pc:sldMk cId="2062436898" sldId="317"/>
+        </pc:sldMkLst>
+      </pc:sldChg>
+      <pc:sldChg chg="del">
+        <pc:chgData name="Khattab, Sherif" userId="c83b1e15-36f3-4f46-aceb-05aac24c545e" providerId="ADAL" clId="{DE316A4D-089D-2A40-9FA9-4724C2884636}" dt="2019-05-23T04:00:10.658" v="31" actId="2696"/>
+        <pc:sldMkLst>
+          <pc:docMk/>
+          <pc:sldMk cId="234564799" sldId="321"/>
+        </pc:sldMkLst>
+      </pc:sldChg>
+      <pc:sldChg chg="del">
+        <pc:chgData name="Khattab, Sherif" userId="c83b1e15-36f3-4f46-aceb-05aac24c545e" providerId="ADAL" clId="{DE316A4D-089D-2A40-9FA9-4724C2884636}" dt="2019-05-23T04:00:10.675" v="32" actId="2696"/>
+        <pc:sldMkLst>
+          <pc:docMk/>
+          <pc:sldMk cId="12771870" sldId="323"/>
+        </pc:sldMkLst>
+      </pc:sldChg>
+      <pc:sldChg chg="del">
+        <pc:chgData name="Khattab, Sherif" userId="c83b1e15-36f3-4f46-aceb-05aac24c545e" providerId="ADAL" clId="{DE316A4D-089D-2A40-9FA9-4724C2884636}" dt="2019-05-23T04:00:10.691" v="33" actId="2696"/>
+        <pc:sldMkLst>
+          <pc:docMk/>
+          <pc:sldMk cId="1847714567" sldId="325"/>
+        </pc:sldMkLst>
+      </pc:sldChg>
+      <pc:sldChg chg="del">
+        <pc:chgData name="Khattab, Sherif" userId="c83b1e15-36f3-4f46-aceb-05aac24c545e" providerId="ADAL" clId="{DE316A4D-089D-2A40-9FA9-4724C2884636}" dt="2019-05-23T04:00:10.712" v="34" actId="2696"/>
+        <pc:sldMkLst>
+          <pc:docMk/>
+          <pc:sldMk cId="564977494" sldId="326"/>
+        </pc:sldMkLst>
+      </pc:sldChg>
+      <pc:sldChg chg="del">
+        <pc:chgData name="Khattab, Sherif" userId="c83b1e15-36f3-4f46-aceb-05aac24c545e" providerId="ADAL" clId="{DE316A4D-089D-2A40-9FA9-4724C2884636}" dt="2019-05-23T04:00:10.730" v="35" actId="2696"/>
+        <pc:sldMkLst>
+          <pc:docMk/>
+          <pc:sldMk cId="1957278823" sldId="327"/>
+        </pc:sldMkLst>
+      </pc:sldChg>
+      <pc:sldChg chg="del">
+        <pc:chgData name="Khattab, Sherif" userId="c83b1e15-36f3-4f46-aceb-05aac24c545e" providerId="ADAL" clId="{DE316A4D-089D-2A40-9FA9-4724C2884636}" dt="2019-05-23T04:00:10.745" v="36" actId="2696"/>
+        <pc:sldMkLst>
+          <pc:docMk/>
+          <pc:sldMk cId="336896758" sldId="328"/>
+        </pc:sldMkLst>
+      </pc:sldChg>
+      <pc:sldChg chg="del">
+        <pc:chgData name="Khattab, Sherif" userId="c83b1e15-36f3-4f46-aceb-05aac24c545e" providerId="ADAL" clId="{DE316A4D-089D-2A40-9FA9-4724C2884636}" dt="2019-05-23T04:00:10.764" v="37" actId="2696"/>
+        <pc:sldMkLst>
+          <pc:docMk/>
+          <pc:sldMk cId="815879604" sldId="329"/>
+        </pc:sldMkLst>
+      </pc:sldChg>
+      <pc:sldChg chg="del">
+        <pc:chgData name="Khattab, Sherif" userId="c83b1e15-36f3-4f46-aceb-05aac24c545e" providerId="ADAL" clId="{DE316A4D-089D-2A40-9FA9-4724C2884636}" dt="2019-05-23T04:00:10.782" v="38" actId="2696"/>
+        <pc:sldMkLst>
+          <pc:docMk/>
+          <pc:sldMk cId="1076495690" sldId="330"/>
+        </pc:sldMkLst>
+      </pc:sldChg>
+      <pc:sldChg chg="del">
+        <pc:chgData name="Khattab, Sherif" userId="c83b1e15-36f3-4f46-aceb-05aac24c545e" providerId="ADAL" clId="{DE316A4D-089D-2A40-9FA9-4724C2884636}" dt="2019-05-23T04:00:10.800" v="39" actId="2696"/>
+        <pc:sldMkLst>
+          <pc:docMk/>
+          <pc:sldMk cId="17720096" sldId="331"/>
+        </pc:sldMkLst>
+      </pc:sldChg>
+      <pc:sldChg chg="del">
+        <pc:chgData name="Khattab, Sherif" userId="c83b1e15-36f3-4f46-aceb-05aac24c545e" providerId="ADAL" clId="{DE316A4D-089D-2A40-9FA9-4724C2884636}" dt="2019-05-23T04:00:10.818" v="40" actId="2696"/>
+        <pc:sldMkLst>
+          <pc:docMk/>
+          <pc:sldMk cId="501490190" sldId="332"/>
+        </pc:sldMkLst>
+      </pc:sldChg>
+      <pc:sldChg chg="del">
+        <pc:chgData name="Khattab, Sherif" userId="c83b1e15-36f3-4f46-aceb-05aac24c545e" providerId="ADAL" clId="{DE316A4D-089D-2A40-9FA9-4724C2884636}" dt="2019-05-23T04:00:10.831" v="41" actId="2696"/>
+        <pc:sldMkLst>
+          <pc:docMk/>
+          <pc:sldMk cId="790480540" sldId="333"/>
+        </pc:sldMkLst>
+      </pc:sldChg>
+      <pc:sldChg chg="del">
+        <pc:chgData name="Khattab, Sherif" userId="c83b1e15-36f3-4f46-aceb-05aac24c545e" providerId="ADAL" clId="{DE316A4D-089D-2A40-9FA9-4724C2884636}" dt="2019-05-23T04:00:10.847" v="42" actId="2696"/>
+        <pc:sldMkLst>
+          <pc:docMk/>
+          <pc:sldMk cId="1721885993" sldId="334"/>
+        </pc:sldMkLst>
+      </pc:sldChg>
+      <pc:sldChg chg="del">
+        <pc:chgData name="Khattab, Sherif" userId="c83b1e15-36f3-4f46-aceb-05aac24c545e" providerId="ADAL" clId="{DE316A4D-089D-2A40-9FA9-4724C2884636}" dt="2019-05-23T04:00:10.862" v="43" actId="2696"/>
+        <pc:sldMkLst>
+          <pc:docMk/>
+          <pc:sldMk cId="2048526379" sldId="335"/>
+        </pc:sldMkLst>
+      </pc:sldChg>
+      <pc:sldChg chg="del">
+        <pc:chgData name="Khattab, Sherif" userId="c83b1e15-36f3-4f46-aceb-05aac24c545e" providerId="ADAL" clId="{DE316A4D-089D-2A40-9FA9-4724C2884636}" dt="2019-05-23T04:00:10.875" v="44" actId="2696"/>
+        <pc:sldMkLst>
+          <pc:docMk/>
+          <pc:sldMk cId="1818037055" sldId="336"/>
+        </pc:sldMkLst>
+      </pc:sldChg>
+      <pc:sldChg chg="del">
+        <pc:chgData name="Khattab, Sherif" userId="c83b1e15-36f3-4f46-aceb-05aac24c545e" providerId="ADAL" clId="{DE316A4D-089D-2A40-9FA9-4724C2884636}" dt="2019-05-23T04:00:10.942" v="45" actId="2696"/>
+        <pc:sldMkLst>
+          <pc:docMk/>
+          <pc:sldMk cId="1351453869" sldId="337"/>
+        </pc:sldMkLst>
+      </pc:sldChg>
+      <pc:sldChg chg="del">
+        <pc:chgData name="Khattab, Sherif" userId="c83b1e15-36f3-4f46-aceb-05aac24c545e" providerId="ADAL" clId="{DE316A4D-089D-2A40-9FA9-4724C2884636}" dt="2019-05-23T04:00:10.959" v="46" actId="2696"/>
+        <pc:sldMkLst>
+          <pc:docMk/>
+          <pc:sldMk cId="299099826" sldId="344"/>
+        </pc:sldMkLst>
+      </pc:sldChg>
+      <pc:sldChg chg="del">
+        <pc:chgData name="Khattab, Sherif" userId="c83b1e15-36f3-4f46-aceb-05aac24c545e" providerId="ADAL" clId="{DE316A4D-089D-2A40-9FA9-4724C2884636}" dt="2019-05-23T04:00:10.978" v="47" actId="2696"/>
+        <pc:sldMkLst>
+          <pc:docMk/>
+          <pc:sldMk cId="1172624611" sldId="345"/>
+        </pc:sldMkLst>
+      </pc:sldChg>
+      <pc:sldChg chg="del">
+        <pc:chgData name="Khattab, Sherif" userId="c83b1e15-36f3-4f46-aceb-05aac24c545e" providerId="ADAL" clId="{DE316A4D-089D-2A40-9FA9-4724C2884636}" dt="2019-05-23T04:00:10.995" v="48" actId="2696"/>
+        <pc:sldMkLst>
+          <pc:docMk/>
+          <pc:sldMk cId="1402694930" sldId="346"/>
+        </pc:sldMkLst>
+      </pc:sldChg>
+      <pc:sldChg chg="del">
+        <pc:chgData name="Khattab, Sherif" userId="c83b1e15-36f3-4f46-aceb-05aac24c545e" providerId="ADAL" clId="{DE316A4D-089D-2A40-9FA9-4724C2884636}" dt="2019-05-23T04:00:11.012" v="49" actId="2696"/>
+        <pc:sldMkLst>
+          <pc:docMk/>
+          <pc:sldMk cId="1142103534" sldId="347"/>
+        </pc:sldMkLst>
+      </pc:sldChg>
+      <pc:sldChg chg="del">
+        <pc:chgData name="Khattab, Sherif" userId="c83b1e15-36f3-4f46-aceb-05aac24c545e" providerId="ADAL" clId="{DE316A4D-089D-2A40-9FA9-4724C2884636}" dt="2019-05-23T04:00:11.027" v="50" actId="2696"/>
+        <pc:sldMkLst>
+          <pc:docMk/>
+          <pc:sldMk cId="1487891482" sldId="348"/>
+        </pc:sldMkLst>
+      </pc:sldChg>
+      <pc:sldChg chg="del">
+        <pc:chgData name="Khattab, Sherif" userId="c83b1e15-36f3-4f46-aceb-05aac24c545e" providerId="ADAL" clId="{DE316A4D-089D-2A40-9FA9-4724C2884636}" dt="2019-05-23T04:00:11.046" v="51" actId="2696"/>
+        <pc:sldMkLst>
+          <pc:docMk/>
+          <pc:sldMk cId="1088938428" sldId="350"/>
+        </pc:sldMkLst>
+      </pc:sldChg>
+      <pc:sldChg chg="del">
+        <pc:chgData name="Khattab, Sherif" userId="c83b1e15-36f3-4f46-aceb-05aac24c545e" providerId="ADAL" clId="{DE316A4D-089D-2A40-9FA9-4724C2884636}" dt="2019-05-23T04:00:11.061" v="52" actId="2696"/>
+        <pc:sldMkLst>
+          <pc:docMk/>
+          <pc:sldMk cId="522303428" sldId="351"/>
+        </pc:sldMkLst>
+      </pc:sldChg>
+      <pc:sldChg chg="del">
+        <pc:chgData name="Khattab, Sherif" userId="c83b1e15-36f3-4f46-aceb-05aac24c545e" providerId="ADAL" clId="{DE316A4D-089D-2A40-9FA9-4724C2884636}" dt="2019-05-23T04:00:11.078" v="53" actId="2696"/>
+        <pc:sldMkLst>
+          <pc:docMk/>
+          <pc:sldMk cId="1414576433" sldId="352"/>
+        </pc:sldMkLst>
+      </pc:sldChg>
+      <pc:sldChg chg="del">
+        <pc:chgData name="Khattab, Sherif" userId="c83b1e15-36f3-4f46-aceb-05aac24c545e" providerId="ADAL" clId="{DE316A4D-089D-2A40-9FA9-4724C2884636}" dt="2019-05-23T04:00:11.097" v="54" actId="2696"/>
+        <pc:sldMkLst>
+          <pc:docMk/>
+          <pc:sldMk cId="335586832" sldId="353"/>
+        </pc:sldMkLst>
+      </pc:sldChg>
+      <pc:sldChg chg="del">
+        <pc:chgData name="Khattab, Sherif" userId="c83b1e15-36f3-4f46-aceb-05aac24c545e" providerId="ADAL" clId="{DE316A4D-089D-2A40-9FA9-4724C2884636}" dt="2019-05-23T04:00:11.116" v="55" actId="2696"/>
+        <pc:sldMkLst>
+          <pc:docMk/>
+          <pc:sldMk cId="1312654365" sldId="354"/>
+        </pc:sldMkLst>
+      </pc:sldChg>
+      <pc:sldChg chg="del">
+        <pc:chgData name="Khattab, Sherif" userId="c83b1e15-36f3-4f46-aceb-05aac24c545e" providerId="ADAL" clId="{DE316A4D-089D-2A40-9FA9-4724C2884636}" dt="2019-05-23T04:00:11.135" v="56" actId="2696"/>
+        <pc:sldMkLst>
+          <pc:docMk/>
+          <pc:sldMk cId="1650496688" sldId="355"/>
+        </pc:sldMkLst>
+      </pc:sldChg>
+      <pc:sldChg chg="del">
+        <pc:chgData name="Khattab, Sherif" userId="c83b1e15-36f3-4f46-aceb-05aac24c545e" providerId="ADAL" clId="{DE316A4D-089D-2A40-9FA9-4724C2884636}" dt="2019-05-23T04:00:11.151" v="57" actId="2696"/>
+        <pc:sldMkLst>
+          <pc:docMk/>
+          <pc:sldMk cId="1454150411" sldId="356"/>
+        </pc:sldMkLst>
+      </pc:sldChg>
+      <pc:sldChg chg="del">
+        <pc:chgData name="Khattab, Sherif" userId="c83b1e15-36f3-4f46-aceb-05aac24c545e" providerId="ADAL" clId="{DE316A4D-089D-2A40-9FA9-4724C2884636}" dt="2019-05-23T04:00:11.168" v="58" actId="2696"/>
+        <pc:sldMkLst>
+          <pc:docMk/>
+          <pc:sldMk cId="101929529" sldId="360"/>
+        </pc:sldMkLst>
+      </pc:sldChg>
+      <pc:sldChg chg="del">
+        <pc:chgData name="Khattab, Sherif" userId="c83b1e15-36f3-4f46-aceb-05aac24c545e" providerId="ADAL" clId="{DE316A4D-089D-2A40-9FA9-4724C2884636}" dt="2019-05-23T04:00:11.184" v="59" actId="2696"/>
+        <pc:sldMkLst>
+          <pc:docMk/>
+          <pc:sldMk cId="1698948873" sldId="361"/>
+        </pc:sldMkLst>
+      </pc:sldChg>
+      <pc:sldChg chg="del">
+        <pc:chgData name="Khattab, Sherif" userId="c83b1e15-36f3-4f46-aceb-05aac24c545e" providerId="ADAL" clId="{DE316A4D-089D-2A40-9FA9-4724C2884636}" dt="2019-05-23T04:00:10.639" v="30" actId="2696"/>
+        <pc:sldMkLst>
+          <pc:docMk/>
+          <pc:sldMk cId="1039212811" sldId="362"/>
+        </pc:sldMkLst>
+      </pc:sldChg>
+      <pc:sldChg chg="modSp">
+        <pc:chgData name="Khattab, Sherif" userId="c83b1e15-36f3-4f46-aceb-05aac24c545e" providerId="ADAL" clId="{DE316A4D-089D-2A40-9FA9-4724C2884636}" dt="2019-05-23T04:41:06.345" v="179" actId="20577"/>
+        <pc:sldMkLst>
+          <pc:docMk/>
+          <pc:sldMk cId="2782429159" sldId="366"/>
         </pc:sldMkLst>
         <pc:spChg chg="mod">
-          <ac:chgData name="Khattab, Sherif" userId="c83b1e15-36f3-4f46-aceb-05aac24c545e" providerId="ADAL" clId="{94F68BA0-932C-4D21-AEE0-E945C2C3FB87}" dt="2021-01-28T21:09:17.446" v="91" actId="20577"/>
-          <ac:spMkLst>
-            <pc:docMk/>
-            <pc:sldMk cId="2804781805" sldId="509"/>
-            <ac:spMk id="2" creationId="{4CDF7C92-8AA2-4CD2-B245-54C2A5C9C9CD}"/>
-          </ac:spMkLst>
-        </pc:spChg>
-        <pc:picChg chg="add mod">
-          <ac:chgData name="Khattab, Sherif" userId="c83b1e15-36f3-4f46-aceb-05aac24c545e" providerId="ADAL" clId="{94F68BA0-932C-4D21-AEE0-E945C2C3FB87}" dt="2021-01-28T21:09:24.051" v="94" actId="1076"/>
-          <ac:picMkLst>
-            <pc:docMk/>
-            <pc:sldMk cId="2804781805" sldId="509"/>
-            <ac:picMk id="7" creationId="{238CB2BB-984B-497A-B1B0-CC96CC2896B9}"/>
-          </ac:picMkLst>
-        </pc:picChg>
-      </pc:sldChg>
-      <pc:sldChg chg="addSp modSp new mod">
-        <pc:chgData name="Khattab, Sherif" userId="c83b1e15-36f3-4f46-aceb-05aac24c545e" providerId="ADAL" clId="{94F68BA0-932C-4D21-AEE0-E945C2C3FB87}" dt="2021-01-28T21:10:21.158" v="176" actId="20577"/>
-        <pc:sldMkLst>
-          <pc:docMk/>
-          <pc:sldMk cId="2276284397" sldId="510"/>
+          <ac:chgData name="Khattab, Sherif" userId="c83b1e15-36f3-4f46-aceb-05aac24c545e" providerId="ADAL" clId="{DE316A4D-089D-2A40-9FA9-4724C2884636}" dt="2019-05-23T04:41:06.345" v="179" actId="20577"/>
+          <ac:spMkLst>
+            <pc:docMk/>
+            <pc:sldMk cId="2782429159" sldId="366"/>
+            <ac:spMk id="95235" creationId="{2B3AF23D-100F-A945-8AE4-C62D08FB4EFF}"/>
+          </ac:spMkLst>
+        </pc:spChg>
+      </pc:sldChg>
+      <pc:sldChg chg="modSp">
+        <pc:chgData name="Khattab, Sherif" userId="c83b1e15-36f3-4f46-aceb-05aac24c545e" providerId="ADAL" clId="{DE316A4D-089D-2A40-9FA9-4724C2884636}" dt="2019-05-23T04:06:27.051" v="169" actId="20577"/>
+        <pc:sldMkLst>
+          <pc:docMk/>
+          <pc:sldMk cId="1542066946" sldId="374"/>
         </pc:sldMkLst>
         <pc:spChg chg="mod">
-          <ac:chgData name="Khattab, Sherif" userId="c83b1e15-36f3-4f46-aceb-05aac24c545e" providerId="ADAL" clId="{94F68BA0-932C-4D21-AEE0-E945C2C3FB87}" dt="2021-01-28T21:09:56.097" v="114" actId="20577"/>
-          <ac:spMkLst>
-            <pc:docMk/>
-            <pc:sldMk cId="2276284397" sldId="510"/>
-            <ac:spMk id="2" creationId="{ED8DF9D2-F7BE-4014-8ED6-0A9CC155D769}"/>
-          </ac:spMkLst>
-        </pc:spChg>
+          <ac:chgData name="Khattab, Sherif" userId="c83b1e15-36f3-4f46-aceb-05aac24c545e" providerId="ADAL" clId="{DE316A4D-089D-2A40-9FA9-4724C2884636}" dt="2019-05-23T04:06:27.051" v="169" actId="20577"/>
+          <ac:spMkLst>
+            <pc:docMk/>
+            <pc:sldMk cId="1542066946" sldId="374"/>
+            <ac:spMk id="105475" creationId="{B2EA02B2-FF2F-E840-9115-9F46B908CC54}"/>
+          </ac:spMkLst>
+        </pc:spChg>
+      </pc:sldChg>
+      <pc:sldChg chg="add">
+        <pc:chgData name="Khattab, Sherif" userId="c83b1e15-36f3-4f46-aceb-05aac24c545e" providerId="ADAL" clId="{DE316A4D-089D-2A40-9FA9-4724C2884636}" dt="2019-05-23T05:43:41.544" v="183"/>
+        <pc:sldMkLst>
+          <pc:docMk/>
+          <pc:sldMk cId="583513582" sldId="377"/>
+        </pc:sldMkLst>
+      </pc:sldChg>
+      <pc:sldChg chg="modSp del">
+        <pc:chgData name="Khattab, Sherif" userId="c83b1e15-36f3-4f46-aceb-05aac24c545e" providerId="ADAL" clId="{DE316A4D-089D-2A40-9FA9-4724C2884636}" dt="2019-05-23T05:43:32.974" v="182" actId="2696"/>
+        <pc:sldMkLst>
+          <pc:docMk/>
+          <pc:sldMk cId="1942139729" sldId="377"/>
+        </pc:sldMkLst>
         <pc:spChg chg="mod">
-          <ac:chgData name="Khattab, Sherif" userId="c83b1e15-36f3-4f46-aceb-05aac24c545e" providerId="ADAL" clId="{94F68BA0-932C-4D21-AEE0-E945C2C3FB87}" dt="2021-01-28T21:10:21.158" v="176" actId="20577"/>
-          <ac:spMkLst>
-            <pc:docMk/>
-            <pc:sldMk cId="2276284397" sldId="510"/>
-            <ac:spMk id="3" creationId="{E35EDF3F-B0B6-47E3-BCA9-5BEDD8E3FA86}"/>
-          </ac:spMkLst>
-        </pc:spChg>
-        <pc:picChg chg="add mod">
-          <ac:chgData name="Khattab, Sherif" userId="c83b1e15-36f3-4f46-aceb-05aac24c545e" providerId="ADAL" clId="{94F68BA0-932C-4D21-AEE0-E945C2C3FB87}" dt="2021-01-28T21:10:02.098" v="117" actId="1076"/>
-          <ac:picMkLst>
-            <pc:docMk/>
-            <pc:sldMk cId="2276284397" sldId="510"/>
-            <ac:picMk id="7" creationId="{0DABBA41-FAA6-467C-B712-8335CEA891A8}"/>
-          </ac:picMkLst>
-        </pc:picChg>
+          <ac:chgData name="Khattab, Sherif" userId="c83b1e15-36f3-4f46-aceb-05aac24c545e" providerId="ADAL" clId="{DE316A4D-089D-2A40-9FA9-4724C2884636}" dt="2019-05-23T05:40:47.295" v="181" actId="20577"/>
+          <ac:spMkLst>
+            <pc:docMk/>
+            <pc:sldMk cId="1942139729" sldId="377"/>
+            <ac:spMk id="114694" creationId="{BBDAC104-BD98-9A47-A516-EE144AE2C4FF}"/>
+          </ac:spMkLst>
+        </pc:spChg>
+      </pc:sldChg>
+    </pc:docChg>
+  </pc:docChgLst>
+  <pc:docChgLst>
+    <pc:chgData name="Khattab, Sherif" userId="c83b1e15-36f3-4f46-aceb-05aac24c545e" providerId="ADAL" clId="{BA7E1913-A6F0-C848-94D5-CEC45678B150}"/>
+    <pc:docChg chg="addSld modSld">
+      <pc:chgData name="Khattab, Sherif" userId="c83b1e15-36f3-4f46-aceb-05aac24c545e" providerId="ADAL" clId="{BA7E1913-A6F0-C848-94D5-CEC45678B150}" dt="2021-01-20T03:36:45.256" v="0"/>
+      <pc:docMkLst>
+        <pc:docMk/>
+      </pc:docMkLst>
+      <pc:sldChg chg="add">
+        <pc:chgData name="Khattab, Sherif" userId="c83b1e15-36f3-4f46-aceb-05aac24c545e" providerId="ADAL" clId="{BA7E1913-A6F0-C848-94D5-CEC45678B150}" dt="2021-01-20T03:36:45.256" v="0"/>
+        <pc:sldMkLst>
+          <pc:docMk/>
+          <pc:sldMk cId="2329144619" sldId="445"/>
+        </pc:sldMkLst>
+      </pc:sldChg>
+      <pc:sldChg chg="add">
+        <pc:chgData name="Khattab, Sherif" userId="c83b1e15-36f3-4f46-aceb-05aac24c545e" providerId="ADAL" clId="{BA7E1913-A6F0-C848-94D5-CEC45678B150}" dt="2021-01-20T03:36:45.256" v="0"/>
+        <pc:sldMkLst>
+          <pc:docMk/>
+          <pc:sldMk cId="1783368962" sldId="448"/>
+        </pc:sldMkLst>
+      </pc:sldChg>
+      <pc:sldChg chg="add">
+        <pc:chgData name="Khattab, Sherif" userId="c83b1e15-36f3-4f46-aceb-05aac24c545e" providerId="ADAL" clId="{BA7E1913-A6F0-C848-94D5-CEC45678B150}" dt="2021-01-20T03:36:45.256" v="0"/>
+        <pc:sldMkLst>
+          <pc:docMk/>
+          <pc:sldMk cId="2276002102" sldId="451"/>
+        </pc:sldMkLst>
+      </pc:sldChg>
+      <pc:sldChg chg="modSp">
+        <pc:chgData name="Khattab, Sherif" userId="c83b1e15-36f3-4f46-aceb-05aac24c545e" providerId="ADAL" clId="{BA7E1913-A6F0-C848-94D5-CEC45678B150}" dt="2021-01-20T03:36:45.256" v="0"/>
+        <pc:sldMkLst>
+          <pc:docMk/>
+          <pc:sldMk cId="1025764700" sldId="471"/>
+        </pc:sldMkLst>
+        <pc:spChg chg="mod">
+          <ac:chgData name="Khattab, Sherif" userId="c83b1e15-36f3-4f46-aceb-05aac24c545e" providerId="ADAL" clId="{BA7E1913-A6F0-C848-94D5-CEC45678B150}" dt="2021-01-20T03:36:45.256" v="0"/>
+          <ac:spMkLst>
+            <pc:docMk/>
+            <pc:sldMk cId="1025764700" sldId="471"/>
+            <ac:spMk id="2" creationId="{002C4211-0128-449E-9D1F-69BC748F2810}"/>
+          </ac:spMkLst>
+        </pc:spChg>
+        <pc:spChg chg="mod">
+          <ac:chgData name="Khattab, Sherif" userId="c83b1e15-36f3-4f46-aceb-05aac24c545e" providerId="ADAL" clId="{BA7E1913-A6F0-C848-94D5-CEC45678B150}" dt="2021-01-20T03:36:45.256" v="0"/>
+          <ac:spMkLst>
+            <pc:docMk/>
+            <pc:sldMk cId="1025764700" sldId="471"/>
+            <ac:spMk id="4" creationId="{2E01187D-8C39-467D-8FD2-B6E79B15F5CB}"/>
+          </ac:spMkLst>
+        </pc:spChg>
+        <pc:spChg chg="mod">
+          <ac:chgData name="Khattab, Sherif" userId="c83b1e15-36f3-4f46-aceb-05aac24c545e" providerId="ADAL" clId="{BA7E1913-A6F0-C848-94D5-CEC45678B150}" dt="2021-01-20T03:36:45.256" v="0"/>
+          <ac:spMkLst>
+            <pc:docMk/>
+            <pc:sldMk cId="1025764700" sldId="471"/>
+            <ac:spMk id="5121" creationId="{7512BAA4-EBB3-4158-9546-24CBE50F6439}"/>
+          </ac:spMkLst>
+        </pc:spChg>
+        <pc:spChg chg="mod">
+          <ac:chgData name="Khattab, Sherif" userId="c83b1e15-36f3-4f46-aceb-05aac24c545e" providerId="ADAL" clId="{BA7E1913-A6F0-C848-94D5-CEC45678B150}" dt="2021-01-20T03:36:45.256" v="0"/>
+          <ac:spMkLst>
+            <pc:docMk/>
+            <pc:sldMk cId="1025764700" sldId="471"/>
+            <ac:spMk id="5122" creationId="{23997D45-6B1B-416E-BB06-0DAFD6B2DE75}"/>
+          </ac:spMkLst>
+        </pc:spChg>
+        <pc:grpChg chg="mod">
+          <ac:chgData name="Khattab, Sherif" userId="c83b1e15-36f3-4f46-aceb-05aac24c545e" providerId="ADAL" clId="{BA7E1913-A6F0-C848-94D5-CEC45678B150}" dt="2021-01-20T03:36:45.256" v="0"/>
+          <ac:grpSpMkLst>
+            <pc:docMk/>
+            <pc:sldMk cId="1025764700" sldId="471"/>
+            <ac:grpSpMk id="1" creationId="{00000000-0000-0000-0000-000000000000}"/>
+          </ac:grpSpMkLst>
+        </pc:grpChg>
+        <pc:graphicFrameChg chg="mod">
+          <ac:chgData name="Khattab, Sherif" userId="c83b1e15-36f3-4f46-aceb-05aac24c545e" providerId="ADAL" clId="{BA7E1913-A6F0-C848-94D5-CEC45678B150}" dt="2021-01-20T03:36:45.256" v="0"/>
+          <ac:graphicFrameMkLst>
+            <pc:docMk/>
+            <pc:sldMk cId="1025764700" sldId="471"/>
+            <ac:graphicFrameMk id="5123" creationId="{21D7AF36-DB7D-4E96-B4D0-2E733D24C464}"/>
+          </ac:graphicFrameMkLst>
+        </pc:graphicFrameChg>
+      </pc:sldChg>
+      <pc:sldChg chg="modSp">
+        <pc:chgData name="Khattab, Sherif" userId="c83b1e15-36f3-4f46-aceb-05aac24c545e" providerId="ADAL" clId="{BA7E1913-A6F0-C848-94D5-CEC45678B150}" dt="2021-01-20T03:36:45.256" v="0"/>
+        <pc:sldMkLst>
+          <pc:docMk/>
+          <pc:sldMk cId="3109107092" sldId="472"/>
+        </pc:sldMkLst>
+        <pc:spChg chg="mod">
+          <ac:chgData name="Khattab, Sherif" userId="c83b1e15-36f3-4f46-aceb-05aac24c545e" providerId="ADAL" clId="{BA7E1913-A6F0-C848-94D5-CEC45678B150}" dt="2021-01-20T03:36:45.256" v="0"/>
+          <ac:spMkLst>
+            <pc:docMk/>
+            <pc:sldMk cId="3109107092" sldId="472"/>
+            <ac:spMk id="3" creationId="{30AEF3C6-7EA7-449A-9293-E3ED9F2886F9}"/>
+          </ac:spMkLst>
+        </pc:spChg>
+        <pc:spChg chg="mod">
+          <ac:chgData name="Khattab, Sherif" userId="c83b1e15-36f3-4f46-aceb-05aac24c545e" providerId="ADAL" clId="{BA7E1913-A6F0-C848-94D5-CEC45678B150}" dt="2021-01-20T03:36:45.256" v="0"/>
+          <ac:spMkLst>
+            <pc:docMk/>
+            <pc:sldMk cId="3109107092" sldId="472"/>
+            <ac:spMk id="5" creationId="{86D334BE-F1A0-401C-A7A6-E8399DADA66A}"/>
+          </ac:spMkLst>
+        </pc:spChg>
+        <pc:spChg chg="mod">
+          <ac:chgData name="Khattab, Sherif" userId="c83b1e15-36f3-4f46-aceb-05aac24c545e" providerId="ADAL" clId="{BA7E1913-A6F0-C848-94D5-CEC45678B150}" dt="2021-01-20T03:36:45.256" v="0"/>
+          <ac:spMkLst>
+            <pc:docMk/>
+            <pc:sldMk cId="3109107092" sldId="472"/>
+            <ac:spMk id="7" creationId="{E5F29704-03AA-B747-A2ED-5B8027B1EDEB}"/>
+          </ac:spMkLst>
+        </pc:spChg>
+        <pc:spChg chg="mod">
+          <ac:chgData name="Khattab, Sherif" userId="c83b1e15-36f3-4f46-aceb-05aac24c545e" providerId="ADAL" clId="{BA7E1913-A6F0-C848-94D5-CEC45678B150}" dt="2021-01-20T03:36:45.256" v="0"/>
+          <ac:spMkLst>
+            <pc:docMk/>
+            <pc:sldMk cId="3109107092" sldId="472"/>
+            <ac:spMk id="6146" creationId="{5AEA12F1-A345-4E80-B81B-BB7F54B720F7}"/>
+          </ac:spMkLst>
+        </pc:spChg>
+        <pc:grpChg chg="mod">
+          <ac:chgData name="Khattab, Sherif" userId="c83b1e15-36f3-4f46-aceb-05aac24c545e" providerId="ADAL" clId="{BA7E1913-A6F0-C848-94D5-CEC45678B150}" dt="2021-01-20T03:36:45.256" v="0"/>
+          <ac:grpSpMkLst>
+            <pc:docMk/>
+            <pc:sldMk cId="3109107092" sldId="472"/>
+            <ac:grpSpMk id="1" creationId="{00000000-0000-0000-0000-000000000000}"/>
+          </ac:grpSpMkLst>
+        </pc:grpChg>
+        <pc:graphicFrameChg chg="mod">
+          <ac:chgData name="Khattab, Sherif" userId="c83b1e15-36f3-4f46-aceb-05aac24c545e" providerId="ADAL" clId="{BA7E1913-A6F0-C848-94D5-CEC45678B150}" dt="2021-01-20T03:36:45.256" v="0"/>
+          <ac:graphicFrameMkLst>
+            <pc:docMk/>
+            <pc:sldMk cId="3109107092" sldId="472"/>
+            <ac:graphicFrameMk id="6145" creationId="{1F7F153F-0046-48A7-AF42-071F4C813482}"/>
+          </ac:graphicFrameMkLst>
+        </pc:graphicFrameChg>
+      </pc:sldChg>
+      <pc:sldChg chg="modSp">
+        <pc:chgData name="Khattab, Sherif" userId="c83b1e15-36f3-4f46-aceb-05aac24c545e" providerId="ADAL" clId="{BA7E1913-A6F0-C848-94D5-CEC45678B150}" dt="2021-01-20T03:36:45.256" v="0"/>
+        <pc:sldMkLst>
+          <pc:docMk/>
+          <pc:sldMk cId="4038969182" sldId="477"/>
+        </pc:sldMkLst>
+        <pc:spChg chg="mod">
+          <ac:chgData name="Khattab, Sherif" userId="c83b1e15-36f3-4f46-aceb-05aac24c545e" providerId="ADAL" clId="{BA7E1913-A6F0-C848-94D5-CEC45678B150}" dt="2021-01-20T03:36:45.256" v="0"/>
+          <ac:spMkLst>
+            <pc:docMk/>
+            <pc:sldMk cId="4038969182" sldId="477"/>
+            <ac:spMk id="2" creationId="{FC2F5822-FB95-4FA7-8814-7A9973030216}"/>
+          </ac:spMkLst>
+        </pc:spChg>
+        <pc:spChg chg="mod">
+          <ac:chgData name="Khattab, Sherif" userId="c83b1e15-36f3-4f46-aceb-05aac24c545e" providerId="ADAL" clId="{BA7E1913-A6F0-C848-94D5-CEC45678B150}" dt="2021-01-20T03:36:45.256" v="0"/>
+          <ac:spMkLst>
+            <pc:docMk/>
+            <pc:sldMk cId="4038969182" sldId="477"/>
+            <ac:spMk id="4" creationId="{AC512AFF-6A18-4D49-A4E6-2CC1827AA033}"/>
+          </ac:spMkLst>
+        </pc:spChg>
+        <pc:spChg chg="mod">
+          <ac:chgData name="Khattab, Sherif" userId="c83b1e15-36f3-4f46-aceb-05aac24c545e" providerId="ADAL" clId="{BA7E1913-A6F0-C848-94D5-CEC45678B150}" dt="2021-01-20T03:36:45.256" v="0"/>
+          <ac:spMkLst>
+            <pc:docMk/>
+            <pc:sldMk cId="4038969182" sldId="477"/>
+            <ac:spMk id="16385" creationId="{6A11D2B9-CA45-4A0D-B509-8257E2D9B94F}"/>
+          </ac:spMkLst>
+        </pc:spChg>
+        <pc:spChg chg="mod">
+          <ac:chgData name="Khattab, Sherif" userId="c83b1e15-36f3-4f46-aceb-05aac24c545e" providerId="ADAL" clId="{BA7E1913-A6F0-C848-94D5-CEC45678B150}" dt="2021-01-20T03:36:45.256" v="0"/>
+          <ac:spMkLst>
+            <pc:docMk/>
+            <pc:sldMk cId="4038969182" sldId="477"/>
+            <ac:spMk id="16386" creationId="{2EE14E1C-57AD-4AA5-8D97-EF494DA8A5A6}"/>
+          </ac:spMkLst>
+        </pc:spChg>
+        <pc:grpChg chg="mod">
+          <ac:chgData name="Khattab, Sherif" userId="c83b1e15-36f3-4f46-aceb-05aac24c545e" providerId="ADAL" clId="{BA7E1913-A6F0-C848-94D5-CEC45678B150}" dt="2021-01-20T03:36:45.256" v="0"/>
+          <ac:grpSpMkLst>
+            <pc:docMk/>
+            <pc:sldMk cId="4038969182" sldId="477"/>
+            <ac:grpSpMk id="1" creationId="{00000000-0000-0000-0000-000000000000}"/>
+          </ac:grpSpMkLst>
+        </pc:grpChg>
+        <pc:graphicFrameChg chg="mod">
+          <ac:chgData name="Khattab, Sherif" userId="c83b1e15-36f3-4f46-aceb-05aac24c545e" providerId="ADAL" clId="{BA7E1913-A6F0-C848-94D5-CEC45678B150}" dt="2021-01-20T03:36:45.256" v="0"/>
+          <ac:graphicFrameMkLst>
+            <pc:docMk/>
+            <pc:sldMk cId="4038969182" sldId="477"/>
+            <ac:graphicFrameMk id="16387" creationId="{AF2F8ED8-16A1-4F89-BDB6-8C2730B36B52}"/>
+          </ac:graphicFrameMkLst>
+        </pc:graphicFrameChg>
+      </pc:sldChg>
+      <pc:sldChg chg="modSp">
+        <pc:chgData name="Khattab, Sherif" userId="c83b1e15-36f3-4f46-aceb-05aac24c545e" providerId="ADAL" clId="{BA7E1913-A6F0-C848-94D5-CEC45678B150}" dt="2021-01-20T03:36:45.256" v="0"/>
+        <pc:sldMkLst>
+          <pc:docMk/>
+          <pc:sldMk cId="873856523" sldId="479"/>
+        </pc:sldMkLst>
+        <pc:spChg chg="mod">
+          <ac:chgData name="Khattab, Sherif" userId="c83b1e15-36f3-4f46-aceb-05aac24c545e" providerId="ADAL" clId="{BA7E1913-A6F0-C848-94D5-CEC45678B150}" dt="2021-01-20T03:36:45.256" v="0"/>
+          <ac:spMkLst>
+            <pc:docMk/>
+            <pc:sldMk cId="873856523" sldId="479"/>
+            <ac:spMk id="2" creationId="{0EA6D591-B53C-496E-AC8A-4A137C95CFED}"/>
+          </ac:spMkLst>
+        </pc:spChg>
+        <pc:spChg chg="mod">
+          <ac:chgData name="Khattab, Sherif" userId="c83b1e15-36f3-4f46-aceb-05aac24c545e" providerId="ADAL" clId="{BA7E1913-A6F0-C848-94D5-CEC45678B150}" dt="2021-01-20T03:36:45.256" v="0"/>
+          <ac:spMkLst>
+            <pc:docMk/>
+            <pc:sldMk cId="873856523" sldId="479"/>
+            <ac:spMk id="4" creationId="{ED98CD1B-CC0F-4183-9A7A-D761866A6186}"/>
+          </ac:spMkLst>
+        </pc:spChg>
+        <pc:spChg chg="mod">
+          <ac:chgData name="Khattab, Sherif" userId="c83b1e15-36f3-4f46-aceb-05aac24c545e" providerId="ADAL" clId="{BA7E1913-A6F0-C848-94D5-CEC45678B150}" dt="2021-01-20T03:36:45.256" v="0"/>
+          <ac:spMkLst>
+            <pc:docMk/>
+            <pc:sldMk cId="873856523" sldId="479"/>
+            <ac:spMk id="18433" creationId="{E3607FC9-A77A-4CEC-B201-FD6943B401ED}"/>
+          </ac:spMkLst>
+        </pc:spChg>
+        <pc:spChg chg="mod">
+          <ac:chgData name="Khattab, Sherif" userId="c83b1e15-36f3-4f46-aceb-05aac24c545e" providerId="ADAL" clId="{BA7E1913-A6F0-C848-94D5-CEC45678B150}" dt="2021-01-20T03:36:45.256" v="0"/>
+          <ac:spMkLst>
+            <pc:docMk/>
+            <pc:sldMk cId="873856523" sldId="479"/>
+            <ac:spMk id="18434" creationId="{A670C1CC-C98F-4983-9392-1D866C0F5D42}"/>
+          </ac:spMkLst>
+        </pc:spChg>
+        <pc:grpChg chg="mod">
+          <ac:chgData name="Khattab, Sherif" userId="c83b1e15-36f3-4f46-aceb-05aac24c545e" providerId="ADAL" clId="{BA7E1913-A6F0-C848-94D5-CEC45678B150}" dt="2021-01-20T03:36:45.256" v="0"/>
+          <ac:grpSpMkLst>
+            <pc:docMk/>
+            <pc:sldMk cId="873856523" sldId="479"/>
+            <ac:grpSpMk id="1" creationId="{00000000-0000-0000-0000-000000000000}"/>
+          </ac:grpSpMkLst>
+        </pc:grpChg>
+        <pc:graphicFrameChg chg="mod">
+          <ac:chgData name="Khattab, Sherif" userId="c83b1e15-36f3-4f46-aceb-05aac24c545e" providerId="ADAL" clId="{BA7E1913-A6F0-C848-94D5-CEC45678B150}" dt="2021-01-20T03:36:45.256" v="0"/>
+          <ac:graphicFrameMkLst>
+            <pc:docMk/>
+            <pc:sldMk cId="873856523" sldId="479"/>
+            <ac:graphicFrameMk id="18435" creationId="{E649380A-CE1F-4021-A060-3DE112829840}"/>
+          </ac:graphicFrameMkLst>
+        </pc:graphicFrameChg>
+      </pc:sldChg>
+      <pc:sldChg chg="modSp">
+        <pc:chgData name="Khattab, Sherif" userId="c83b1e15-36f3-4f46-aceb-05aac24c545e" providerId="ADAL" clId="{BA7E1913-A6F0-C848-94D5-CEC45678B150}" dt="2021-01-20T03:36:45.256" v="0"/>
+        <pc:sldMkLst>
+          <pc:docMk/>
+          <pc:sldMk cId="1560930406" sldId="482"/>
+        </pc:sldMkLst>
+        <pc:spChg chg="mod">
+          <ac:chgData name="Khattab, Sherif" userId="c83b1e15-36f3-4f46-aceb-05aac24c545e" providerId="ADAL" clId="{BA7E1913-A6F0-C848-94D5-CEC45678B150}" dt="2021-01-20T03:36:45.256" v="0"/>
+          <ac:spMkLst>
+            <pc:docMk/>
+            <pc:sldMk cId="1560930406" sldId="482"/>
+            <ac:spMk id="2" creationId="{DF0F4013-0B68-4D88-865A-4FC3176C8654}"/>
+          </ac:spMkLst>
+        </pc:spChg>
+        <pc:spChg chg="mod">
+          <ac:chgData name="Khattab, Sherif" userId="c83b1e15-36f3-4f46-aceb-05aac24c545e" providerId="ADAL" clId="{BA7E1913-A6F0-C848-94D5-CEC45678B150}" dt="2021-01-20T03:36:45.256" v="0"/>
+          <ac:spMkLst>
+            <pc:docMk/>
+            <pc:sldMk cId="1560930406" sldId="482"/>
+            <ac:spMk id="4" creationId="{EC2FC32F-B9CD-4D1A-AE2B-0825BE055635}"/>
+          </ac:spMkLst>
+        </pc:spChg>
+        <pc:spChg chg="mod">
+          <ac:chgData name="Khattab, Sherif" userId="c83b1e15-36f3-4f46-aceb-05aac24c545e" providerId="ADAL" clId="{BA7E1913-A6F0-C848-94D5-CEC45678B150}" dt="2021-01-20T03:36:45.256" v="0"/>
+          <ac:spMkLst>
+            <pc:docMk/>
+            <pc:sldMk cId="1560930406" sldId="482"/>
+            <ac:spMk id="23553" creationId="{E59624D1-FEEB-4340-9651-13DD586B53A9}"/>
+          </ac:spMkLst>
+        </pc:spChg>
+        <pc:spChg chg="mod">
+          <ac:chgData name="Khattab, Sherif" userId="c83b1e15-36f3-4f46-aceb-05aac24c545e" providerId="ADAL" clId="{BA7E1913-A6F0-C848-94D5-CEC45678B150}" dt="2021-01-20T03:36:45.256" v="0"/>
+          <ac:spMkLst>
+            <pc:docMk/>
+            <pc:sldMk cId="1560930406" sldId="482"/>
+            <ac:spMk id="23554" creationId="{352A19DE-2E99-4131-8018-428EB1D381D8}"/>
+          </ac:spMkLst>
+        </pc:spChg>
+        <pc:grpChg chg="mod">
+          <ac:chgData name="Khattab, Sherif" userId="c83b1e15-36f3-4f46-aceb-05aac24c545e" providerId="ADAL" clId="{BA7E1913-A6F0-C848-94D5-CEC45678B150}" dt="2021-01-20T03:36:45.256" v="0"/>
+          <ac:grpSpMkLst>
+            <pc:docMk/>
+            <pc:sldMk cId="1560930406" sldId="482"/>
+            <ac:grpSpMk id="1" creationId="{00000000-0000-0000-0000-000000000000}"/>
+          </ac:grpSpMkLst>
+        </pc:grpChg>
+        <pc:graphicFrameChg chg="mod">
+          <ac:chgData name="Khattab, Sherif" userId="c83b1e15-36f3-4f46-aceb-05aac24c545e" providerId="ADAL" clId="{BA7E1913-A6F0-C848-94D5-CEC45678B150}" dt="2021-01-20T03:36:45.256" v="0"/>
+          <ac:graphicFrameMkLst>
+            <pc:docMk/>
+            <pc:sldMk cId="1560930406" sldId="482"/>
+            <ac:graphicFrameMk id="23555" creationId="{72BCA54F-0328-4938-A740-EE2040664901}"/>
+          </ac:graphicFrameMkLst>
+        </pc:graphicFrameChg>
+      </pc:sldChg>
+      <pc:sldChg chg="modSp">
+        <pc:chgData name="Khattab, Sherif" userId="c83b1e15-36f3-4f46-aceb-05aac24c545e" providerId="ADAL" clId="{BA7E1913-A6F0-C848-94D5-CEC45678B150}" dt="2021-01-20T03:36:45.256" v="0"/>
+        <pc:sldMkLst>
+          <pc:docMk/>
+          <pc:sldMk cId="1948397067" sldId="484"/>
+        </pc:sldMkLst>
+        <pc:spChg chg="mod">
+          <ac:chgData name="Khattab, Sherif" userId="c83b1e15-36f3-4f46-aceb-05aac24c545e" providerId="ADAL" clId="{BA7E1913-A6F0-C848-94D5-CEC45678B150}" dt="2021-01-20T03:36:45.256" v="0"/>
+          <ac:spMkLst>
+            <pc:docMk/>
+            <pc:sldMk cId="1948397067" sldId="484"/>
+            <ac:spMk id="3" creationId="{8EEA02BE-54EF-4DED-8936-3DDE41ED48F3}"/>
+          </ac:spMkLst>
+        </pc:spChg>
+        <pc:spChg chg="mod">
+          <ac:chgData name="Khattab, Sherif" userId="c83b1e15-36f3-4f46-aceb-05aac24c545e" providerId="ADAL" clId="{BA7E1913-A6F0-C848-94D5-CEC45678B150}" dt="2021-01-20T03:36:45.256" v="0"/>
+          <ac:spMkLst>
+            <pc:docMk/>
+            <pc:sldMk cId="1948397067" sldId="484"/>
+            <ac:spMk id="5" creationId="{DE1FD728-0EB3-4F5A-B200-1BF20173728C}"/>
+          </ac:spMkLst>
+        </pc:spChg>
+        <pc:spChg chg="mod">
+          <ac:chgData name="Khattab, Sherif" userId="c83b1e15-36f3-4f46-aceb-05aac24c545e" providerId="ADAL" clId="{BA7E1913-A6F0-C848-94D5-CEC45678B150}" dt="2021-01-20T03:36:45.256" v="0"/>
+          <ac:spMkLst>
+            <pc:docMk/>
+            <pc:sldMk cId="1948397067" sldId="484"/>
+            <ac:spMk id="7" creationId="{8A225AA0-21AD-A843-A4E3-3C82E24A7D11}"/>
+          </ac:spMkLst>
+        </pc:spChg>
+        <pc:spChg chg="mod">
+          <ac:chgData name="Khattab, Sherif" userId="c83b1e15-36f3-4f46-aceb-05aac24c545e" providerId="ADAL" clId="{BA7E1913-A6F0-C848-94D5-CEC45678B150}" dt="2021-01-20T03:36:45.256" v="0"/>
+          <ac:spMkLst>
+            <pc:docMk/>
+            <pc:sldMk cId="1948397067" sldId="484"/>
+            <ac:spMk id="25601" creationId="{5E2E26B9-79A1-4156-BA81-69E66E0DF0CE}"/>
+          </ac:spMkLst>
+        </pc:spChg>
+        <pc:grpChg chg="mod">
+          <ac:chgData name="Khattab, Sherif" userId="c83b1e15-36f3-4f46-aceb-05aac24c545e" providerId="ADAL" clId="{BA7E1913-A6F0-C848-94D5-CEC45678B150}" dt="2021-01-20T03:36:45.256" v="0"/>
+          <ac:grpSpMkLst>
+            <pc:docMk/>
+            <pc:sldMk cId="1948397067" sldId="484"/>
+            <ac:grpSpMk id="1" creationId="{00000000-0000-0000-0000-000000000000}"/>
+          </ac:grpSpMkLst>
+        </pc:grpChg>
+        <pc:graphicFrameChg chg="mod">
+          <ac:chgData name="Khattab, Sherif" userId="c83b1e15-36f3-4f46-aceb-05aac24c545e" providerId="ADAL" clId="{BA7E1913-A6F0-C848-94D5-CEC45678B150}" dt="2021-01-20T03:36:45.256" v="0"/>
+          <ac:graphicFrameMkLst>
+            <pc:docMk/>
+            <pc:sldMk cId="1948397067" sldId="484"/>
+            <ac:graphicFrameMk id="25602" creationId="{D681AA8F-570B-452A-9EE8-6BAD95C0CB2A}"/>
+          </ac:graphicFrameMkLst>
+        </pc:graphicFrameChg>
+      </pc:sldChg>
+      <pc:sldChg chg="modSp">
+        <pc:chgData name="Khattab, Sherif" userId="c83b1e15-36f3-4f46-aceb-05aac24c545e" providerId="ADAL" clId="{BA7E1913-A6F0-C848-94D5-CEC45678B150}" dt="2021-01-20T03:36:45.256" v="0"/>
+        <pc:sldMkLst>
+          <pc:docMk/>
+          <pc:sldMk cId="1363323927" sldId="488"/>
+        </pc:sldMkLst>
+        <pc:spChg chg="mod">
+          <ac:chgData name="Khattab, Sherif" userId="c83b1e15-36f3-4f46-aceb-05aac24c545e" providerId="ADAL" clId="{BA7E1913-A6F0-C848-94D5-CEC45678B150}" dt="2021-01-20T03:36:45.256" v="0"/>
+          <ac:spMkLst>
+            <pc:docMk/>
+            <pc:sldMk cId="1363323927" sldId="488"/>
+            <ac:spMk id="2" creationId="{D1784F0E-0CE3-4DF2-BF5E-AC961DED9AD5}"/>
+          </ac:spMkLst>
+        </pc:spChg>
+        <pc:spChg chg="mod">
+          <ac:chgData name="Khattab, Sherif" userId="c83b1e15-36f3-4f46-aceb-05aac24c545e" providerId="ADAL" clId="{BA7E1913-A6F0-C848-94D5-CEC45678B150}" dt="2021-01-20T03:36:45.256" v="0"/>
+          <ac:spMkLst>
+            <pc:docMk/>
+            <pc:sldMk cId="1363323927" sldId="488"/>
+            <ac:spMk id="4" creationId="{EDE852BE-9DBB-4B9F-96D6-41502235E65B}"/>
+          </ac:spMkLst>
+        </pc:spChg>
+        <pc:spChg chg="mod">
+          <ac:chgData name="Khattab, Sherif" userId="c83b1e15-36f3-4f46-aceb-05aac24c545e" providerId="ADAL" clId="{BA7E1913-A6F0-C848-94D5-CEC45678B150}" dt="2021-01-20T03:36:45.256" v="0"/>
+          <ac:spMkLst>
+            <pc:docMk/>
+            <pc:sldMk cId="1363323927" sldId="488"/>
+            <ac:spMk id="29697" creationId="{28E17C06-9C26-4EA2-A8CB-9E266E08CFC9}"/>
+          </ac:spMkLst>
+        </pc:spChg>
+        <pc:spChg chg="mod">
+          <ac:chgData name="Khattab, Sherif" userId="c83b1e15-36f3-4f46-aceb-05aac24c545e" providerId="ADAL" clId="{BA7E1913-A6F0-C848-94D5-CEC45678B150}" dt="2021-01-20T03:36:45.256" v="0"/>
+          <ac:spMkLst>
+            <pc:docMk/>
+            <pc:sldMk cId="1363323927" sldId="488"/>
+            <ac:spMk id="29699" creationId="{9B87D08D-EF4A-454B-A132-2A933B33FADF}"/>
+          </ac:spMkLst>
+        </pc:spChg>
+        <pc:grpChg chg="mod">
+          <ac:chgData name="Khattab, Sherif" userId="c83b1e15-36f3-4f46-aceb-05aac24c545e" providerId="ADAL" clId="{BA7E1913-A6F0-C848-94D5-CEC45678B150}" dt="2021-01-20T03:36:45.256" v="0"/>
+          <ac:grpSpMkLst>
+            <pc:docMk/>
+            <pc:sldMk cId="1363323927" sldId="488"/>
+            <ac:grpSpMk id="1" creationId="{00000000-0000-0000-0000-000000000000}"/>
+          </ac:grpSpMkLst>
+        </pc:grpChg>
+        <pc:graphicFrameChg chg="mod">
+          <ac:chgData name="Khattab, Sherif" userId="c83b1e15-36f3-4f46-aceb-05aac24c545e" providerId="ADAL" clId="{BA7E1913-A6F0-C848-94D5-CEC45678B150}" dt="2021-01-20T03:36:45.256" v="0"/>
+          <ac:graphicFrameMkLst>
+            <pc:docMk/>
+            <pc:sldMk cId="1363323927" sldId="488"/>
+            <ac:graphicFrameMk id="29698" creationId="{5096B804-6DD5-4EA7-8B5D-E7C04AA4F65D}"/>
+          </ac:graphicFrameMkLst>
+        </pc:graphicFrameChg>
+      </pc:sldChg>
+      <pc:sldChg chg="modSp">
+        <pc:chgData name="Khattab, Sherif" userId="c83b1e15-36f3-4f46-aceb-05aac24c545e" providerId="ADAL" clId="{BA7E1913-A6F0-C848-94D5-CEC45678B150}" dt="2021-01-20T03:36:45.256" v="0"/>
+        <pc:sldMkLst>
+          <pc:docMk/>
+          <pc:sldMk cId="936409682" sldId="489"/>
+        </pc:sldMkLst>
+        <pc:spChg chg="mod">
+          <ac:chgData name="Khattab, Sherif" userId="c83b1e15-36f3-4f46-aceb-05aac24c545e" providerId="ADAL" clId="{BA7E1913-A6F0-C848-94D5-CEC45678B150}" dt="2021-01-20T03:36:45.256" v="0"/>
+          <ac:spMkLst>
+            <pc:docMk/>
+            <pc:sldMk cId="936409682" sldId="489"/>
+            <ac:spMk id="2" creationId="{150C62BB-E114-454B-85DB-53D764ED6038}"/>
+          </ac:spMkLst>
+        </pc:spChg>
+        <pc:spChg chg="mod">
+          <ac:chgData name="Khattab, Sherif" userId="c83b1e15-36f3-4f46-aceb-05aac24c545e" providerId="ADAL" clId="{BA7E1913-A6F0-C848-94D5-CEC45678B150}" dt="2021-01-20T03:36:45.256" v="0"/>
+          <ac:spMkLst>
+            <pc:docMk/>
+            <pc:sldMk cId="936409682" sldId="489"/>
+            <ac:spMk id="4" creationId="{8F548AA1-681E-4DA0-A9AF-6C8D550D5E08}"/>
+          </ac:spMkLst>
+        </pc:spChg>
+        <pc:spChg chg="mod">
+          <ac:chgData name="Khattab, Sherif" userId="c83b1e15-36f3-4f46-aceb-05aac24c545e" providerId="ADAL" clId="{BA7E1913-A6F0-C848-94D5-CEC45678B150}" dt="2021-01-20T03:36:45.256" v="0"/>
+          <ac:spMkLst>
+            <pc:docMk/>
+            <pc:sldMk cId="936409682" sldId="489"/>
+            <ac:spMk id="30721" creationId="{0A3F3B3A-9F5F-4801-AFED-E732F58A9EA2}"/>
+          </ac:spMkLst>
+        </pc:spChg>
+        <pc:spChg chg="mod">
+          <ac:chgData name="Khattab, Sherif" userId="c83b1e15-36f3-4f46-aceb-05aac24c545e" providerId="ADAL" clId="{BA7E1913-A6F0-C848-94D5-CEC45678B150}" dt="2021-01-20T03:36:45.256" v="0"/>
+          <ac:spMkLst>
+            <pc:docMk/>
+            <pc:sldMk cId="936409682" sldId="489"/>
+            <ac:spMk id="30722" creationId="{33C3E8B9-1772-47B4-9411-185F126423BA}"/>
+          </ac:spMkLst>
+        </pc:spChg>
+        <pc:grpChg chg="mod">
+          <ac:chgData name="Khattab, Sherif" userId="c83b1e15-36f3-4f46-aceb-05aac24c545e" providerId="ADAL" clId="{BA7E1913-A6F0-C848-94D5-CEC45678B150}" dt="2021-01-20T03:36:45.256" v="0"/>
+          <ac:grpSpMkLst>
+            <pc:docMk/>
+            <pc:sldMk cId="936409682" sldId="489"/>
+            <ac:grpSpMk id="1" creationId="{00000000-0000-0000-0000-000000000000}"/>
+          </ac:grpSpMkLst>
+        </pc:grpChg>
+        <pc:graphicFrameChg chg="mod">
+          <ac:chgData name="Khattab, Sherif" userId="c83b1e15-36f3-4f46-aceb-05aac24c545e" providerId="ADAL" clId="{BA7E1913-A6F0-C848-94D5-CEC45678B150}" dt="2021-01-20T03:36:45.256" v="0"/>
+          <ac:graphicFrameMkLst>
+            <pc:docMk/>
+            <pc:sldMk cId="936409682" sldId="489"/>
+            <ac:graphicFrameMk id="30723" creationId="{24ED8923-A61A-4244-A0FE-28542EDE5C2B}"/>
+          </ac:graphicFrameMkLst>
+        </pc:graphicFrameChg>
+      </pc:sldChg>
+      <pc:sldChg chg="modSp">
+        <pc:chgData name="Khattab, Sherif" userId="c83b1e15-36f3-4f46-aceb-05aac24c545e" providerId="ADAL" clId="{BA7E1913-A6F0-C848-94D5-CEC45678B150}" dt="2021-01-20T03:36:45.256" v="0"/>
+        <pc:sldMkLst>
+          <pc:docMk/>
+          <pc:sldMk cId="3447713174" sldId="494"/>
+        </pc:sldMkLst>
+        <pc:spChg chg="mod">
+          <ac:chgData name="Khattab, Sherif" userId="c83b1e15-36f3-4f46-aceb-05aac24c545e" providerId="ADAL" clId="{BA7E1913-A6F0-C848-94D5-CEC45678B150}" dt="2021-01-20T03:36:45.256" v="0"/>
+          <ac:spMkLst>
+            <pc:docMk/>
+            <pc:sldMk cId="3447713174" sldId="494"/>
+            <ac:spMk id="3" creationId="{68983252-D58B-4136-834E-912F539F00B6}"/>
+          </ac:spMkLst>
+        </pc:spChg>
+        <pc:spChg chg="mod">
+          <ac:chgData name="Khattab, Sherif" userId="c83b1e15-36f3-4f46-aceb-05aac24c545e" providerId="ADAL" clId="{BA7E1913-A6F0-C848-94D5-CEC45678B150}" dt="2021-01-20T03:36:45.256" v="0"/>
+          <ac:spMkLst>
+            <pc:docMk/>
+            <pc:sldMk cId="3447713174" sldId="494"/>
+            <ac:spMk id="5" creationId="{6E7E3CCF-4F96-45E6-B828-6AA5F067043A}"/>
+          </ac:spMkLst>
+        </pc:spChg>
+        <pc:spChg chg="mod">
+          <ac:chgData name="Khattab, Sherif" userId="c83b1e15-36f3-4f46-aceb-05aac24c545e" providerId="ADAL" clId="{BA7E1913-A6F0-C848-94D5-CEC45678B150}" dt="2021-01-20T03:36:45.256" v="0"/>
+          <ac:spMkLst>
+            <pc:docMk/>
+            <pc:sldMk cId="3447713174" sldId="494"/>
+            <ac:spMk id="7" creationId="{E82B22B3-1517-E346-9A8B-094A40D2FC5B}"/>
+          </ac:spMkLst>
+        </pc:spChg>
+        <pc:spChg chg="mod">
+          <ac:chgData name="Khattab, Sherif" userId="c83b1e15-36f3-4f46-aceb-05aac24c545e" providerId="ADAL" clId="{BA7E1913-A6F0-C848-94D5-CEC45678B150}" dt="2021-01-20T03:36:45.256" v="0"/>
+          <ac:spMkLst>
+            <pc:docMk/>
+            <pc:sldMk cId="3447713174" sldId="494"/>
+            <ac:spMk id="35841" creationId="{B48F48C8-3631-4F5F-8724-374B534CDB0D}"/>
+          </ac:spMkLst>
+        </pc:spChg>
+        <pc:grpChg chg="mod">
+          <ac:chgData name="Khattab, Sherif" userId="c83b1e15-36f3-4f46-aceb-05aac24c545e" providerId="ADAL" clId="{BA7E1913-A6F0-C848-94D5-CEC45678B150}" dt="2021-01-20T03:36:45.256" v="0"/>
+          <ac:grpSpMkLst>
+            <pc:docMk/>
+            <pc:sldMk cId="3447713174" sldId="494"/>
+            <ac:grpSpMk id="1" creationId="{00000000-0000-0000-0000-000000000000}"/>
+          </ac:grpSpMkLst>
+        </pc:grpChg>
+        <pc:graphicFrameChg chg="mod">
+          <ac:chgData name="Khattab, Sherif" userId="c83b1e15-36f3-4f46-aceb-05aac24c545e" providerId="ADAL" clId="{BA7E1913-A6F0-C848-94D5-CEC45678B150}" dt="2021-01-20T03:36:45.256" v="0"/>
+          <ac:graphicFrameMkLst>
+            <pc:docMk/>
+            <pc:sldMk cId="3447713174" sldId="494"/>
+            <ac:graphicFrameMk id="35842" creationId="{8D1701A4-A56B-439A-9B39-A560D76A3316}"/>
+          </ac:graphicFrameMkLst>
+        </pc:graphicFrameChg>
+      </pc:sldChg>
+      <pc:sldChg chg="modSp">
+        <pc:chgData name="Khattab, Sherif" userId="c83b1e15-36f3-4f46-aceb-05aac24c545e" providerId="ADAL" clId="{BA7E1913-A6F0-C848-94D5-CEC45678B150}" dt="2021-01-20T03:36:45.256" v="0"/>
+        <pc:sldMkLst>
+          <pc:docMk/>
+          <pc:sldMk cId="2129126942" sldId="495"/>
+        </pc:sldMkLst>
+        <pc:spChg chg="mod">
+          <ac:chgData name="Khattab, Sherif" userId="c83b1e15-36f3-4f46-aceb-05aac24c545e" providerId="ADAL" clId="{BA7E1913-A6F0-C848-94D5-CEC45678B150}" dt="2021-01-20T03:36:45.256" v="0"/>
+          <ac:spMkLst>
+            <pc:docMk/>
+            <pc:sldMk cId="2129126942" sldId="495"/>
+            <ac:spMk id="2" creationId="{B0EDE6F0-5E08-467B-A6AE-AA045809023A}"/>
+          </ac:spMkLst>
+        </pc:spChg>
+        <pc:spChg chg="mod">
+          <ac:chgData name="Khattab, Sherif" userId="c83b1e15-36f3-4f46-aceb-05aac24c545e" providerId="ADAL" clId="{BA7E1913-A6F0-C848-94D5-CEC45678B150}" dt="2021-01-20T03:36:45.256" v="0"/>
+          <ac:spMkLst>
+            <pc:docMk/>
+            <pc:sldMk cId="2129126942" sldId="495"/>
+            <ac:spMk id="4" creationId="{31048580-254B-4562-B07A-13FA9D7EEB7E}"/>
+          </ac:spMkLst>
+        </pc:spChg>
+        <pc:spChg chg="mod">
+          <ac:chgData name="Khattab, Sherif" userId="c83b1e15-36f3-4f46-aceb-05aac24c545e" providerId="ADAL" clId="{BA7E1913-A6F0-C848-94D5-CEC45678B150}" dt="2021-01-20T03:36:45.256" v="0"/>
+          <ac:spMkLst>
+            <pc:docMk/>
+            <pc:sldMk cId="2129126942" sldId="495"/>
+            <ac:spMk id="36865" creationId="{7EA33581-0FBA-4513-BC21-59EBD3254C34}"/>
+          </ac:spMkLst>
+        </pc:spChg>
+        <pc:spChg chg="mod">
+          <ac:chgData name="Khattab, Sherif" userId="c83b1e15-36f3-4f46-aceb-05aac24c545e" providerId="ADAL" clId="{BA7E1913-A6F0-C848-94D5-CEC45678B150}" dt="2021-01-20T03:36:45.256" v="0"/>
+          <ac:spMkLst>
+            <pc:docMk/>
+            <pc:sldMk cId="2129126942" sldId="495"/>
+            <ac:spMk id="36866" creationId="{D4B374AC-8E1B-4FB1-8CD1-E75C5A388926}"/>
+          </ac:spMkLst>
+        </pc:spChg>
+        <pc:grpChg chg="mod">
+          <ac:chgData name="Khattab, Sherif" userId="c83b1e15-36f3-4f46-aceb-05aac24c545e" providerId="ADAL" clId="{BA7E1913-A6F0-C848-94D5-CEC45678B150}" dt="2021-01-20T03:36:45.256" v="0"/>
+          <ac:grpSpMkLst>
+            <pc:docMk/>
+            <pc:sldMk cId="2129126942" sldId="495"/>
+            <ac:grpSpMk id="1" creationId="{00000000-0000-0000-0000-000000000000}"/>
+          </ac:grpSpMkLst>
+        </pc:grpChg>
+        <pc:graphicFrameChg chg="mod">
+          <ac:chgData name="Khattab, Sherif" userId="c83b1e15-36f3-4f46-aceb-05aac24c545e" providerId="ADAL" clId="{BA7E1913-A6F0-C848-94D5-CEC45678B150}" dt="2021-01-20T03:36:45.256" v="0"/>
+          <ac:graphicFrameMkLst>
+            <pc:docMk/>
+            <pc:sldMk cId="2129126942" sldId="495"/>
+            <ac:graphicFrameMk id="36867" creationId="{6EBD17C3-7239-4686-9A19-775BA4E9A6D5}"/>
+          </ac:graphicFrameMkLst>
+        </pc:graphicFrameChg>
       </pc:sldChg>
     </pc:docChg>
   </pc:docChgLst>
@@ -6020,22 +6481,6 @@
     </pc:docChg>
   </pc:docChgLst>
   <pc:docChgLst>
-    <pc:chgData name="Khattab, Sherif" userId="c83b1e15-36f3-4f46-aceb-05aac24c545e" providerId="ADAL" clId="{79D9A848-63DC-C04B-A37B-45CD4B398B25}"/>
-    <pc:docChg chg="sldOrd">
-      <pc:chgData name="Khattab, Sherif" userId="c83b1e15-36f3-4f46-aceb-05aac24c545e" providerId="ADAL" clId="{79D9A848-63DC-C04B-A37B-45CD4B398B25}" dt="2020-10-07T03:45:55.390" v="0" actId="20578"/>
-      <pc:docMkLst>
-        <pc:docMk/>
-      </pc:docMkLst>
-      <pc:sldChg chg="ord">
-        <pc:chgData name="Khattab, Sherif" userId="c83b1e15-36f3-4f46-aceb-05aac24c545e" providerId="ADAL" clId="{79D9A848-63DC-C04B-A37B-45CD4B398B25}" dt="2020-10-07T03:45:55.390" v="0" actId="20578"/>
-        <pc:sldMkLst>
-          <pc:docMk/>
-          <pc:sldMk cId="434376579" sldId="363"/>
-        </pc:sldMkLst>
-      </pc:sldChg>
-    </pc:docChg>
-  </pc:docChgLst>
-  <pc:docChgLst>
     <pc:chgData name="Khattab, Sherif" userId="c83b1e15-36f3-4f46-aceb-05aac24c545e" providerId="ADAL" clId="{B684AADD-90BB-CF4F-9435-F94DD05F558E}"/>
     <pc:docChg chg="undo custSel addSld delSld modSld sldOrd">
       <pc:chgData name="Khattab, Sherif" userId="c83b1e15-36f3-4f46-aceb-05aac24c545e" providerId="ADAL" clId="{B684AADD-90BB-CF4F-9435-F94DD05F558E}" dt="2021-01-28T17:28:34.719" v="1364" actId="2696"/>
@@ -7596,555 +8041,127 @@
     </pc:docChg>
   </pc:docChgLst>
   <pc:docChgLst>
-    <pc:chgData name="Khattab, Sherif" userId="c83b1e15-36f3-4f46-aceb-05aac24c545e" providerId="ADAL" clId="{FE92C68B-4A2B-491A-802D-9A016E970098}"/>
-    <pc:docChg chg="addSld modSld">
-      <pc:chgData name="Khattab, Sherif" userId="c83b1e15-36f3-4f46-aceb-05aac24c545e" providerId="ADAL" clId="{FE92C68B-4A2B-491A-802D-9A016E970098}" dt="2021-01-21T02:52:14.809" v="71" actId="20577"/>
+    <pc:chgData name="Khattab, Sherif" userId="c83b1e15-36f3-4f46-aceb-05aac24c545e" providerId="ADAL" clId="{94F68BA0-932C-4D21-AEE0-E945C2C3FB87}"/>
+    <pc:docChg chg="undo custSel addSld modSld">
+      <pc:chgData name="Khattab, Sherif" userId="c83b1e15-36f3-4f46-aceb-05aac24c545e" providerId="ADAL" clId="{94F68BA0-932C-4D21-AEE0-E945C2C3FB87}" dt="2021-01-28T21:10:21.158" v="176" actId="20577"/>
       <pc:docMkLst>
         <pc:docMk/>
       </pc:docMkLst>
-      <pc:sldChg chg="modSp mod">
-        <pc:chgData name="Khattab, Sherif" userId="c83b1e15-36f3-4f46-aceb-05aac24c545e" providerId="ADAL" clId="{FE92C68B-4A2B-491A-802D-9A016E970098}" dt="2021-01-21T02:51:24.200" v="12" actId="20577"/>
-        <pc:sldMkLst>
-          <pc:docMk/>
-          <pc:sldMk cId="1330366002" sldId="454"/>
+      <pc:sldChg chg="addSp modSp new mod modNotesTx">
+        <pc:chgData name="Khattab, Sherif" userId="c83b1e15-36f3-4f46-aceb-05aac24c545e" providerId="ADAL" clId="{94F68BA0-932C-4D21-AEE0-E945C2C3FB87}" dt="2021-01-28T21:07:59.505" v="24" actId="1076"/>
+        <pc:sldMkLst>
+          <pc:docMk/>
+          <pc:sldMk cId="1845419114" sldId="507"/>
         </pc:sldMkLst>
         <pc:spChg chg="mod">
-          <ac:chgData name="Khattab, Sherif" userId="c83b1e15-36f3-4f46-aceb-05aac24c545e" providerId="ADAL" clId="{FE92C68B-4A2B-491A-802D-9A016E970098}" dt="2021-01-21T02:51:24.200" v="12" actId="20577"/>
-          <ac:spMkLst>
-            <pc:docMk/>
-            <pc:sldMk cId="1330366002" sldId="454"/>
-            <ac:spMk id="3" creationId="{00000000-0000-0000-0000-000000000000}"/>
-          </ac:spMkLst>
-        </pc:spChg>
-      </pc:sldChg>
-      <pc:sldChg chg="modSp new mod">
-        <pc:chgData name="Khattab, Sherif" userId="c83b1e15-36f3-4f46-aceb-05aac24c545e" providerId="ADAL" clId="{FE92C68B-4A2B-491A-802D-9A016E970098}" dt="2021-01-21T02:52:14.809" v="71" actId="20577"/>
-        <pc:sldMkLst>
-          <pc:docMk/>
-          <pc:sldMk cId="702367729" sldId="496"/>
+          <ac:chgData name="Khattab, Sherif" userId="c83b1e15-36f3-4f46-aceb-05aac24c545e" providerId="ADAL" clId="{94F68BA0-932C-4D21-AEE0-E945C2C3FB87}" dt="2021-01-28T21:07:52.378" v="21" actId="20577"/>
+          <ac:spMkLst>
+            <pc:docMk/>
+            <pc:sldMk cId="1845419114" sldId="507"/>
+            <ac:spMk id="2" creationId="{21B069AF-6569-4512-986F-E784F07B4C99}"/>
+          </ac:spMkLst>
+        </pc:spChg>
+        <pc:picChg chg="add mod">
+          <ac:chgData name="Khattab, Sherif" userId="c83b1e15-36f3-4f46-aceb-05aac24c545e" providerId="ADAL" clId="{94F68BA0-932C-4D21-AEE0-E945C2C3FB87}" dt="2021-01-28T21:07:59.505" v="24" actId="1076"/>
+          <ac:picMkLst>
+            <pc:docMk/>
+            <pc:sldMk cId="1845419114" sldId="507"/>
+            <ac:picMk id="7" creationId="{A2165A44-E543-4E5D-ADBC-6FFA9E6C6982}"/>
+          </ac:picMkLst>
+        </pc:picChg>
+      </pc:sldChg>
+      <pc:sldChg chg="addSp modSp new mod">
+        <pc:chgData name="Khattab, Sherif" userId="c83b1e15-36f3-4f46-aceb-05aac24c545e" providerId="ADAL" clId="{94F68BA0-932C-4D21-AEE0-E945C2C3FB87}" dt="2021-01-28T21:08:43.072" v="60" actId="1076"/>
+        <pc:sldMkLst>
+          <pc:docMk/>
+          <pc:sldMk cId="2093362943" sldId="508"/>
         </pc:sldMkLst>
         <pc:spChg chg="mod">
-          <ac:chgData name="Khattab, Sherif" userId="c83b1e15-36f3-4f46-aceb-05aac24c545e" providerId="ADAL" clId="{FE92C68B-4A2B-491A-802D-9A016E970098}" dt="2021-01-21T02:51:45.117" v="26" actId="20577"/>
-          <ac:spMkLst>
-            <pc:docMk/>
-            <pc:sldMk cId="702367729" sldId="496"/>
-            <ac:spMk id="2" creationId="{AB9EA720-F5B4-463B-B14C-1970BB85B2C8}"/>
-          </ac:spMkLst>
-        </pc:spChg>
+          <ac:chgData name="Khattab, Sherif" userId="c83b1e15-36f3-4f46-aceb-05aac24c545e" providerId="ADAL" clId="{94F68BA0-932C-4D21-AEE0-E945C2C3FB87}" dt="2021-01-28T21:08:23.017" v="57" actId="313"/>
+          <ac:spMkLst>
+            <pc:docMk/>
+            <pc:sldMk cId="2093362943" sldId="508"/>
+            <ac:spMk id="2" creationId="{9EB84ECC-A963-45D4-A10E-8ED34DA7EC35}"/>
+          </ac:spMkLst>
+        </pc:spChg>
+        <pc:picChg chg="add mod">
+          <ac:chgData name="Khattab, Sherif" userId="c83b1e15-36f3-4f46-aceb-05aac24c545e" providerId="ADAL" clId="{94F68BA0-932C-4D21-AEE0-E945C2C3FB87}" dt="2021-01-28T21:08:43.072" v="60" actId="1076"/>
+          <ac:picMkLst>
+            <pc:docMk/>
+            <pc:sldMk cId="2093362943" sldId="508"/>
+            <ac:picMk id="7" creationId="{F2F5B2AD-A872-4FA9-A92F-14E4C405740D}"/>
+          </ac:picMkLst>
+        </pc:picChg>
+      </pc:sldChg>
+      <pc:sldChg chg="addSp modSp new mod">
+        <pc:chgData name="Khattab, Sherif" userId="c83b1e15-36f3-4f46-aceb-05aac24c545e" providerId="ADAL" clId="{94F68BA0-932C-4D21-AEE0-E945C2C3FB87}" dt="2021-01-28T21:09:24.051" v="94" actId="1076"/>
+        <pc:sldMkLst>
+          <pc:docMk/>
+          <pc:sldMk cId="2804781805" sldId="509"/>
+        </pc:sldMkLst>
         <pc:spChg chg="mod">
-          <ac:chgData name="Khattab, Sherif" userId="c83b1e15-36f3-4f46-aceb-05aac24c545e" providerId="ADAL" clId="{FE92C68B-4A2B-491A-802D-9A016E970098}" dt="2021-01-21T02:52:14.809" v="71" actId="20577"/>
-          <ac:spMkLst>
-            <pc:docMk/>
-            <pc:sldMk cId="702367729" sldId="496"/>
-            <ac:spMk id="3" creationId="{2466C52D-9A48-4683-BE7F-268D8DB7FAAD}"/>
-          </ac:spMkLst>
-        </pc:spChg>
+          <ac:chgData name="Khattab, Sherif" userId="c83b1e15-36f3-4f46-aceb-05aac24c545e" providerId="ADAL" clId="{94F68BA0-932C-4D21-AEE0-E945C2C3FB87}" dt="2021-01-28T21:09:17.446" v="91" actId="20577"/>
+          <ac:spMkLst>
+            <pc:docMk/>
+            <pc:sldMk cId="2804781805" sldId="509"/>
+            <ac:spMk id="2" creationId="{4CDF7C92-8AA2-4CD2-B245-54C2A5C9C9CD}"/>
+          </ac:spMkLst>
+        </pc:spChg>
+        <pc:picChg chg="add mod">
+          <ac:chgData name="Khattab, Sherif" userId="c83b1e15-36f3-4f46-aceb-05aac24c545e" providerId="ADAL" clId="{94F68BA0-932C-4D21-AEE0-E945C2C3FB87}" dt="2021-01-28T21:09:24.051" v="94" actId="1076"/>
+          <ac:picMkLst>
+            <pc:docMk/>
+            <pc:sldMk cId="2804781805" sldId="509"/>
+            <ac:picMk id="7" creationId="{238CB2BB-984B-497A-B1B0-CC96CC2896B9}"/>
+          </ac:picMkLst>
+        </pc:picChg>
+      </pc:sldChg>
+      <pc:sldChg chg="addSp modSp new mod">
+        <pc:chgData name="Khattab, Sherif" userId="c83b1e15-36f3-4f46-aceb-05aac24c545e" providerId="ADAL" clId="{94F68BA0-932C-4D21-AEE0-E945C2C3FB87}" dt="2021-01-28T21:10:21.158" v="176" actId="20577"/>
+        <pc:sldMkLst>
+          <pc:docMk/>
+          <pc:sldMk cId="2276284397" sldId="510"/>
+        </pc:sldMkLst>
+        <pc:spChg chg="mod">
+          <ac:chgData name="Khattab, Sherif" userId="c83b1e15-36f3-4f46-aceb-05aac24c545e" providerId="ADAL" clId="{94F68BA0-932C-4D21-AEE0-E945C2C3FB87}" dt="2021-01-28T21:09:56.097" v="114" actId="20577"/>
+          <ac:spMkLst>
+            <pc:docMk/>
+            <pc:sldMk cId="2276284397" sldId="510"/>
+            <ac:spMk id="2" creationId="{ED8DF9D2-F7BE-4014-8ED6-0A9CC155D769}"/>
+          </ac:spMkLst>
+        </pc:spChg>
+        <pc:spChg chg="mod">
+          <ac:chgData name="Khattab, Sherif" userId="c83b1e15-36f3-4f46-aceb-05aac24c545e" providerId="ADAL" clId="{94F68BA0-932C-4D21-AEE0-E945C2C3FB87}" dt="2021-01-28T21:10:21.158" v="176" actId="20577"/>
+          <ac:spMkLst>
+            <pc:docMk/>
+            <pc:sldMk cId="2276284397" sldId="510"/>
+            <ac:spMk id="3" creationId="{E35EDF3F-B0B6-47E3-BCA9-5BEDD8E3FA86}"/>
+          </ac:spMkLst>
+        </pc:spChg>
+        <pc:picChg chg="add mod">
+          <ac:chgData name="Khattab, Sherif" userId="c83b1e15-36f3-4f46-aceb-05aac24c545e" providerId="ADAL" clId="{94F68BA0-932C-4D21-AEE0-E945C2C3FB87}" dt="2021-01-28T21:10:02.098" v="117" actId="1076"/>
+          <ac:picMkLst>
+            <pc:docMk/>
+            <pc:sldMk cId="2276284397" sldId="510"/>
+            <ac:picMk id="7" creationId="{0DABBA41-FAA6-467C-B712-8335CEA891A8}"/>
+          </ac:picMkLst>
+        </pc:picChg>
       </pc:sldChg>
     </pc:docChg>
   </pc:docChgLst>
   <pc:docChgLst>
-    <pc:chgData name="Khattab, Sherif" userId="c83b1e15-36f3-4f46-aceb-05aac24c545e" providerId="ADAL" clId="{DE316A4D-089D-2A40-9FA9-4724C2884636}"/>
-    <pc:docChg chg="undo custSel addSld delSld modSld">
-      <pc:chgData name="Khattab, Sherif" userId="c83b1e15-36f3-4f46-aceb-05aac24c545e" providerId="ADAL" clId="{DE316A4D-089D-2A40-9FA9-4724C2884636}" dt="2019-05-23T05:43:41.544" v="183"/>
+    <pc:chgData name="Khattab, Sherif" userId="c83b1e15-36f3-4f46-aceb-05aac24c545e" providerId="ADAL" clId="{52BA0025-75E6-4D09-AB7B-4D0E827572B4}"/>
+    <pc:docChg chg="addSld modSld">
+      <pc:chgData name="Khattab, Sherif" userId="c83b1e15-36f3-4f46-aceb-05aac24c545e" providerId="ADAL" clId="{52BA0025-75E6-4D09-AB7B-4D0E827572B4}" dt="2021-09-07T14:47:51.926" v="0"/>
       <pc:docMkLst>
         <pc:docMk/>
       </pc:docMkLst>
-      <pc:sldChg chg="modSp">
-        <pc:chgData name="Khattab, Sherif" userId="c83b1e15-36f3-4f46-aceb-05aac24c545e" providerId="ADAL" clId="{DE316A4D-089D-2A40-9FA9-4724C2884636}" dt="2019-05-14T13:41:27.276" v="1" actId="20577"/>
-        <pc:sldMkLst>
-          <pc:docMk/>
-          <pc:sldMk cId="0" sldId="256"/>
-        </pc:sldMkLst>
-        <pc:spChg chg="mod">
-          <ac:chgData name="Khattab, Sherif" userId="c83b1e15-36f3-4f46-aceb-05aac24c545e" providerId="ADAL" clId="{DE316A4D-089D-2A40-9FA9-4724C2884636}" dt="2019-05-14T13:41:27.276" v="1" actId="20577"/>
-          <ac:spMkLst>
-            <pc:docMk/>
-            <pc:sldMk cId="0" sldId="256"/>
-            <ac:spMk id="2" creationId="{00000000-0000-0000-0000-000000000000}"/>
-          </ac:spMkLst>
-        </pc:spChg>
-      </pc:sldChg>
-      <pc:sldChg chg="del">
-        <pc:chgData name="Khattab, Sherif" userId="c83b1e15-36f3-4f46-aceb-05aac24c545e" providerId="ADAL" clId="{DE316A4D-089D-2A40-9FA9-4724C2884636}" dt="2019-05-23T03:59:27.081" v="2" actId="2696"/>
-        <pc:sldMkLst>
-          <pc:docMk/>
-          <pc:sldMk cId="1969176380" sldId="257"/>
-        </pc:sldMkLst>
-      </pc:sldChg>
-      <pc:sldChg chg="del">
-        <pc:chgData name="Khattab, Sherif" userId="c83b1e15-36f3-4f46-aceb-05aac24c545e" providerId="ADAL" clId="{DE316A4D-089D-2A40-9FA9-4724C2884636}" dt="2019-05-23T03:59:31.239" v="3" actId="2696"/>
-        <pc:sldMkLst>
-          <pc:docMk/>
-          <pc:sldMk cId="978894378" sldId="266"/>
-        </pc:sldMkLst>
-      </pc:sldChg>
-      <pc:sldChg chg="del">
-        <pc:chgData name="Khattab, Sherif" userId="c83b1e15-36f3-4f46-aceb-05aac24c545e" providerId="ADAL" clId="{DE316A4D-089D-2A40-9FA9-4724C2884636}" dt="2019-05-23T03:59:34.863" v="4" actId="2696"/>
-        <pc:sldMkLst>
-          <pc:docMk/>
-          <pc:sldMk cId="1871263980" sldId="275"/>
-        </pc:sldMkLst>
-      </pc:sldChg>
-      <pc:sldChg chg="del">
-        <pc:chgData name="Khattab, Sherif" userId="c83b1e15-36f3-4f46-aceb-05aac24c545e" providerId="ADAL" clId="{DE316A4D-089D-2A40-9FA9-4724C2884636}" dt="2019-05-23T03:59:50.802" v="5" actId="2696"/>
-        <pc:sldMkLst>
-          <pc:docMk/>
-          <pc:sldMk cId="2119836463" sldId="283"/>
-        </pc:sldMkLst>
-      </pc:sldChg>
-      <pc:sldChg chg="del">
-        <pc:chgData name="Khattab, Sherif" userId="c83b1e15-36f3-4f46-aceb-05aac24c545e" providerId="ADAL" clId="{DE316A4D-089D-2A40-9FA9-4724C2884636}" dt="2019-05-23T03:59:50.830" v="6" actId="2696"/>
-        <pc:sldMkLst>
-          <pc:docMk/>
-          <pc:sldMk cId="1220313734" sldId="284"/>
-        </pc:sldMkLst>
-      </pc:sldChg>
-      <pc:sldChg chg="del">
-        <pc:chgData name="Khattab, Sherif" userId="c83b1e15-36f3-4f46-aceb-05aac24c545e" providerId="ADAL" clId="{DE316A4D-089D-2A40-9FA9-4724C2884636}" dt="2019-05-23T03:59:50.853" v="7" actId="2696"/>
-        <pc:sldMkLst>
-          <pc:docMk/>
-          <pc:sldMk cId="882805023" sldId="285"/>
-        </pc:sldMkLst>
-      </pc:sldChg>
-      <pc:sldChg chg="del">
-        <pc:chgData name="Khattab, Sherif" userId="c83b1e15-36f3-4f46-aceb-05aac24c545e" providerId="ADAL" clId="{DE316A4D-089D-2A40-9FA9-4724C2884636}" dt="2019-05-23T03:59:50.877" v="8" actId="2696"/>
-        <pc:sldMkLst>
-          <pc:docMk/>
-          <pc:sldMk cId="561854054" sldId="287"/>
-        </pc:sldMkLst>
-      </pc:sldChg>
-      <pc:sldChg chg="del">
-        <pc:chgData name="Khattab, Sherif" userId="c83b1e15-36f3-4f46-aceb-05aac24c545e" providerId="ADAL" clId="{DE316A4D-089D-2A40-9FA9-4724C2884636}" dt="2019-05-23T03:59:50.893" v="9" actId="2696"/>
-        <pc:sldMkLst>
-          <pc:docMk/>
-          <pc:sldMk cId="1121912213" sldId="288"/>
-        </pc:sldMkLst>
-      </pc:sldChg>
-      <pc:sldChg chg="del">
-        <pc:chgData name="Khattab, Sherif" userId="c83b1e15-36f3-4f46-aceb-05aac24c545e" providerId="ADAL" clId="{DE316A4D-089D-2A40-9FA9-4724C2884636}" dt="2019-05-23T03:59:50.912" v="10" actId="2696"/>
-        <pc:sldMkLst>
-          <pc:docMk/>
-          <pc:sldMk cId="2123485087" sldId="289"/>
-        </pc:sldMkLst>
-      </pc:sldChg>
-      <pc:sldChg chg="del">
-        <pc:chgData name="Khattab, Sherif" userId="c83b1e15-36f3-4f46-aceb-05aac24c545e" providerId="ADAL" clId="{DE316A4D-089D-2A40-9FA9-4724C2884636}" dt="2019-05-23T03:59:50.929" v="11" actId="2696"/>
-        <pc:sldMkLst>
-          <pc:docMk/>
-          <pc:sldMk cId="1071549106" sldId="290"/>
-        </pc:sldMkLst>
-      </pc:sldChg>
-      <pc:sldChg chg="del">
-        <pc:chgData name="Khattab, Sherif" userId="c83b1e15-36f3-4f46-aceb-05aac24c545e" providerId="ADAL" clId="{DE316A4D-089D-2A40-9FA9-4724C2884636}" dt="2019-05-23T03:59:50.947" v="12" actId="2696"/>
-        <pc:sldMkLst>
-          <pc:docMk/>
-          <pc:sldMk cId="622828641" sldId="291"/>
-        </pc:sldMkLst>
-      </pc:sldChg>
-      <pc:sldChg chg="del">
-        <pc:chgData name="Khattab, Sherif" userId="c83b1e15-36f3-4f46-aceb-05aac24c545e" providerId="ADAL" clId="{DE316A4D-089D-2A40-9FA9-4724C2884636}" dt="2019-05-23T03:59:50.968" v="13" actId="2696"/>
-        <pc:sldMkLst>
-          <pc:docMk/>
-          <pc:sldMk cId="1781024462" sldId="292"/>
-        </pc:sldMkLst>
-      </pc:sldChg>
-      <pc:sldChg chg="del">
-        <pc:chgData name="Khattab, Sherif" userId="c83b1e15-36f3-4f46-aceb-05aac24c545e" providerId="ADAL" clId="{DE316A4D-089D-2A40-9FA9-4724C2884636}" dt="2019-05-23T03:59:50.988" v="14" actId="2696"/>
-        <pc:sldMkLst>
-          <pc:docMk/>
-          <pc:sldMk cId="64306115" sldId="295"/>
-        </pc:sldMkLst>
-      </pc:sldChg>
-      <pc:sldChg chg="del">
-        <pc:chgData name="Khattab, Sherif" userId="c83b1e15-36f3-4f46-aceb-05aac24c545e" providerId="ADAL" clId="{DE316A4D-089D-2A40-9FA9-4724C2884636}" dt="2019-05-23T03:59:51.007" v="15" actId="2696"/>
-        <pc:sldMkLst>
-          <pc:docMk/>
-          <pc:sldMk cId="281707087" sldId="296"/>
-        </pc:sldMkLst>
-      </pc:sldChg>
-      <pc:sldChg chg="del">
-        <pc:chgData name="Khattab, Sherif" userId="c83b1e15-36f3-4f46-aceb-05aac24c545e" providerId="ADAL" clId="{DE316A4D-089D-2A40-9FA9-4724C2884636}" dt="2019-05-23T03:59:51.028" v="16" actId="2696"/>
-        <pc:sldMkLst>
-          <pc:docMk/>
-          <pc:sldMk cId="275381494" sldId="297"/>
-        </pc:sldMkLst>
-      </pc:sldChg>
-      <pc:sldChg chg="del">
-        <pc:chgData name="Khattab, Sherif" userId="c83b1e15-36f3-4f46-aceb-05aac24c545e" providerId="ADAL" clId="{DE316A4D-089D-2A40-9FA9-4724C2884636}" dt="2019-05-23T03:59:51.054" v="17" actId="2696"/>
-        <pc:sldMkLst>
-          <pc:docMk/>
-          <pc:sldMk cId="1323538422" sldId="298"/>
-        </pc:sldMkLst>
-      </pc:sldChg>
-      <pc:sldChg chg="del">
-        <pc:chgData name="Khattab, Sherif" userId="c83b1e15-36f3-4f46-aceb-05aac24c545e" providerId="ADAL" clId="{DE316A4D-089D-2A40-9FA9-4724C2884636}" dt="2019-05-23T03:59:51.076" v="18" actId="2696"/>
-        <pc:sldMkLst>
-          <pc:docMk/>
-          <pc:sldMk cId="1186219626" sldId="299"/>
-        </pc:sldMkLst>
-      </pc:sldChg>
-      <pc:sldChg chg="del">
-        <pc:chgData name="Khattab, Sherif" userId="c83b1e15-36f3-4f46-aceb-05aac24c545e" providerId="ADAL" clId="{DE316A4D-089D-2A40-9FA9-4724C2884636}" dt="2019-05-23T03:59:51.094" v="19" actId="2696"/>
-        <pc:sldMkLst>
-          <pc:docMk/>
-          <pc:sldMk cId="1838361739" sldId="300"/>
-        </pc:sldMkLst>
-      </pc:sldChg>
-      <pc:sldChg chg="del">
-        <pc:chgData name="Khattab, Sherif" userId="c83b1e15-36f3-4f46-aceb-05aac24c545e" providerId="ADAL" clId="{DE316A4D-089D-2A40-9FA9-4724C2884636}" dt="2019-05-23T03:59:51.121" v="20" actId="2696"/>
-        <pc:sldMkLst>
-          <pc:docMk/>
-          <pc:sldMk cId="2051028719" sldId="301"/>
-        </pc:sldMkLst>
-      </pc:sldChg>
-      <pc:sldChg chg="del">
-        <pc:chgData name="Khattab, Sherif" userId="c83b1e15-36f3-4f46-aceb-05aac24c545e" providerId="ADAL" clId="{DE316A4D-089D-2A40-9FA9-4724C2884636}" dt="2019-05-23T03:59:51.137" v="21" actId="2696"/>
-        <pc:sldMkLst>
-          <pc:docMk/>
-          <pc:sldMk cId="247758724" sldId="302"/>
-        </pc:sldMkLst>
-      </pc:sldChg>
-      <pc:sldChg chg="del">
-        <pc:chgData name="Khattab, Sherif" userId="c83b1e15-36f3-4f46-aceb-05aac24c545e" providerId="ADAL" clId="{DE316A4D-089D-2A40-9FA9-4724C2884636}" dt="2019-05-23T03:59:51.155" v="22" actId="2696"/>
-        <pc:sldMkLst>
-          <pc:docMk/>
-          <pc:sldMk cId="1220341221" sldId="308"/>
-        </pc:sldMkLst>
-      </pc:sldChg>
-      <pc:sldChg chg="del">
-        <pc:chgData name="Khattab, Sherif" userId="c83b1e15-36f3-4f46-aceb-05aac24c545e" providerId="ADAL" clId="{DE316A4D-089D-2A40-9FA9-4724C2884636}" dt="2019-05-23T03:59:51.175" v="23" actId="2696"/>
-        <pc:sldMkLst>
-          <pc:docMk/>
-          <pc:sldMk cId="7029104" sldId="310"/>
-        </pc:sldMkLst>
-      </pc:sldChg>
-      <pc:sldChg chg="del">
-        <pc:chgData name="Khattab, Sherif" userId="c83b1e15-36f3-4f46-aceb-05aac24c545e" providerId="ADAL" clId="{DE316A4D-089D-2A40-9FA9-4724C2884636}" dt="2019-05-23T03:59:51.194" v="24" actId="2696"/>
-        <pc:sldMkLst>
-          <pc:docMk/>
-          <pc:sldMk cId="1024142779" sldId="312"/>
-        </pc:sldMkLst>
-      </pc:sldChg>
-      <pc:sldChg chg="del">
-        <pc:chgData name="Khattab, Sherif" userId="c83b1e15-36f3-4f46-aceb-05aac24c545e" providerId="ADAL" clId="{DE316A4D-089D-2A40-9FA9-4724C2884636}" dt="2019-05-23T03:59:51.209" v="25" actId="2696"/>
-        <pc:sldMkLst>
-          <pc:docMk/>
-          <pc:sldMk cId="1916533646" sldId="313"/>
-        </pc:sldMkLst>
-      </pc:sldChg>
-      <pc:sldChg chg="del">
-        <pc:chgData name="Khattab, Sherif" userId="c83b1e15-36f3-4f46-aceb-05aac24c545e" providerId="ADAL" clId="{DE316A4D-089D-2A40-9FA9-4724C2884636}" dt="2019-05-23T03:59:51.225" v="26" actId="2696"/>
-        <pc:sldMkLst>
-          <pc:docMk/>
-          <pc:sldMk cId="1496362242" sldId="314"/>
-        </pc:sldMkLst>
-      </pc:sldChg>
-      <pc:sldChg chg="del">
-        <pc:chgData name="Khattab, Sherif" userId="c83b1e15-36f3-4f46-aceb-05aac24c545e" providerId="ADAL" clId="{DE316A4D-089D-2A40-9FA9-4724C2884636}" dt="2019-05-23T03:59:51.246" v="27" actId="2696"/>
-        <pc:sldMkLst>
-          <pc:docMk/>
-          <pc:sldMk cId="1231859445" sldId="315"/>
-        </pc:sldMkLst>
-      </pc:sldChg>
-      <pc:sldChg chg="del">
-        <pc:chgData name="Khattab, Sherif" userId="c83b1e15-36f3-4f46-aceb-05aac24c545e" providerId="ADAL" clId="{DE316A4D-089D-2A40-9FA9-4724C2884636}" dt="2019-05-23T03:59:51.263" v="28" actId="2696"/>
-        <pc:sldMkLst>
-          <pc:docMk/>
-          <pc:sldMk cId="1500164103" sldId="316"/>
-        </pc:sldMkLst>
-      </pc:sldChg>
-      <pc:sldChg chg="del">
-        <pc:chgData name="Khattab, Sherif" userId="c83b1e15-36f3-4f46-aceb-05aac24c545e" providerId="ADAL" clId="{DE316A4D-089D-2A40-9FA9-4724C2884636}" dt="2019-05-23T03:59:51.285" v="29" actId="2696"/>
-        <pc:sldMkLst>
-          <pc:docMk/>
-          <pc:sldMk cId="2062436898" sldId="317"/>
-        </pc:sldMkLst>
-      </pc:sldChg>
-      <pc:sldChg chg="del">
-        <pc:chgData name="Khattab, Sherif" userId="c83b1e15-36f3-4f46-aceb-05aac24c545e" providerId="ADAL" clId="{DE316A4D-089D-2A40-9FA9-4724C2884636}" dt="2019-05-23T04:00:10.658" v="31" actId="2696"/>
-        <pc:sldMkLst>
-          <pc:docMk/>
-          <pc:sldMk cId="234564799" sldId="321"/>
-        </pc:sldMkLst>
-      </pc:sldChg>
-      <pc:sldChg chg="del">
-        <pc:chgData name="Khattab, Sherif" userId="c83b1e15-36f3-4f46-aceb-05aac24c545e" providerId="ADAL" clId="{DE316A4D-089D-2A40-9FA9-4724C2884636}" dt="2019-05-23T04:00:10.675" v="32" actId="2696"/>
-        <pc:sldMkLst>
-          <pc:docMk/>
-          <pc:sldMk cId="12771870" sldId="323"/>
-        </pc:sldMkLst>
-      </pc:sldChg>
-      <pc:sldChg chg="del">
-        <pc:chgData name="Khattab, Sherif" userId="c83b1e15-36f3-4f46-aceb-05aac24c545e" providerId="ADAL" clId="{DE316A4D-089D-2A40-9FA9-4724C2884636}" dt="2019-05-23T04:00:10.691" v="33" actId="2696"/>
-        <pc:sldMkLst>
-          <pc:docMk/>
-          <pc:sldMk cId="1847714567" sldId="325"/>
-        </pc:sldMkLst>
-      </pc:sldChg>
-      <pc:sldChg chg="del">
-        <pc:chgData name="Khattab, Sherif" userId="c83b1e15-36f3-4f46-aceb-05aac24c545e" providerId="ADAL" clId="{DE316A4D-089D-2A40-9FA9-4724C2884636}" dt="2019-05-23T04:00:10.712" v="34" actId="2696"/>
-        <pc:sldMkLst>
-          <pc:docMk/>
-          <pc:sldMk cId="564977494" sldId="326"/>
-        </pc:sldMkLst>
-      </pc:sldChg>
-      <pc:sldChg chg="del">
-        <pc:chgData name="Khattab, Sherif" userId="c83b1e15-36f3-4f46-aceb-05aac24c545e" providerId="ADAL" clId="{DE316A4D-089D-2A40-9FA9-4724C2884636}" dt="2019-05-23T04:00:10.730" v="35" actId="2696"/>
-        <pc:sldMkLst>
-          <pc:docMk/>
-          <pc:sldMk cId="1957278823" sldId="327"/>
-        </pc:sldMkLst>
-      </pc:sldChg>
-      <pc:sldChg chg="del">
-        <pc:chgData name="Khattab, Sherif" userId="c83b1e15-36f3-4f46-aceb-05aac24c545e" providerId="ADAL" clId="{DE316A4D-089D-2A40-9FA9-4724C2884636}" dt="2019-05-23T04:00:10.745" v="36" actId="2696"/>
-        <pc:sldMkLst>
-          <pc:docMk/>
-          <pc:sldMk cId="336896758" sldId="328"/>
-        </pc:sldMkLst>
-      </pc:sldChg>
-      <pc:sldChg chg="del">
-        <pc:chgData name="Khattab, Sherif" userId="c83b1e15-36f3-4f46-aceb-05aac24c545e" providerId="ADAL" clId="{DE316A4D-089D-2A40-9FA9-4724C2884636}" dt="2019-05-23T04:00:10.764" v="37" actId="2696"/>
-        <pc:sldMkLst>
-          <pc:docMk/>
-          <pc:sldMk cId="815879604" sldId="329"/>
-        </pc:sldMkLst>
-      </pc:sldChg>
-      <pc:sldChg chg="del">
-        <pc:chgData name="Khattab, Sherif" userId="c83b1e15-36f3-4f46-aceb-05aac24c545e" providerId="ADAL" clId="{DE316A4D-089D-2A40-9FA9-4724C2884636}" dt="2019-05-23T04:00:10.782" v="38" actId="2696"/>
-        <pc:sldMkLst>
-          <pc:docMk/>
-          <pc:sldMk cId="1076495690" sldId="330"/>
-        </pc:sldMkLst>
-      </pc:sldChg>
-      <pc:sldChg chg="del">
-        <pc:chgData name="Khattab, Sherif" userId="c83b1e15-36f3-4f46-aceb-05aac24c545e" providerId="ADAL" clId="{DE316A4D-089D-2A40-9FA9-4724C2884636}" dt="2019-05-23T04:00:10.800" v="39" actId="2696"/>
-        <pc:sldMkLst>
-          <pc:docMk/>
-          <pc:sldMk cId="17720096" sldId="331"/>
-        </pc:sldMkLst>
-      </pc:sldChg>
-      <pc:sldChg chg="del">
-        <pc:chgData name="Khattab, Sherif" userId="c83b1e15-36f3-4f46-aceb-05aac24c545e" providerId="ADAL" clId="{DE316A4D-089D-2A40-9FA9-4724C2884636}" dt="2019-05-23T04:00:10.818" v="40" actId="2696"/>
-        <pc:sldMkLst>
-          <pc:docMk/>
-          <pc:sldMk cId="501490190" sldId="332"/>
-        </pc:sldMkLst>
-      </pc:sldChg>
-      <pc:sldChg chg="del">
-        <pc:chgData name="Khattab, Sherif" userId="c83b1e15-36f3-4f46-aceb-05aac24c545e" providerId="ADAL" clId="{DE316A4D-089D-2A40-9FA9-4724C2884636}" dt="2019-05-23T04:00:10.831" v="41" actId="2696"/>
-        <pc:sldMkLst>
-          <pc:docMk/>
-          <pc:sldMk cId="790480540" sldId="333"/>
-        </pc:sldMkLst>
-      </pc:sldChg>
-      <pc:sldChg chg="del">
-        <pc:chgData name="Khattab, Sherif" userId="c83b1e15-36f3-4f46-aceb-05aac24c545e" providerId="ADAL" clId="{DE316A4D-089D-2A40-9FA9-4724C2884636}" dt="2019-05-23T04:00:10.847" v="42" actId="2696"/>
-        <pc:sldMkLst>
-          <pc:docMk/>
-          <pc:sldMk cId="1721885993" sldId="334"/>
-        </pc:sldMkLst>
-      </pc:sldChg>
-      <pc:sldChg chg="del">
-        <pc:chgData name="Khattab, Sherif" userId="c83b1e15-36f3-4f46-aceb-05aac24c545e" providerId="ADAL" clId="{DE316A4D-089D-2A40-9FA9-4724C2884636}" dt="2019-05-23T04:00:10.862" v="43" actId="2696"/>
-        <pc:sldMkLst>
-          <pc:docMk/>
-          <pc:sldMk cId="2048526379" sldId="335"/>
-        </pc:sldMkLst>
-      </pc:sldChg>
-      <pc:sldChg chg="del">
-        <pc:chgData name="Khattab, Sherif" userId="c83b1e15-36f3-4f46-aceb-05aac24c545e" providerId="ADAL" clId="{DE316A4D-089D-2A40-9FA9-4724C2884636}" dt="2019-05-23T04:00:10.875" v="44" actId="2696"/>
-        <pc:sldMkLst>
-          <pc:docMk/>
-          <pc:sldMk cId="1818037055" sldId="336"/>
-        </pc:sldMkLst>
-      </pc:sldChg>
-      <pc:sldChg chg="del">
-        <pc:chgData name="Khattab, Sherif" userId="c83b1e15-36f3-4f46-aceb-05aac24c545e" providerId="ADAL" clId="{DE316A4D-089D-2A40-9FA9-4724C2884636}" dt="2019-05-23T04:00:10.942" v="45" actId="2696"/>
-        <pc:sldMkLst>
-          <pc:docMk/>
-          <pc:sldMk cId="1351453869" sldId="337"/>
-        </pc:sldMkLst>
-      </pc:sldChg>
-      <pc:sldChg chg="del">
-        <pc:chgData name="Khattab, Sherif" userId="c83b1e15-36f3-4f46-aceb-05aac24c545e" providerId="ADAL" clId="{DE316A4D-089D-2A40-9FA9-4724C2884636}" dt="2019-05-23T04:00:10.959" v="46" actId="2696"/>
-        <pc:sldMkLst>
-          <pc:docMk/>
-          <pc:sldMk cId="299099826" sldId="344"/>
-        </pc:sldMkLst>
-      </pc:sldChg>
-      <pc:sldChg chg="del">
-        <pc:chgData name="Khattab, Sherif" userId="c83b1e15-36f3-4f46-aceb-05aac24c545e" providerId="ADAL" clId="{DE316A4D-089D-2A40-9FA9-4724C2884636}" dt="2019-05-23T04:00:10.978" v="47" actId="2696"/>
-        <pc:sldMkLst>
-          <pc:docMk/>
-          <pc:sldMk cId="1172624611" sldId="345"/>
-        </pc:sldMkLst>
-      </pc:sldChg>
-      <pc:sldChg chg="del">
-        <pc:chgData name="Khattab, Sherif" userId="c83b1e15-36f3-4f46-aceb-05aac24c545e" providerId="ADAL" clId="{DE316A4D-089D-2A40-9FA9-4724C2884636}" dt="2019-05-23T04:00:10.995" v="48" actId="2696"/>
-        <pc:sldMkLst>
-          <pc:docMk/>
-          <pc:sldMk cId="1402694930" sldId="346"/>
-        </pc:sldMkLst>
-      </pc:sldChg>
-      <pc:sldChg chg="del">
-        <pc:chgData name="Khattab, Sherif" userId="c83b1e15-36f3-4f46-aceb-05aac24c545e" providerId="ADAL" clId="{DE316A4D-089D-2A40-9FA9-4724C2884636}" dt="2019-05-23T04:00:11.012" v="49" actId="2696"/>
-        <pc:sldMkLst>
-          <pc:docMk/>
-          <pc:sldMk cId="1142103534" sldId="347"/>
-        </pc:sldMkLst>
-      </pc:sldChg>
-      <pc:sldChg chg="del">
-        <pc:chgData name="Khattab, Sherif" userId="c83b1e15-36f3-4f46-aceb-05aac24c545e" providerId="ADAL" clId="{DE316A4D-089D-2A40-9FA9-4724C2884636}" dt="2019-05-23T04:00:11.027" v="50" actId="2696"/>
-        <pc:sldMkLst>
-          <pc:docMk/>
-          <pc:sldMk cId="1487891482" sldId="348"/>
-        </pc:sldMkLst>
-      </pc:sldChg>
-      <pc:sldChg chg="del">
-        <pc:chgData name="Khattab, Sherif" userId="c83b1e15-36f3-4f46-aceb-05aac24c545e" providerId="ADAL" clId="{DE316A4D-089D-2A40-9FA9-4724C2884636}" dt="2019-05-23T04:00:11.046" v="51" actId="2696"/>
-        <pc:sldMkLst>
-          <pc:docMk/>
-          <pc:sldMk cId="1088938428" sldId="350"/>
-        </pc:sldMkLst>
-      </pc:sldChg>
-      <pc:sldChg chg="del">
-        <pc:chgData name="Khattab, Sherif" userId="c83b1e15-36f3-4f46-aceb-05aac24c545e" providerId="ADAL" clId="{DE316A4D-089D-2A40-9FA9-4724C2884636}" dt="2019-05-23T04:00:11.061" v="52" actId="2696"/>
-        <pc:sldMkLst>
-          <pc:docMk/>
-          <pc:sldMk cId="522303428" sldId="351"/>
-        </pc:sldMkLst>
-      </pc:sldChg>
-      <pc:sldChg chg="del">
-        <pc:chgData name="Khattab, Sherif" userId="c83b1e15-36f3-4f46-aceb-05aac24c545e" providerId="ADAL" clId="{DE316A4D-089D-2A40-9FA9-4724C2884636}" dt="2019-05-23T04:00:11.078" v="53" actId="2696"/>
-        <pc:sldMkLst>
-          <pc:docMk/>
-          <pc:sldMk cId="1414576433" sldId="352"/>
-        </pc:sldMkLst>
-      </pc:sldChg>
-      <pc:sldChg chg="del">
-        <pc:chgData name="Khattab, Sherif" userId="c83b1e15-36f3-4f46-aceb-05aac24c545e" providerId="ADAL" clId="{DE316A4D-089D-2A40-9FA9-4724C2884636}" dt="2019-05-23T04:00:11.097" v="54" actId="2696"/>
-        <pc:sldMkLst>
-          <pc:docMk/>
-          <pc:sldMk cId="335586832" sldId="353"/>
-        </pc:sldMkLst>
-      </pc:sldChg>
-      <pc:sldChg chg="del">
-        <pc:chgData name="Khattab, Sherif" userId="c83b1e15-36f3-4f46-aceb-05aac24c545e" providerId="ADAL" clId="{DE316A4D-089D-2A40-9FA9-4724C2884636}" dt="2019-05-23T04:00:11.116" v="55" actId="2696"/>
-        <pc:sldMkLst>
-          <pc:docMk/>
-          <pc:sldMk cId="1312654365" sldId="354"/>
-        </pc:sldMkLst>
-      </pc:sldChg>
-      <pc:sldChg chg="del">
-        <pc:chgData name="Khattab, Sherif" userId="c83b1e15-36f3-4f46-aceb-05aac24c545e" providerId="ADAL" clId="{DE316A4D-089D-2A40-9FA9-4724C2884636}" dt="2019-05-23T04:00:11.135" v="56" actId="2696"/>
-        <pc:sldMkLst>
-          <pc:docMk/>
-          <pc:sldMk cId="1650496688" sldId="355"/>
-        </pc:sldMkLst>
-      </pc:sldChg>
-      <pc:sldChg chg="del">
-        <pc:chgData name="Khattab, Sherif" userId="c83b1e15-36f3-4f46-aceb-05aac24c545e" providerId="ADAL" clId="{DE316A4D-089D-2A40-9FA9-4724C2884636}" dt="2019-05-23T04:00:11.151" v="57" actId="2696"/>
-        <pc:sldMkLst>
-          <pc:docMk/>
-          <pc:sldMk cId="1454150411" sldId="356"/>
-        </pc:sldMkLst>
-      </pc:sldChg>
-      <pc:sldChg chg="del">
-        <pc:chgData name="Khattab, Sherif" userId="c83b1e15-36f3-4f46-aceb-05aac24c545e" providerId="ADAL" clId="{DE316A4D-089D-2A40-9FA9-4724C2884636}" dt="2019-05-23T04:00:11.168" v="58" actId="2696"/>
-        <pc:sldMkLst>
-          <pc:docMk/>
-          <pc:sldMk cId="101929529" sldId="360"/>
-        </pc:sldMkLst>
-      </pc:sldChg>
-      <pc:sldChg chg="del">
-        <pc:chgData name="Khattab, Sherif" userId="c83b1e15-36f3-4f46-aceb-05aac24c545e" providerId="ADAL" clId="{DE316A4D-089D-2A40-9FA9-4724C2884636}" dt="2019-05-23T04:00:11.184" v="59" actId="2696"/>
-        <pc:sldMkLst>
-          <pc:docMk/>
-          <pc:sldMk cId="1698948873" sldId="361"/>
-        </pc:sldMkLst>
-      </pc:sldChg>
-      <pc:sldChg chg="del">
-        <pc:chgData name="Khattab, Sherif" userId="c83b1e15-36f3-4f46-aceb-05aac24c545e" providerId="ADAL" clId="{DE316A4D-089D-2A40-9FA9-4724C2884636}" dt="2019-05-23T04:00:10.639" v="30" actId="2696"/>
-        <pc:sldMkLst>
-          <pc:docMk/>
-          <pc:sldMk cId="1039212811" sldId="362"/>
-        </pc:sldMkLst>
-      </pc:sldChg>
-      <pc:sldChg chg="modSp">
-        <pc:chgData name="Khattab, Sherif" userId="c83b1e15-36f3-4f46-aceb-05aac24c545e" providerId="ADAL" clId="{DE316A4D-089D-2A40-9FA9-4724C2884636}" dt="2019-05-23T04:41:06.345" v="179" actId="20577"/>
-        <pc:sldMkLst>
-          <pc:docMk/>
-          <pc:sldMk cId="2782429159" sldId="366"/>
-        </pc:sldMkLst>
-        <pc:spChg chg="mod">
-          <ac:chgData name="Khattab, Sherif" userId="c83b1e15-36f3-4f46-aceb-05aac24c545e" providerId="ADAL" clId="{DE316A4D-089D-2A40-9FA9-4724C2884636}" dt="2019-05-23T04:41:06.345" v="179" actId="20577"/>
-          <ac:spMkLst>
-            <pc:docMk/>
-            <pc:sldMk cId="2782429159" sldId="366"/>
-            <ac:spMk id="95235" creationId="{2B3AF23D-100F-A945-8AE4-C62D08FB4EFF}"/>
-          </ac:spMkLst>
-        </pc:spChg>
-      </pc:sldChg>
-      <pc:sldChg chg="modSp">
-        <pc:chgData name="Khattab, Sherif" userId="c83b1e15-36f3-4f46-aceb-05aac24c545e" providerId="ADAL" clId="{DE316A4D-089D-2A40-9FA9-4724C2884636}" dt="2019-05-23T04:06:27.051" v="169" actId="20577"/>
-        <pc:sldMkLst>
-          <pc:docMk/>
-          <pc:sldMk cId="1542066946" sldId="374"/>
-        </pc:sldMkLst>
-        <pc:spChg chg="mod">
-          <ac:chgData name="Khattab, Sherif" userId="c83b1e15-36f3-4f46-aceb-05aac24c545e" providerId="ADAL" clId="{DE316A4D-089D-2A40-9FA9-4724C2884636}" dt="2019-05-23T04:06:27.051" v="169" actId="20577"/>
-          <ac:spMkLst>
-            <pc:docMk/>
-            <pc:sldMk cId="1542066946" sldId="374"/>
-            <ac:spMk id="105475" creationId="{B2EA02B2-FF2F-E840-9115-9F46B908CC54}"/>
-          </ac:spMkLst>
-        </pc:spChg>
-      </pc:sldChg>
       <pc:sldChg chg="add">
-        <pc:chgData name="Khattab, Sherif" userId="c83b1e15-36f3-4f46-aceb-05aac24c545e" providerId="ADAL" clId="{DE316A4D-089D-2A40-9FA9-4724C2884636}" dt="2019-05-23T05:43:41.544" v="183"/>
-        <pc:sldMkLst>
-          <pc:docMk/>
-          <pc:sldMk cId="583513582" sldId="377"/>
-        </pc:sldMkLst>
-      </pc:sldChg>
-      <pc:sldChg chg="modSp del">
-        <pc:chgData name="Khattab, Sherif" userId="c83b1e15-36f3-4f46-aceb-05aac24c545e" providerId="ADAL" clId="{DE316A4D-089D-2A40-9FA9-4724C2884636}" dt="2019-05-23T05:43:32.974" v="182" actId="2696"/>
-        <pc:sldMkLst>
-          <pc:docMk/>
-          <pc:sldMk cId="1942139729" sldId="377"/>
-        </pc:sldMkLst>
-        <pc:spChg chg="mod">
-          <ac:chgData name="Khattab, Sherif" userId="c83b1e15-36f3-4f46-aceb-05aac24c545e" providerId="ADAL" clId="{DE316A4D-089D-2A40-9FA9-4724C2884636}" dt="2019-05-23T05:40:47.295" v="181" actId="20577"/>
-          <ac:spMkLst>
-            <pc:docMk/>
-            <pc:sldMk cId="1942139729" sldId="377"/>
-            <ac:spMk id="114694" creationId="{BBDAC104-BD98-9A47-A516-EE144AE2C4FF}"/>
-          </ac:spMkLst>
-        </pc:spChg>
-      </pc:sldChg>
-    </pc:docChg>
-  </pc:docChgLst>
-  <pc:docChgLst>
-    <pc:chgData name="Khattab, Sherif" userId="c83b1e15-36f3-4f46-aceb-05aac24c545e" providerId="ADAL" clId="{00771379-563B-405F-813C-A6D6F2B0CDAD}"/>
-    <pc:docChg chg="modSld">
-      <pc:chgData name="Khattab, Sherif" userId="c83b1e15-36f3-4f46-aceb-05aac24c545e" providerId="ADAL" clId="{00771379-563B-405F-813C-A6D6F2B0CDAD}" dt="2020-09-08T04:21:57.867" v="3" actId="20577"/>
-      <pc:docMkLst>
-        <pc:docMk/>
-      </pc:docMkLst>
-      <pc:sldChg chg="modSp mod">
-        <pc:chgData name="Khattab, Sherif" userId="c83b1e15-36f3-4f46-aceb-05aac24c545e" providerId="ADAL" clId="{00771379-563B-405F-813C-A6D6F2B0CDAD}" dt="2020-09-08T04:21:57.867" v="3" actId="20577"/>
-        <pc:sldMkLst>
-          <pc:docMk/>
-          <pc:sldMk cId="1330366002" sldId="454"/>
-        </pc:sldMkLst>
-        <pc:spChg chg="mod">
-          <ac:chgData name="Khattab, Sherif" userId="c83b1e15-36f3-4f46-aceb-05aac24c545e" providerId="ADAL" clId="{00771379-563B-405F-813C-A6D6F2B0CDAD}" dt="2020-09-08T04:21:57.867" v="3" actId="20577"/>
-          <ac:spMkLst>
-            <pc:docMk/>
-            <pc:sldMk cId="1330366002" sldId="454"/>
-            <ac:spMk id="3" creationId="{00000000-0000-0000-0000-000000000000}"/>
-          </ac:spMkLst>
-        </pc:spChg>
+        <pc:chgData name="Khattab, Sherif" userId="c83b1e15-36f3-4f46-aceb-05aac24c545e" providerId="ADAL" clId="{52BA0025-75E6-4D09-AB7B-4D0E827572B4}" dt="2021-09-07T14:47:51.926" v="0"/>
+        <pc:sldMkLst>
+          <pc:docMk/>
+          <pc:sldMk cId="3238743984" sldId="499"/>
+        </pc:sldMkLst>
       </pc:sldChg>
     </pc:docChg>
   </pc:docChgLst>
@@ -9916,7 +9933,7 @@
             <a:fld id="{6BBF61AC-9675-4DE0-97B3-F33B7A218B95}" type="slidenum">
               <a:rPr lang="en-GB" altLang="en-US" smtClean="0"/>
               <a:pPr/>
-              <a:t>5</a:t>
+              <a:t>6</a:t>
             </a:fld>
             <a:endParaRPr lang="en-GB" altLang="en-US"/>
           </a:p>
@@ -11672,6 +11689,190 @@
       </p:grpSpPr>
       <p:sp>
         <p:nvSpPr>
+          <p:cNvPr id="2" name="Title 1">
+            <a:extLst>
+              <a:ext uri="{FF2B5EF4-FFF2-40B4-BE49-F238E27FC236}">
+                <a16:creationId xmlns:a16="http://schemas.microsoft.com/office/drawing/2014/main" id="{E097A24C-0B49-6145-9835-7406BF7C245B}"/>
+              </a:ext>
+            </a:extLst>
+          </p:cNvPr>
+          <p:cNvSpPr>
+            <a:spLocks noGrp="1"/>
+          </p:cNvSpPr>
+          <p:nvPr>
+            <p:ph type="title"/>
+          </p:nvPr>
+        </p:nvSpPr>
+        <p:spPr/>
+        <p:txBody>
+          <a:bodyPr/>
+          <a:lstStyle/>
+          <a:p>
+            <a:r>
+              <a:rPr lang="en-US" dirty="0"/>
+              <a:t>Today ….</a:t>
+            </a:r>
+          </a:p>
+        </p:txBody>
+      </p:sp>
+      <p:sp>
+        <p:nvSpPr>
+          <p:cNvPr id="3" name="Content Placeholder 2">
+            <a:extLst>
+              <a:ext uri="{FF2B5EF4-FFF2-40B4-BE49-F238E27FC236}">
+                <a16:creationId xmlns:a16="http://schemas.microsoft.com/office/drawing/2014/main" id="{93532249-5E17-2A4B-B649-961DDDF1F5F6}"/>
+              </a:ext>
+            </a:extLst>
+          </p:cNvPr>
+          <p:cNvSpPr>
+            <a:spLocks noGrp="1"/>
+          </p:cNvSpPr>
+          <p:nvPr>
+            <p:ph idx="1"/>
+          </p:nvPr>
+        </p:nvSpPr>
+        <p:spPr/>
+        <p:txBody>
+          <a:bodyPr/>
+          <a:lstStyle/>
+          <a:p>
+            <a:r>
+              <a:rPr lang="en-US" dirty="0"/>
+              <a:t>Spinlocks</a:t>
+            </a:r>
+          </a:p>
+          <a:p>
+            <a:pPr lvl="1"/>
+            <a:r>
+              <a:rPr lang="en-US" dirty="0"/>
+              <a:t>How to use</a:t>
+            </a:r>
+          </a:p>
+          <a:p>
+            <a:pPr lvl="1"/>
+            <a:r>
+              <a:rPr lang="en-US" dirty="0"/>
+              <a:t>How to implement</a:t>
+            </a:r>
+          </a:p>
+          <a:p>
+            <a:r>
+              <a:rPr lang="en-US" dirty="0"/>
+              <a:t>Semaphores</a:t>
+            </a:r>
+          </a:p>
+          <a:p>
+            <a:pPr lvl="1"/>
+            <a:r>
+              <a:rPr lang="en-US" dirty="0"/>
+              <a:t>How to use</a:t>
+            </a:r>
+          </a:p>
+          <a:p>
+            <a:pPr lvl="1"/>
+            <a:r>
+              <a:rPr lang="en-US" dirty="0"/>
+              <a:t>How to implement</a:t>
+            </a:r>
+          </a:p>
+        </p:txBody>
+      </p:sp>
+      <p:sp>
+        <p:nvSpPr>
+          <p:cNvPr id="4" name="Footer Placeholder 3">
+            <a:extLst>
+              <a:ext uri="{FF2B5EF4-FFF2-40B4-BE49-F238E27FC236}">
+                <a16:creationId xmlns:a16="http://schemas.microsoft.com/office/drawing/2014/main" id="{2550EB3E-D7D4-7946-ADA7-722A8DA377D5}"/>
+              </a:ext>
+            </a:extLst>
+          </p:cNvPr>
+          <p:cNvSpPr>
+            <a:spLocks noGrp="1"/>
+          </p:cNvSpPr>
+          <p:nvPr>
+            <p:ph type="ftr" idx="11"/>
+          </p:nvPr>
+        </p:nvSpPr>
+        <p:spPr/>
+        <p:txBody>
+          <a:bodyPr/>
+          <a:lstStyle/>
+          <a:p>
+            <a:pPr>
+              <a:defRPr/>
+            </a:pPr>
+            <a:r>
+              <a:rPr lang="en-US">
+                <a:latin typeface="+mn-lt"/>
+              </a:rPr>
+              <a:t>CS/COE 1550 – Operating Systems – Sherif Khattab</a:t>
+            </a:r>
+            <a:endParaRPr lang="en-GB" dirty="0"/>
+          </a:p>
+        </p:txBody>
+      </p:sp>
+      <p:sp>
+        <p:nvSpPr>
+          <p:cNvPr id="5" name="Slide Number Placeholder 4">
+            <a:extLst>
+              <a:ext uri="{FF2B5EF4-FFF2-40B4-BE49-F238E27FC236}">
+                <a16:creationId xmlns:a16="http://schemas.microsoft.com/office/drawing/2014/main" id="{C1015D7E-DA69-CD4B-B6BE-D1EDF4DD75D6}"/>
+              </a:ext>
+            </a:extLst>
+          </p:cNvPr>
+          <p:cNvSpPr>
+            <a:spLocks noGrp="1"/>
+          </p:cNvSpPr>
+          <p:nvPr>
+            <p:ph type="sldNum" idx="12"/>
+          </p:nvPr>
+        </p:nvSpPr>
+        <p:spPr/>
+        <p:txBody>
+          <a:bodyPr/>
+          <a:lstStyle/>
+          <a:p>
+            <a:fld id="{65E435D9-63B0-4660-8D04-E83F5E2CA2AE}" type="slidenum">
+              <a:rPr lang="en-GB" altLang="en-US" smtClean="0"/>
+              <a:pPr/>
+              <a:t>10</a:t>
+            </a:fld>
+            <a:endParaRPr lang="en-GB" altLang="en-US" dirty="0"/>
+          </a:p>
+        </p:txBody>
+      </p:sp>
+    </p:spTree>
+    <p:extLst>
+      <p:ext uri="{BB962C8B-B14F-4D97-AF65-F5344CB8AC3E}">
+        <p14:creationId xmlns:p14="http://schemas.microsoft.com/office/powerpoint/2010/main" val="747882086"/>
+      </p:ext>
+    </p:extLst>
+  </p:cSld>
+  <p:clrMapOvr>
+    <a:masterClrMapping/>
+  </p:clrMapOvr>
+</p:sld>
+</file>
+
+<file path=ppt/slides/slide11.xml><?xml version="1.0" encoding="utf-8"?>
+<p:sld xmlns:a="http://schemas.openxmlformats.org/drawingml/2006/main" xmlns:r="http://schemas.openxmlformats.org/officeDocument/2006/relationships" xmlns:p="http://schemas.openxmlformats.org/presentationml/2006/main">
+  <p:cSld>
+    <p:spTree>
+      <p:nvGrpSpPr>
+        <p:cNvPr id="1" name=""/>
+        <p:cNvGrpSpPr/>
+        <p:nvPr/>
+      </p:nvGrpSpPr>
+      <p:grpSpPr>
+        <a:xfrm>
+          <a:off x="0" y="0"/>
+          <a:ext cx="0" cy="0"/>
+          <a:chOff x="0" y="0"/>
+          <a:chExt cx="0" cy="0"/>
+        </a:xfrm>
+      </p:grpSpPr>
+      <p:sp>
+        <p:nvSpPr>
           <p:cNvPr id="90114" name="Rectangle 2">
             <a:extLst>
               <a:ext uri="{FF2B5EF4-FFF2-40B4-BE49-F238E27FC236}">
@@ -11928,7 +12129,7 @@
                 <a:tabLst/>
                 <a:defRPr/>
               </a:pPr>
-              <a:t>10</a:t>
+              <a:t>11</a:t>
             </a:fld>
             <a:endParaRPr kumimoji="0" lang="en-US" altLang="en-US" sz="1400" b="0" i="0" u="none" strike="noStrike" kern="1200" cap="none" spc="0" normalizeH="0" baseline="0" noProof="0">
               <a:ln>
@@ -11960,7 +12161,7 @@
 </p:sld>
 </file>
 
-<file path=ppt/slides/slide11.xml><?xml version="1.0" encoding="utf-8"?>
+<file path=ppt/slides/slide12.xml><?xml version="1.0" encoding="utf-8"?>
 <p:sld xmlns:a="http://schemas.openxmlformats.org/drawingml/2006/main" xmlns:r="http://schemas.openxmlformats.org/officeDocument/2006/relationships" xmlns:p="http://schemas.openxmlformats.org/presentationml/2006/main">
   <p:cSld>
     <p:spTree>
@@ -12155,7 +12356,7 @@
                 <a:tabLst/>
                 <a:defRPr/>
               </a:pPr>
-              <a:t>11</a:t>
+              <a:t>12</a:t>
             </a:fld>
             <a:endParaRPr kumimoji="0" lang="en-US" altLang="en-US" sz="1400" b="0" i="0" u="none" strike="noStrike" kern="1200" cap="none" spc="0" normalizeH="0" baseline="0" noProof="0">
               <a:ln>
@@ -14804,7 +15005,7 @@
 </p:sld>
 </file>
 
-<file path=ppt/slides/slide12.xml><?xml version="1.0" encoding="utf-8"?>
+<file path=ppt/slides/slide13.xml><?xml version="1.0" encoding="utf-8"?>
 <p:sld xmlns:a="http://schemas.openxmlformats.org/drawingml/2006/main" xmlns:r="http://schemas.openxmlformats.org/officeDocument/2006/relationships" xmlns:p="http://schemas.openxmlformats.org/presentationml/2006/main">
   <p:cSld>
     <p:spTree>
@@ -15063,7 +15264,7 @@
                 <a:tabLst/>
                 <a:defRPr/>
               </a:pPr>
-              <a:t>12</a:t>
+              <a:t>13</a:t>
             </a:fld>
             <a:endParaRPr kumimoji="0" lang="en-US" altLang="en-US" sz="1400" b="0" i="0" u="none" strike="noStrike" kern="1200" cap="none" spc="0" normalizeH="0" baseline="0" noProof="0">
               <a:ln>
@@ -17301,7 +17502,7 @@
 </p:sld>
 </file>
 
-<file path=ppt/slides/slide13.xml><?xml version="1.0" encoding="utf-8"?>
+<file path=ppt/slides/slide14.xml><?xml version="1.0" encoding="utf-8"?>
 <p:sld xmlns:a="http://schemas.openxmlformats.org/drawingml/2006/main" xmlns:r="http://schemas.openxmlformats.org/officeDocument/2006/relationships" xmlns:p="http://schemas.openxmlformats.org/presentationml/2006/main">
   <p:cSld>
     <p:spTree>
@@ -17566,7 +17767,7 @@
                 <a:tabLst/>
                 <a:defRPr/>
               </a:pPr>
-              <a:t>13</a:t>
+              <a:t>14</a:t>
             </a:fld>
             <a:endParaRPr kumimoji="0" lang="en-US" altLang="en-US" sz="1400" b="0" i="0" u="none" strike="noStrike" kern="1200" cap="none" spc="0" normalizeH="0" baseline="0" noProof="0">
               <a:ln>
@@ -19585,7 +19786,7 @@
 </p:sld>
 </file>
 
-<file path=ppt/slides/slide14.xml><?xml version="1.0" encoding="utf-8"?>
+<file path=ppt/slides/slide15.xml><?xml version="1.0" encoding="utf-8"?>
 <p:sld xmlns:a="http://schemas.openxmlformats.org/drawingml/2006/main" xmlns:r="http://schemas.openxmlformats.org/officeDocument/2006/relationships" xmlns:p="http://schemas.openxmlformats.org/presentationml/2006/main">
   <p:cSld>
     <p:spTree>
@@ -19749,921 +19950,6 @@
               <a:defRPr/>
             </a:pPr>
             <a:fld id="{E144691B-2148-EE46-91C2-338F18CE3F8B}" type="slidenum">
-              <a:rPr kumimoji="0" lang="en-US" altLang="en-US" sz="1400" b="0" i="0" u="none" strike="noStrike" kern="1200" cap="none" spc="0" normalizeH="0" baseline="0" noProof="0">
-                <a:ln>
-                  <a:noFill/>
-                </a:ln>
-                <a:solidFill>
-                  <a:srgbClr val="000000"/>
-                </a:solidFill>
-                <a:effectLst/>
-                <a:uLnTx/>
-                <a:uFillTx/>
-                <a:latin typeface="Arial"/>
-                <a:ea typeface="+mn-ea"/>
-                <a:cs typeface="Arial"/>
-              </a:rPr>
-              <a:pPr marL="0" marR="0" lvl="0" indent="0" algn="r" defTabSz="1007943" rtl="0" eaLnBrk="1" fontAlgn="base" latinLnBrk="0" hangingPunct="0">
-                <a:lnSpc>
-                  <a:spcPct val="100000"/>
-                </a:lnSpc>
-                <a:spcBef>
-                  <a:spcPct val="0"/>
-                </a:spcBef>
-                <a:spcAft>
-                  <a:spcPct val="0"/>
-                </a:spcAft>
-                <a:buClrTx/>
-                <a:buSzTx/>
-                <a:buFont typeface="Times New Roman" panose="02020603050405020304" pitchFamily="18" charset="0"/>
-                <a:buNone/>
-                <a:tabLst/>
-                <a:defRPr/>
-              </a:pPr>
-              <a:t>14</a:t>
-            </a:fld>
-            <a:endParaRPr kumimoji="0" lang="en-US" altLang="en-US" sz="1400" b="0" i="0" u="none" strike="noStrike" kern="1200" cap="none" spc="0" normalizeH="0" baseline="0" noProof="0">
-              <a:ln>
-                <a:noFill/>
-              </a:ln>
-              <a:solidFill>
-                <a:srgbClr val="000000"/>
-              </a:solidFill>
-              <a:effectLst/>
-              <a:uLnTx/>
-              <a:uFillTx/>
-              <a:latin typeface="Arial"/>
-              <a:ea typeface="+mn-ea"/>
-              <a:cs typeface="Arial"/>
-            </a:endParaRPr>
-          </a:p>
-        </p:txBody>
-      </p:sp>
-      <p:sp>
-        <p:nvSpPr>
-          <p:cNvPr id="99330" name="Text Box 2">
-            <a:extLst>
-              <a:ext uri="{FF2B5EF4-FFF2-40B4-BE49-F238E27FC236}">
-                <a16:creationId xmlns:a16="http://schemas.microsoft.com/office/drawing/2014/main" id="{1FD61C16-1735-DD40-B974-BFE9976EA2BC}"/>
-              </a:ext>
-            </a:extLst>
-          </p:cNvPr>
-          <p:cNvSpPr txBox="1">
-            <a:spLocks noChangeArrowheads="1"/>
-          </p:cNvSpPr>
-          <p:nvPr/>
-        </p:nvSpPr>
-        <p:spPr bwMode="auto">
-          <a:xfrm>
-            <a:off x="1663211" y="1982739"/>
-            <a:ext cx="6334077" cy="4158926"/>
-          </a:xfrm>
-          <a:prstGeom prst="rect">
-            <a:avLst/>
-          </a:prstGeom>
-          <a:noFill/>
-          <a:ln w="6350">
-            <a:solidFill>
-              <a:schemeClr val="tx1"/>
-            </a:solidFill>
-            <a:miter lim="800000"/>
-            <a:headEnd/>
-            <a:tailEnd/>
-          </a:ln>
-          <a:effectLst/>
-          <a:extLst>
-            <a:ext uri="{909E8E84-426E-40DD-AFC4-6F175D3DCCD1}">
-              <a14:hiddenFill xmlns:a14="http://schemas.microsoft.com/office/drawing/2010/main">
-                <a:solidFill>
-                  <a:schemeClr val="accent1"/>
-                </a:solidFill>
-              </a14:hiddenFill>
-            </a:ext>
-            <a:ext uri="{AF507438-7753-43E0-B8FC-AC1667EBCBE1}">
-              <a14:hiddenEffects xmlns:a14="http://schemas.microsoft.com/office/drawing/2010/main">
-                <a:effectLst>
-                  <a:outerShdw dist="35921" dir="2700000" algn="ctr" rotWithShape="0">
-                    <a:schemeClr val="bg2"/>
-                  </a:outerShdw>
-                </a:effectLst>
-              </a14:hiddenEffects>
-            </a:ext>
-          </a:extLst>
-        </p:spPr>
-        <p:txBody>
-          <a:bodyPr wrap="square" lIns="95343" tIns="47672" rIns="95343" bIns="47672">
-            <a:spAutoFit/>
-          </a:bodyPr>
-          <a:lstStyle>
-            <a:lvl1pPr defTabSz="865188">
-              <a:defRPr sz="2400">
-                <a:solidFill>
-                  <a:schemeClr val="tx1"/>
-                </a:solidFill>
-                <a:latin typeface="Times" pitchFamily="2" charset="0"/>
-              </a:defRPr>
-            </a:lvl1pPr>
-            <a:lvl2pPr marL="431800" defTabSz="865188">
-              <a:defRPr sz="2400">
-                <a:solidFill>
-                  <a:schemeClr val="tx1"/>
-                </a:solidFill>
-                <a:latin typeface="Times" pitchFamily="2" charset="0"/>
-              </a:defRPr>
-            </a:lvl2pPr>
-            <a:lvl3pPr marL="865188" defTabSz="865188">
-              <a:defRPr sz="2400">
-                <a:solidFill>
-                  <a:schemeClr val="tx1"/>
-                </a:solidFill>
-                <a:latin typeface="Times" pitchFamily="2" charset="0"/>
-              </a:defRPr>
-            </a:lvl3pPr>
-            <a:lvl4pPr marL="1296988" defTabSz="865188">
-              <a:defRPr sz="2400">
-                <a:solidFill>
-                  <a:schemeClr val="tx1"/>
-                </a:solidFill>
-                <a:latin typeface="Times" pitchFamily="2" charset="0"/>
-              </a:defRPr>
-            </a:lvl4pPr>
-            <a:lvl5pPr marL="1730375" defTabSz="865188">
-              <a:defRPr sz="2400">
-                <a:solidFill>
-                  <a:schemeClr val="tx1"/>
-                </a:solidFill>
-                <a:latin typeface="Times" pitchFamily="2" charset="0"/>
-              </a:defRPr>
-            </a:lvl5pPr>
-            <a:lvl6pPr marL="2187575" defTabSz="865188" eaLnBrk="0" fontAlgn="base" hangingPunct="0">
-              <a:spcBef>
-                <a:spcPct val="0"/>
-              </a:spcBef>
-              <a:spcAft>
-                <a:spcPct val="0"/>
-              </a:spcAft>
-              <a:defRPr sz="2400">
-                <a:solidFill>
-                  <a:schemeClr val="tx1"/>
-                </a:solidFill>
-                <a:latin typeface="Times" pitchFamily="2" charset="0"/>
-              </a:defRPr>
-            </a:lvl6pPr>
-            <a:lvl7pPr marL="2644775" defTabSz="865188" eaLnBrk="0" fontAlgn="base" hangingPunct="0">
-              <a:spcBef>
-                <a:spcPct val="0"/>
-              </a:spcBef>
-              <a:spcAft>
-                <a:spcPct val="0"/>
-              </a:spcAft>
-              <a:defRPr sz="2400">
-                <a:solidFill>
-                  <a:schemeClr val="tx1"/>
-                </a:solidFill>
-                <a:latin typeface="Times" pitchFamily="2" charset="0"/>
-              </a:defRPr>
-            </a:lvl7pPr>
-            <a:lvl8pPr marL="3101975" defTabSz="865188" eaLnBrk="0" fontAlgn="base" hangingPunct="0">
-              <a:spcBef>
-                <a:spcPct val="0"/>
-              </a:spcBef>
-              <a:spcAft>
-                <a:spcPct val="0"/>
-              </a:spcAft>
-              <a:defRPr sz="2400">
-                <a:solidFill>
-                  <a:schemeClr val="tx1"/>
-                </a:solidFill>
-                <a:latin typeface="Times" pitchFamily="2" charset="0"/>
-              </a:defRPr>
-            </a:lvl8pPr>
-            <a:lvl9pPr marL="3559175" defTabSz="865188" eaLnBrk="0" fontAlgn="base" hangingPunct="0">
-              <a:spcBef>
-                <a:spcPct val="0"/>
-              </a:spcBef>
-              <a:spcAft>
-                <a:spcPct val="0"/>
-              </a:spcAft>
-              <a:defRPr sz="2400">
-                <a:solidFill>
-                  <a:schemeClr val="tx1"/>
-                </a:solidFill>
-                <a:latin typeface="Times" pitchFamily="2" charset="0"/>
-              </a:defRPr>
-            </a:lvl9pPr>
-          </a:lstStyle>
-          <a:p>
-            <a:pPr marL="0" marR="0" lvl="0" indent="0" algn="l" defTabSz="953697" rtl="0" eaLnBrk="0" fontAlgn="base" latinLnBrk="0" hangingPunct="0">
-              <a:lnSpc>
-                <a:spcPct val="100000"/>
-              </a:lnSpc>
-              <a:spcBef>
-                <a:spcPct val="0"/>
-              </a:spcBef>
-              <a:spcAft>
-                <a:spcPct val="0"/>
-              </a:spcAft>
-              <a:buClrTx/>
-              <a:buSzTx/>
-              <a:buFont typeface="Times New Roman" panose="02020603050405020304" pitchFamily="18" charset="0"/>
-              <a:buNone/>
-              <a:tabLst/>
-              <a:defRPr/>
-            </a:pPr>
-            <a:r>
-              <a:rPr kumimoji="0" lang="en-US" altLang="en-US" sz="4000" b="0" i="0" u="none" strike="noStrike" kern="1200" cap="none" spc="0" normalizeH="0" baseline="0" noProof="0" dirty="0">
-                <a:ln>
-                  <a:noFill/>
-                </a:ln>
-                <a:solidFill>
-                  <a:srgbClr val="000000"/>
-                </a:solidFill>
-                <a:effectLst/>
-                <a:uLnTx/>
-                <a:uFillTx/>
-                <a:latin typeface="Times" pitchFamily="2" charset="0"/>
-                <a:ea typeface="+mn-ea"/>
-                <a:cs typeface="Arial"/>
-              </a:rPr>
-              <a:t>Code for process P</a:t>
-            </a:r>
-            <a:r>
-              <a:rPr kumimoji="0" lang="en-US" altLang="en-US" sz="4000" b="0" i="0" u="none" strike="noStrike" kern="1200" cap="none" spc="0" normalizeH="0" baseline="-25000" noProof="0" dirty="0">
-                <a:ln>
-                  <a:noFill/>
-                </a:ln>
-                <a:solidFill>
-                  <a:srgbClr val="000000"/>
-                </a:solidFill>
-                <a:effectLst/>
-                <a:uLnTx/>
-                <a:uFillTx/>
-                <a:latin typeface="Times" pitchFamily="2" charset="0"/>
-                <a:ea typeface="+mn-ea"/>
-                <a:cs typeface="Arial"/>
-              </a:rPr>
-              <a:t>i</a:t>
-            </a:r>
-            <a:endParaRPr kumimoji="0" lang="en-US" altLang="en-US" sz="3200" b="0" i="0" u="none" strike="noStrike" kern="1200" cap="none" spc="0" normalizeH="0" baseline="0" noProof="0" dirty="0">
-              <a:ln>
-                <a:noFill/>
-              </a:ln>
-              <a:solidFill>
-                <a:srgbClr val="000000"/>
-              </a:solidFill>
-              <a:effectLst/>
-              <a:uLnTx/>
-              <a:uFillTx/>
-              <a:latin typeface="Courier" pitchFamily="2" charset="0"/>
-              <a:ea typeface="+mn-ea"/>
-              <a:cs typeface="Arial"/>
-            </a:endParaRPr>
-          </a:p>
-          <a:p>
-            <a:pPr marL="0" marR="0" lvl="0" indent="0" algn="l" defTabSz="953697" rtl="0" eaLnBrk="0" fontAlgn="base" latinLnBrk="0" hangingPunct="0">
-              <a:lnSpc>
-                <a:spcPct val="100000"/>
-              </a:lnSpc>
-              <a:spcBef>
-                <a:spcPct val="0"/>
-              </a:spcBef>
-              <a:spcAft>
-                <a:spcPct val="0"/>
-              </a:spcAft>
-              <a:buClrTx/>
-              <a:buSzTx/>
-              <a:buFont typeface="Times New Roman" panose="02020603050405020304" pitchFamily="18" charset="0"/>
-              <a:buNone/>
-              <a:tabLst/>
-              <a:defRPr/>
-            </a:pPr>
-            <a:r>
-              <a:rPr kumimoji="0" lang="en-US" altLang="en-US" sz="3200" b="0" i="0" u="none" strike="noStrike" kern="1200" cap="none" spc="0" normalizeH="0" baseline="0" noProof="0" dirty="0">
-                <a:ln>
-                  <a:noFill/>
-                </a:ln>
-                <a:solidFill>
-                  <a:schemeClr val="accent2"/>
-                </a:solidFill>
-                <a:effectLst/>
-                <a:uLnTx/>
-                <a:uFillTx/>
-                <a:latin typeface="Courier" pitchFamily="2" charset="0"/>
-                <a:ea typeface="+mn-ea"/>
-                <a:cs typeface="Arial"/>
-              </a:rPr>
-              <a:t>While(1){</a:t>
-            </a:r>
-          </a:p>
-          <a:p>
-            <a:pPr lvl="1" indent="0" defTabSz="953697" eaLnBrk="0">
-              <a:lnSpc>
-                <a:spcPct val="100000"/>
-              </a:lnSpc>
-              <a:buClrTx/>
-              <a:buSzTx/>
-              <a:defRPr/>
-            </a:pPr>
-            <a:r>
-              <a:rPr kumimoji="0" lang="en-US" altLang="en-US" sz="3200" b="0" i="0" u="none" strike="noStrike" kern="1200" cap="none" spc="0" normalizeH="0" baseline="0" noProof="0" dirty="0">
-                <a:ln>
-                  <a:noFill/>
-                </a:ln>
-                <a:solidFill>
-                  <a:srgbClr val="FF0000"/>
-                </a:solidFill>
-                <a:effectLst/>
-                <a:uLnTx/>
-                <a:uFillTx/>
-                <a:latin typeface="Courier" pitchFamily="2" charset="0"/>
-                <a:ea typeface="+mn-ea"/>
-                <a:cs typeface="Arial"/>
-              </a:rPr>
-              <a:t>Lock(lock)</a:t>
-            </a:r>
-          </a:p>
-          <a:p>
-            <a:pPr lvl="1" indent="0" defTabSz="953697" eaLnBrk="0">
-              <a:lnSpc>
-                <a:spcPct val="100000"/>
-              </a:lnSpc>
-              <a:buClrTx/>
-              <a:buSzTx/>
-              <a:defRPr/>
-            </a:pPr>
-            <a:r>
-              <a:rPr kumimoji="0" lang="en-US" altLang="en-US" sz="3200" b="0" i="0" u="none" strike="noStrike" kern="1200" cap="none" spc="0" normalizeH="0" baseline="0" noProof="0" dirty="0">
-                <a:ln>
-                  <a:noFill/>
-                </a:ln>
-                <a:solidFill>
-                  <a:srgbClr val="000000"/>
-                </a:solidFill>
-                <a:effectLst/>
-                <a:uLnTx/>
-                <a:uFillTx/>
-                <a:latin typeface="Courier" pitchFamily="2" charset="0"/>
-                <a:ea typeface="+mn-ea"/>
-                <a:cs typeface="Arial"/>
-              </a:rPr>
-              <a:t>// critical section</a:t>
-            </a:r>
-          </a:p>
-          <a:p>
-            <a:pPr lvl="1" indent="0" defTabSz="953697" eaLnBrk="0">
-              <a:lnSpc>
-                <a:spcPct val="100000"/>
-              </a:lnSpc>
-              <a:buClrTx/>
-              <a:buSzTx/>
-              <a:defRPr/>
-            </a:pPr>
-            <a:r>
-              <a:rPr kumimoji="0" lang="en-US" altLang="en-US" sz="3200" b="0" i="0" u="none" strike="noStrike" kern="1200" cap="none" spc="0" normalizeH="0" baseline="0" noProof="0" dirty="0">
-                <a:ln>
-                  <a:noFill/>
-                </a:ln>
-                <a:solidFill>
-                  <a:srgbClr val="00B050"/>
-                </a:solidFill>
-                <a:effectLst/>
-                <a:uLnTx/>
-                <a:uFillTx/>
-                <a:latin typeface="Courier" pitchFamily="2" charset="0"/>
-                <a:ea typeface="+mn-ea"/>
-                <a:cs typeface="Arial"/>
-              </a:rPr>
-              <a:t>Unlock(lock);</a:t>
-            </a:r>
-          </a:p>
-          <a:p>
-            <a:pPr lvl="1" indent="0" defTabSz="953697" eaLnBrk="0">
-              <a:lnSpc>
-                <a:spcPct val="100000"/>
-              </a:lnSpc>
-              <a:buClrTx/>
-              <a:buSzTx/>
-              <a:defRPr/>
-            </a:pPr>
-            <a:r>
-              <a:rPr kumimoji="0" lang="en-US" altLang="en-US" sz="3200" b="0" i="0" u="none" strike="noStrike" kern="1200" cap="none" spc="0" normalizeH="0" baseline="0" noProof="0" dirty="0">
-                <a:ln>
-                  <a:noFill/>
-                </a:ln>
-                <a:solidFill>
-                  <a:srgbClr val="000000"/>
-                </a:solidFill>
-                <a:effectLst/>
-                <a:uLnTx/>
-                <a:uFillTx/>
-                <a:latin typeface="Courier" pitchFamily="2" charset="0"/>
-                <a:ea typeface="+mn-ea"/>
-                <a:cs typeface="Arial"/>
-              </a:rPr>
-              <a:t>// remainder of code</a:t>
-            </a:r>
-          </a:p>
-          <a:p>
-            <a:pPr lvl="1" indent="0" defTabSz="953697" eaLnBrk="0">
-              <a:lnSpc>
-                <a:spcPct val="100000"/>
-              </a:lnSpc>
-              <a:buClrTx/>
-              <a:buSzTx/>
-              <a:defRPr/>
-            </a:pPr>
-            <a:r>
-              <a:rPr kumimoji="0" lang="en-US" altLang="en-US" sz="3200" b="0" i="0" u="none" strike="noStrike" kern="1200" cap="none" spc="0" normalizeH="0" baseline="0" noProof="0" dirty="0">
-                <a:ln>
-                  <a:noFill/>
-                </a:ln>
-                <a:solidFill>
-                  <a:srgbClr val="000000"/>
-                </a:solidFill>
-                <a:effectLst/>
-                <a:uLnTx/>
-                <a:uFillTx/>
-                <a:latin typeface="Courier" pitchFamily="2" charset="0"/>
-                <a:ea typeface="+mn-ea"/>
-                <a:cs typeface="Arial"/>
-              </a:rPr>
-              <a:t>}</a:t>
-            </a:r>
-          </a:p>
-          <a:p>
-            <a:pPr marL="0" marR="0" lvl="0" indent="0" algn="l" defTabSz="953697" rtl="0" eaLnBrk="0" fontAlgn="base" latinLnBrk="0" hangingPunct="0">
-              <a:lnSpc>
-                <a:spcPct val="100000"/>
-              </a:lnSpc>
-              <a:spcBef>
-                <a:spcPct val="0"/>
-              </a:spcBef>
-              <a:spcAft>
-                <a:spcPct val="0"/>
-              </a:spcAft>
-              <a:buClrTx/>
-              <a:buSzTx/>
-              <a:buFont typeface="Times New Roman" panose="02020603050405020304" pitchFamily="18" charset="0"/>
-              <a:buNone/>
-              <a:tabLst/>
-              <a:defRPr/>
-            </a:pPr>
-            <a:r>
-              <a:rPr lang="en-US" altLang="en-US" sz="3200" dirty="0">
-                <a:solidFill>
-                  <a:srgbClr val="000000"/>
-                </a:solidFill>
-                <a:latin typeface="Courier" pitchFamily="2" charset="0"/>
-                <a:cs typeface="Arial"/>
-              </a:rPr>
-              <a:t>}</a:t>
-            </a:r>
-            <a:endParaRPr kumimoji="0" lang="en-US" altLang="en-US" sz="3200" b="0" i="0" u="none" strike="noStrike" kern="1200" cap="none" spc="0" normalizeH="0" baseline="0" noProof="0" dirty="0">
-              <a:ln>
-                <a:noFill/>
-              </a:ln>
-              <a:solidFill>
-                <a:srgbClr val="000000"/>
-              </a:solidFill>
-              <a:effectLst/>
-              <a:uLnTx/>
-              <a:uFillTx/>
-              <a:latin typeface="Courier" pitchFamily="2" charset="0"/>
-              <a:ea typeface="+mn-ea"/>
-              <a:cs typeface="Arial"/>
-            </a:endParaRPr>
-          </a:p>
-        </p:txBody>
-      </p:sp>
-      <p:sp>
-        <p:nvSpPr>
-          <p:cNvPr id="99332" name="Text Box 4">
-            <a:extLst>
-              <a:ext uri="{FF2B5EF4-FFF2-40B4-BE49-F238E27FC236}">
-                <a16:creationId xmlns:a16="http://schemas.microsoft.com/office/drawing/2014/main" id="{100A8DDF-8520-4E4C-B33A-A6A8B8E09C76}"/>
-              </a:ext>
-            </a:extLst>
-          </p:cNvPr>
-          <p:cNvSpPr txBox="1">
-            <a:spLocks noChangeArrowheads="1"/>
-          </p:cNvSpPr>
-          <p:nvPr/>
-        </p:nvSpPr>
-        <p:spPr bwMode="auto">
-          <a:xfrm>
-            <a:off x="1663211" y="1510259"/>
-            <a:ext cx="6334077" cy="605255"/>
-          </a:xfrm>
-          <a:prstGeom prst="rect">
-            <a:avLst/>
-          </a:prstGeom>
-          <a:noFill/>
-          <a:ln w="6350">
-            <a:solidFill>
-              <a:schemeClr val="tx1"/>
-            </a:solidFill>
-            <a:miter lim="800000"/>
-            <a:headEnd/>
-            <a:tailEnd/>
-          </a:ln>
-          <a:effectLst/>
-          <a:extLst>
-            <a:ext uri="{909E8E84-426E-40DD-AFC4-6F175D3DCCD1}">
-              <a14:hiddenFill xmlns:a14="http://schemas.microsoft.com/office/drawing/2010/main">
-                <a:solidFill>
-                  <a:schemeClr val="accent1"/>
-                </a:solidFill>
-              </a14:hiddenFill>
-            </a:ext>
-            <a:ext uri="{AF507438-7753-43E0-B8FC-AC1667EBCBE1}">
-              <a14:hiddenEffects xmlns:a14="http://schemas.microsoft.com/office/drawing/2010/main">
-                <a:effectLst>
-                  <a:outerShdw dist="35921" dir="2700000" algn="ctr" rotWithShape="0">
-                    <a:schemeClr val="bg2"/>
-                  </a:outerShdw>
-                </a:effectLst>
-              </a14:hiddenEffects>
-            </a:ext>
-          </a:extLst>
-        </p:spPr>
-        <p:txBody>
-          <a:bodyPr wrap="square" lIns="95343" tIns="47672" rIns="95343" bIns="47672">
-            <a:spAutoFit/>
-          </a:bodyPr>
-          <a:lstStyle>
-            <a:lvl1pPr defTabSz="865188">
-              <a:defRPr sz="2400">
-                <a:solidFill>
-                  <a:schemeClr val="tx1"/>
-                </a:solidFill>
-                <a:latin typeface="Times" pitchFamily="2" charset="0"/>
-              </a:defRPr>
-            </a:lvl1pPr>
-            <a:lvl2pPr marL="431800" defTabSz="865188">
-              <a:defRPr sz="2400">
-                <a:solidFill>
-                  <a:schemeClr val="tx1"/>
-                </a:solidFill>
-                <a:latin typeface="Times" pitchFamily="2" charset="0"/>
-              </a:defRPr>
-            </a:lvl2pPr>
-            <a:lvl3pPr marL="865188" defTabSz="865188">
-              <a:defRPr sz="2400">
-                <a:solidFill>
-                  <a:schemeClr val="tx1"/>
-                </a:solidFill>
-                <a:latin typeface="Times" pitchFamily="2" charset="0"/>
-              </a:defRPr>
-            </a:lvl3pPr>
-            <a:lvl4pPr marL="1296988" defTabSz="865188">
-              <a:defRPr sz="2400">
-                <a:solidFill>
-                  <a:schemeClr val="tx1"/>
-                </a:solidFill>
-                <a:latin typeface="Times" pitchFamily="2" charset="0"/>
-              </a:defRPr>
-            </a:lvl4pPr>
-            <a:lvl5pPr marL="1730375" defTabSz="865188">
-              <a:defRPr sz="2400">
-                <a:solidFill>
-                  <a:schemeClr val="tx1"/>
-                </a:solidFill>
-                <a:latin typeface="Times" pitchFamily="2" charset="0"/>
-              </a:defRPr>
-            </a:lvl5pPr>
-            <a:lvl6pPr marL="2187575" defTabSz="865188" eaLnBrk="0" fontAlgn="base" hangingPunct="0">
-              <a:spcBef>
-                <a:spcPct val="0"/>
-              </a:spcBef>
-              <a:spcAft>
-                <a:spcPct val="0"/>
-              </a:spcAft>
-              <a:defRPr sz="2400">
-                <a:solidFill>
-                  <a:schemeClr val="tx1"/>
-                </a:solidFill>
-                <a:latin typeface="Times" pitchFamily="2" charset="0"/>
-              </a:defRPr>
-            </a:lvl6pPr>
-            <a:lvl7pPr marL="2644775" defTabSz="865188" eaLnBrk="0" fontAlgn="base" hangingPunct="0">
-              <a:spcBef>
-                <a:spcPct val="0"/>
-              </a:spcBef>
-              <a:spcAft>
-                <a:spcPct val="0"/>
-              </a:spcAft>
-              <a:defRPr sz="2400">
-                <a:solidFill>
-                  <a:schemeClr val="tx1"/>
-                </a:solidFill>
-                <a:latin typeface="Times" pitchFamily="2" charset="0"/>
-              </a:defRPr>
-            </a:lvl7pPr>
-            <a:lvl8pPr marL="3101975" defTabSz="865188" eaLnBrk="0" fontAlgn="base" hangingPunct="0">
-              <a:spcBef>
-                <a:spcPct val="0"/>
-              </a:spcBef>
-              <a:spcAft>
-                <a:spcPct val="0"/>
-              </a:spcAft>
-              <a:defRPr sz="2400">
-                <a:solidFill>
-                  <a:schemeClr val="tx1"/>
-                </a:solidFill>
-                <a:latin typeface="Times" pitchFamily="2" charset="0"/>
-              </a:defRPr>
-            </a:lvl8pPr>
-            <a:lvl9pPr marL="3559175" defTabSz="865188" eaLnBrk="0" fontAlgn="base" hangingPunct="0">
-              <a:spcBef>
-                <a:spcPct val="0"/>
-              </a:spcBef>
-              <a:spcAft>
-                <a:spcPct val="0"/>
-              </a:spcAft>
-              <a:defRPr sz="2400">
-                <a:solidFill>
-                  <a:schemeClr val="tx1"/>
-                </a:solidFill>
-                <a:latin typeface="Times" pitchFamily="2" charset="0"/>
-              </a:defRPr>
-            </a:lvl9pPr>
-          </a:lstStyle>
-          <a:p>
-            <a:pPr marL="0" marR="0" lvl="0" indent="0" algn="l" defTabSz="953697" rtl="0" eaLnBrk="0" fontAlgn="base" latinLnBrk="0" hangingPunct="0">
-              <a:lnSpc>
-                <a:spcPct val="100000"/>
-              </a:lnSpc>
-              <a:spcBef>
-                <a:spcPct val="0"/>
-              </a:spcBef>
-              <a:spcAft>
-                <a:spcPct val="0"/>
-              </a:spcAft>
-              <a:buClrTx/>
-              <a:buSzTx/>
-              <a:buFont typeface="Times New Roman" panose="02020603050405020304" pitchFamily="18" charset="0"/>
-              <a:buNone/>
-              <a:tabLst/>
-              <a:defRPr/>
-            </a:pPr>
-            <a:r>
-              <a:rPr kumimoji="0" lang="en-US" altLang="en-US" sz="3200" b="0" i="0" u="none" strike="noStrike" kern="1200" cap="none" spc="0" normalizeH="0" baseline="0" noProof="0" dirty="0">
-                <a:ln>
-                  <a:noFill/>
-                </a:ln>
-                <a:solidFill>
-                  <a:srgbClr val="000000"/>
-                </a:solidFill>
-                <a:effectLst/>
-                <a:uLnTx/>
-                <a:uFillTx/>
-                <a:latin typeface="Courier" pitchFamily="2" charset="0"/>
-                <a:ea typeface="+mn-ea"/>
-                <a:cs typeface="Arial"/>
-              </a:rPr>
-              <a:t>Spinlock lock;</a:t>
-            </a:r>
-          </a:p>
-        </p:txBody>
-      </p:sp>
-    </p:spTree>
-    <p:extLst>
-      <p:ext uri="{BB962C8B-B14F-4D97-AF65-F5344CB8AC3E}">
-        <p14:creationId xmlns:p14="http://schemas.microsoft.com/office/powerpoint/2010/main" val="3138501136"/>
-      </p:ext>
-    </p:extLst>
-  </p:cSld>
-  <p:clrMapOvr>
-    <a:masterClrMapping/>
-  </p:clrMapOvr>
-</p:sld>
-</file>
-
-<file path=ppt/slides/slide15.xml><?xml version="1.0" encoding="utf-8"?>
-<p:sld xmlns:a="http://schemas.openxmlformats.org/drawingml/2006/main" xmlns:r="http://schemas.openxmlformats.org/officeDocument/2006/relationships" xmlns:p="http://schemas.openxmlformats.org/presentationml/2006/main">
-  <p:cSld>
-    <p:spTree>
-      <p:nvGrpSpPr>
-        <p:cNvPr id="1" name=""/>
-        <p:cNvGrpSpPr/>
-        <p:nvPr/>
-      </p:nvGrpSpPr>
-      <p:grpSpPr>
-        <a:xfrm>
-          <a:off x="0" y="0"/>
-          <a:ext cx="0" cy="0"/>
-          <a:chOff x="0" y="0"/>
-          <a:chExt cx="0" cy="0"/>
-        </a:xfrm>
-      </p:grpSpPr>
-      <p:sp>
-        <p:nvSpPr>
-          <p:cNvPr id="98306" name="Rectangle 2">
-            <a:extLst>
-              <a:ext uri="{FF2B5EF4-FFF2-40B4-BE49-F238E27FC236}">
-                <a16:creationId xmlns:a16="http://schemas.microsoft.com/office/drawing/2014/main" id="{8383A26D-3C56-0042-8B6C-8FD1E0DFA250}"/>
-              </a:ext>
-            </a:extLst>
-          </p:cNvPr>
-          <p:cNvSpPr>
-            <a:spLocks noGrp="1" noChangeArrowheads="1"/>
-          </p:cNvSpPr>
-          <p:nvPr>
-            <p:ph type="title"/>
-          </p:nvPr>
-        </p:nvSpPr>
-        <p:spPr/>
-        <p:txBody>
-          <a:bodyPr/>
-          <a:lstStyle/>
-          <a:p>
-            <a:r>
-              <a:rPr lang="en-US" altLang="en-US" dirty="0"/>
-              <a:t>Spinlock implementation (1/2)</a:t>
-            </a:r>
-          </a:p>
-        </p:txBody>
-      </p:sp>
-      <p:sp>
-        <p:nvSpPr>
-          <p:cNvPr id="98307" name="Rectangle 3">
-            <a:extLst>
-              <a:ext uri="{FF2B5EF4-FFF2-40B4-BE49-F238E27FC236}">
-                <a16:creationId xmlns:a16="http://schemas.microsoft.com/office/drawing/2014/main" id="{6AF066B1-89F4-4E4D-8ABF-40AC813F6866}"/>
-              </a:ext>
-            </a:extLst>
-          </p:cNvPr>
-          <p:cNvSpPr>
-            <a:spLocks noGrp="1" noChangeArrowheads="1"/>
-          </p:cNvSpPr>
-          <p:nvPr>
-            <p:ph idx="1"/>
-          </p:nvPr>
-        </p:nvSpPr>
-        <p:spPr/>
-        <p:txBody>
-          <a:bodyPr/>
-          <a:lstStyle/>
-          <a:p>
-            <a:r>
-              <a:rPr lang="en-US" altLang="en-US" dirty="0"/>
-              <a:t>Solution: use hardware</a:t>
-            </a:r>
-          </a:p>
-          <a:p>
-            <a:r>
-              <a:rPr lang="en-US" altLang="en-US" dirty="0"/>
-              <a:t>Several hardware methods</a:t>
-            </a:r>
-          </a:p>
-          <a:p>
-            <a:pPr lvl="1"/>
-            <a:r>
-              <a:rPr lang="en-US" altLang="en-US" dirty="0"/>
-              <a:t>Test &amp; set: test a variable and set it in one instruction</a:t>
-            </a:r>
-          </a:p>
-          <a:p>
-            <a:pPr lvl="1"/>
-            <a:r>
-              <a:rPr lang="en-US" altLang="en-US" dirty="0"/>
-              <a:t>Atomic swap: switch register &amp; memory in one instruction</a:t>
-            </a:r>
-          </a:p>
-          <a:p>
-            <a:pPr lvl="1"/>
-            <a:r>
-              <a:rPr lang="en-US" altLang="en-US" dirty="0"/>
-              <a:t>Turn off interrupts: process won’t be switched out unless it asks to be suspended</a:t>
-            </a:r>
-          </a:p>
-          <a:p>
-            <a:r>
-              <a:rPr lang="en-US" altLang="en-US" dirty="0"/>
-              <a:t>Can be in user land</a:t>
-            </a:r>
-          </a:p>
-        </p:txBody>
-      </p:sp>
-      <p:sp>
-        <p:nvSpPr>
-          <p:cNvPr id="4" name="Footer Placeholder 3">
-            <a:extLst>
-              <a:ext uri="{FF2B5EF4-FFF2-40B4-BE49-F238E27FC236}">
-                <a16:creationId xmlns:a16="http://schemas.microsoft.com/office/drawing/2014/main" id="{27AC079A-FDEE-5245-9DF2-0EA014E67F57}"/>
-              </a:ext>
-            </a:extLst>
-          </p:cNvPr>
-          <p:cNvSpPr>
-            <a:spLocks noGrp="1"/>
-          </p:cNvSpPr>
-          <p:nvPr>
-            <p:ph type="ftr" idx="11"/>
-          </p:nvPr>
-        </p:nvSpPr>
-        <p:spPr/>
-        <p:txBody>
-          <a:bodyPr/>
-          <a:lstStyle/>
-          <a:p>
-            <a:pPr marL="0" marR="0" lvl="0" indent="0" algn="ctr" defTabSz="1007943" rtl="0" eaLnBrk="1" fontAlgn="base" latinLnBrk="0" hangingPunct="0">
-              <a:lnSpc>
-                <a:spcPct val="100000"/>
-              </a:lnSpc>
-              <a:spcBef>
-                <a:spcPct val="0"/>
-              </a:spcBef>
-              <a:spcAft>
-                <a:spcPct val="0"/>
-              </a:spcAft>
-              <a:buClrTx/>
-              <a:buSzTx/>
-              <a:buFont typeface="Times New Roman" pitchFamily="16" charset="0"/>
-              <a:buNone/>
-              <a:tabLst>
-                <a:tab pos="0" algn="l"/>
-                <a:tab pos="457200" algn="l"/>
-                <a:tab pos="914400" algn="l"/>
-                <a:tab pos="1371600" algn="l"/>
-                <a:tab pos="1828800" algn="l"/>
-                <a:tab pos="2286000" algn="l"/>
-                <a:tab pos="2743200" algn="l"/>
-                <a:tab pos="3200400" algn="l"/>
-                <a:tab pos="3657600" algn="l"/>
-                <a:tab pos="4114800" algn="l"/>
-                <a:tab pos="4572000" algn="l"/>
-                <a:tab pos="5029200" algn="l"/>
-                <a:tab pos="5486400" algn="l"/>
-                <a:tab pos="5943600" algn="l"/>
-                <a:tab pos="6400800" algn="l"/>
-                <a:tab pos="6858000" algn="l"/>
-                <a:tab pos="7315200" algn="l"/>
-                <a:tab pos="7772400" algn="l"/>
-                <a:tab pos="8229600" algn="l"/>
-                <a:tab pos="8686800" algn="l"/>
-                <a:tab pos="9144000" algn="l"/>
-              </a:tabLst>
-              <a:defRPr/>
-            </a:pPr>
-            <a:r>
-              <a:rPr kumimoji="0" lang="en-US" altLang="en-US" sz="1400" b="0" i="0" u="none" strike="noStrike" kern="1200" cap="none" spc="0" normalizeH="0" baseline="0" noProof="0">
-                <a:ln>
-                  <a:noFill/>
-                </a:ln>
-                <a:solidFill>
-                  <a:srgbClr val="000000"/>
-                </a:solidFill>
-                <a:effectLst/>
-                <a:uLnTx/>
-                <a:uFillTx/>
-                <a:latin typeface="Arial"/>
-                <a:ea typeface="+mn-ea"/>
-                <a:cs typeface="Arial"/>
-              </a:rPr>
-              <a:t>CS/COE 1550 – Operating Systems – Sherif Khattab</a:t>
-            </a:r>
-          </a:p>
-        </p:txBody>
-      </p:sp>
-      <p:sp>
-        <p:nvSpPr>
-          <p:cNvPr id="5" name="Slide Number Placeholder 4">
-            <a:extLst>
-              <a:ext uri="{FF2B5EF4-FFF2-40B4-BE49-F238E27FC236}">
-                <a16:creationId xmlns:a16="http://schemas.microsoft.com/office/drawing/2014/main" id="{4BE14FC9-25DA-A545-BFFF-97AA43D9616B}"/>
-              </a:ext>
-            </a:extLst>
-          </p:cNvPr>
-          <p:cNvSpPr>
-            <a:spLocks noGrp="1"/>
-          </p:cNvSpPr>
-          <p:nvPr>
-            <p:ph type="sldNum" idx="12"/>
-          </p:nvPr>
-        </p:nvSpPr>
-        <p:spPr/>
-        <p:txBody>
-          <a:bodyPr/>
-          <a:lstStyle/>
-          <a:p>
-            <a:pPr marL="0" marR="0" lvl="0" indent="0" algn="r" defTabSz="1007943" rtl="0" eaLnBrk="1" fontAlgn="base" latinLnBrk="0" hangingPunct="0">
-              <a:lnSpc>
-                <a:spcPct val="100000"/>
-              </a:lnSpc>
-              <a:spcBef>
-                <a:spcPct val="0"/>
-              </a:spcBef>
-              <a:spcAft>
-                <a:spcPct val="0"/>
-              </a:spcAft>
-              <a:buClrTx/>
-              <a:buSzTx/>
-              <a:buFont typeface="Times New Roman" panose="02020603050405020304" pitchFamily="18" charset="0"/>
-              <a:buNone/>
-              <a:tabLst/>
-              <a:defRPr/>
-            </a:pPr>
-            <a:fld id="{0E4FE751-6D10-DF48-B5EA-EED7A3F958ED}" type="slidenum">
               <a:rPr kumimoji="0" lang="en-US" altLang="en-US" sz="1400" b="0" i="0" u="none" strike="noStrike" kern="1200" cap="none" spc="0" normalizeH="0" baseline="0" noProof="0">
                 <a:ln>
                   <a:noFill/>
@@ -20714,6 +20000,921 @@
           </a:p>
         </p:txBody>
       </p:sp>
+      <p:sp>
+        <p:nvSpPr>
+          <p:cNvPr id="99330" name="Text Box 2">
+            <a:extLst>
+              <a:ext uri="{FF2B5EF4-FFF2-40B4-BE49-F238E27FC236}">
+                <a16:creationId xmlns:a16="http://schemas.microsoft.com/office/drawing/2014/main" id="{1FD61C16-1735-DD40-B974-BFE9976EA2BC}"/>
+              </a:ext>
+            </a:extLst>
+          </p:cNvPr>
+          <p:cNvSpPr txBox="1">
+            <a:spLocks noChangeArrowheads="1"/>
+          </p:cNvSpPr>
+          <p:nvPr/>
+        </p:nvSpPr>
+        <p:spPr bwMode="auto">
+          <a:xfrm>
+            <a:off x="1663211" y="1982739"/>
+            <a:ext cx="6334077" cy="4158926"/>
+          </a:xfrm>
+          <a:prstGeom prst="rect">
+            <a:avLst/>
+          </a:prstGeom>
+          <a:noFill/>
+          <a:ln w="6350">
+            <a:solidFill>
+              <a:schemeClr val="tx1"/>
+            </a:solidFill>
+            <a:miter lim="800000"/>
+            <a:headEnd/>
+            <a:tailEnd/>
+          </a:ln>
+          <a:effectLst/>
+          <a:extLst>
+            <a:ext uri="{909E8E84-426E-40DD-AFC4-6F175D3DCCD1}">
+              <a14:hiddenFill xmlns:a14="http://schemas.microsoft.com/office/drawing/2010/main">
+                <a:solidFill>
+                  <a:schemeClr val="accent1"/>
+                </a:solidFill>
+              </a14:hiddenFill>
+            </a:ext>
+            <a:ext uri="{AF507438-7753-43E0-B8FC-AC1667EBCBE1}">
+              <a14:hiddenEffects xmlns:a14="http://schemas.microsoft.com/office/drawing/2010/main">
+                <a:effectLst>
+                  <a:outerShdw dist="35921" dir="2700000" algn="ctr" rotWithShape="0">
+                    <a:schemeClr val="bg2"/>
+                  </a:outerShdw>
+                </a:effectLst>
+              </a14:hiddenEffects>
+            </a:ext>
+          </a:extLst>
+        </p:spPr>
+        <p:txBody>
+          <a:bodyPr wrap="square" lIns="95343" tIns="47672" rIns="95343" bIns="47672">
+            <a:spAutoFit/>
+          </a:bodyPr>
+          <a:lstStyle>
+            <a:lvl1pPr defTabSz="865188">
+              <a:defRPr sz="2400">
+                <a:solidFill>
+                  <a:schemeClr val="tx1"/>
+                </a:solidFill>
+                <a:latin typeface="Times" pitchFamily="2" charset="0"/>
+              </a:defRPr>
+            </a:lvl1pPr>
+            <a:lvl2pPr marL="431800" defTabSz="865188">
+              <a:defRPr sz="2400">
+                <a:solidFill>
+                  <a:schemeClr val="tx1"/>
+                </a:solidFill>
+                <a:latin typeface="Times" pitchFamily="2" charset="0"/>
+              </a:defRPr>
+            </a:lvl2pPr>
+            <a:lvl3pPr marL="865188" defTabSz="865188">
+              <a:defRPr sz="2400">
+                <a:solidFill>
+                  <a:schemeClr val="tx1"/>
+                </a:solidFill>
+                <a:latin typeface="Times" pitchFamily="2" charset="0"/>
+              </a:defRPr>
+            </a:lvl3pPr>
+            <a:lvl4pPr marL="1296988" defTabSz="865188">
+              <a:defRPr sz="2400">
+                <a:solidFill>
+                  <a:schemeClr val="tx1"/>
+                </a:solidFill>
+                <a:latin typeface="Times" pitchFamily="2" charset="0"/>
+              </a:defRPr>
+            </a:lvl4pPr>
+            <a:lvl5pPr marL="1730375" defTabSz="865188">
+              <a:defRPr sz="2400">
+                <a:solidFill>
+                  <a:schemeClr val="tx1"/>
+                </a:solidFill>
+                <a:latin typeface="Times" pitchFamily="2" charset="0"/>
+              </a:defRPr>
+            </a:lvl5pPr>
+            <a:lvl6pPr marL="2187575" defTabSz="865188" eaLnBrk="0" fontAlgn="base" hangingPunct="0">
+              <a:spcBef>
+                <a:spcPct val="0"/>
+              </a:spcBef>
+              <a:spcAft>
+                <a:spcPct val="0"/>
+              </a:spcAft>
+              <a:defRPr sz="2400">
+                <a:solidFill>
+                  <a:schemeClr val="tx1"/>
+                </a:solidFill>
+                <a:latin typeface="Times" pitchFamily="2" charset="0"/>
+              </a:defRPr>
+            </a:lvl6pPr>
+            <a:lvl7pPr marL="2644775" defTabSz="865188" eaLnBrk="0" fontAlgn="base" hangingPunct="0">
+              <a:spcBef>
+                <a:spcPct val="0"/>
+              </a:spcBef>
+              <a:spcAft>
+                <a:spcPct val="0"/>
+              </a:spcAft>
+              <a:defRPr sz="2400">
+                <a:solidFill>
+                  <a:schemeClr val="tx1"/>
+                </a:solidFill>
+                <a:latin typeface="Times" pitchFamily="2" charset="0"/>
+              </a:defRPr>
+            </a:lvl7pPr>
+            <a:lvl8pPr marL="3101975" defTabSz="865188" eaLnBrk="0" fontAlgn="base" hangingPunct="0">
+              <a:spcBef>
+                <a:spcPct val="0"/>
+              </a:spcBef>
+              <a:spcAft>
+                <a:spcPct val="0"/>
+              </a:spcAft>
+              <a:defRPr sz="2400">
+                <a:solidFill>
+                  <a:schemeClr val="tx1"/>
+                </a:solidFill>
+                <a:latin typeface="Times" pitchFamily="2" charset="0"/>
+              </a:defRPr>
+            </a:lvl8pPr>
+            <a:lvl9pPr marL="3559175" defTabSz="865188" eaLnBrk="0" fontAlgn="base" hangingPunct="0">
+              <a:spcBef>
+                <a:spcPct val="0"/>
+              </a:spcBef>
+              <a:spcAft>
+                <a:spcPct val="0"/>
+              </a:spcAft>
+              <a:defRPr sz="2400">
+                <a:solidFill>
+                  <a:schemeClr val="tx1"/>
+                </a:solidFill>
+                <a:latin typeface="Times" pitchFamily="2" charset="0"/>
+              </a:defRPr>
+            </a:lvl9pPr>
+          </a:lstStyle>
+          <a:p>
+            <a:pPr marL="0" marR="0" lvl="0" indent="0" algn="l" defTabSz="953697" rtl="0" eaLnBrk="0" fontAlgn="base" latinLnBrk="0" hangingPunct="0">
+              <a:lnSpc>
+                <a:spcPct val="100000"/>
+              </a:lnSpc>
+              <a:spcBef>
+                <a:spcPct val="0"/>
+              </a:spcBef>
+              <a:spcAft>
+                <a:spcPct val="0"/>
+              </a:spcAft>
+              <a:buClrTx/>
+              <a:buSzTx/>
+              <a:buFont typeface="Times New Roman" panose="02020603050405020304" pitchFamily="18" charset="0"/>
+              <a:buNone/>
+              <a:tabLst/>
+              <a:defRPr/>
+            </a:pPr>
+            <a:r>
+              <a:rPr kumimoji="0" lang="en-US" altLang="en-US" sz="4000" b="0" i="0" u="none" strike="noStrike" kern="1200" cap="none" spc="0" normalizeH="0" baseline="0" noProof="0" dirty="0">
+                <a:ln>
+                  <a:noFill/>
+                </a:ln>
+                <a:solidFill>
+                  <a:srgbClr val="000000"/>
+                </a:solidFill>
+                <a:effectLst/>
+                <a:uLnTx/>
+                <a:uFillTx/>
+                <a:latin typeface="Times" pitchFamily="2" charset="0"/>
+                <a:ea typeface="+mn-ea"/>
+                <a:cs typeface="Arial"/>
+              </a:rPr>
+              <a:t>Code for process P</a:t>
+            </a:r>
+            <a:r>
+              <a:rPr kumimoji="0" lang="en-US" altLang="en-US" sz="4000" b="0" i="0" u="none" strike="noStrike" kern="1200" cap="none" spc="0" normalizeH="0" baseline="-25000" noProof="0" dirty="0">
+                <a:ln>
+                  <a:noFill/>
+                </a:ln>
+                <a:solidFill>
+                  <a:srgbClr val="000000"/>
+                </a:solidFill>
+                <a:effectLst/>
+                <a:uLnTx/>
+                <a:uFillTx/>
+                <a:latin typeface="Times" pitchFamily="2" charset="0"/>
+                <a:ea typeface="+mn-ea"/>
+                <a:cs typeface="Arial"/>
+              </a:rPr>
+              <a:t>i</a:t>
+            </a:r>
+            <a:endParaRPr kumimoji="0" lang="en-US" altLang="en-US" sz="3200" b="0" i="0" u="none" strike="noStrike" kern="1200" cap="none" spc="0" normalizeH="0" baseline="0" noProof="0" dirty="0">
+              <a:ln>
+                <a:noFill/>
+              </a:ln>
+              <a:solidFill>
+                <a:srgbClr val="000000"/>
+              </a:solidFill>
+              <a:effectLst/>
+              <a:uLnTx/>
+              <a:uFillTx/>
+              <a:latin typeface="Courier" pitchFamily="2" charset="0"/>
+              <a:ea typeface="+mn-ea"/>
+              <a:cs typeface="Arial"/>
+            </a:endParaRPr>
+          </a:p>
+          <a:p>
+            <a:pPr marL="0" marR="0" lvl="0" indent="0" algn="l" defTabSz="953697" rtl="0" eaLnBrk="0" fontAlgn="base" latinLnBrk="0" hangingPunct="0">
+              <a:lnSpc>
+                <a:spcPct val="100000"/>
+              </a:lnSpc>
+              <a:spcBef>
+                <a:spcPct val="0"/>
+              </a:spcBef>
+              <a:spcAft>
+                <a:spcPct val="0"/>
+              </a:spcAft>
+              <a:buClrTx/>
+              <a:buSzTx/>
+              <a:buFont typeface="Times New Roman" panose="02020603050405020304" pitchFamily="18" charset="0"/>
+              <a:buNone/>
+              <a:tabLst/>
+              <a:defRPr/>
+            </a:pPr>
+            <a:r>
+              <a:rPr kumimoji="0" lang="en-US" altLang="en-US" sz="3200" b="0" i="0" u="none" strike="noStrike" kern="1200" cap="none" spc="0" normalizeH="0" baseline="0" noProof="0" dirty="0">
+                <a:ln>
+                  <a:noFill/>
+                </a:ln>
+                <a:solidFill>
+                  <a:schemeClr val="accent2"/>
+                </a:solidFill>
+                <a:effectLst/>
+                <a:uLnTx/>
+                <a:uFillTx/>
+                <a:latin typeface="Courier" pitchFamily="2" charset="0"/>
+                <a:ea typeface="+mn-ea"/>
+                <a:cs typeface="Arial"/>
+              </a:rPr>
+              <a:t>While(1){</a:t>
+            </a:r>
+          </a:p>
+          <a:p>
+            <a:pPr lvl="1" indent="0" defTabSz="953697" eaLnBrk="0">
+              <a:lnSpc>
+                <a:spcPct val="100000"/>
+              </a:lnSpc>
+              <a:buClrTx/>
+              <a:buSzTx/>
+              <a:defRPr/>
+            </a:pPr>
+            <a:r>
+              <a:rPr kumimoji="0" lang="en-US" altLang="en-US" sz="3200" b="0" i="0" u="none" strike="noStrike" kern="1200" cap="none" spc="0" normalizeH="0" baseline="0" noProof="0" dirty="0">
+                <a:ln>
+                  <a:noFill/>
+                </a:ln>
+                <a:solidFill>
+                  <a:srgbClr val="FF0000"/>
+                </a:solidFill>
+                <a:effectLst/>
+                <a:uLnTx/>
+                <a:uFillTx/>
+                <a:latin typeface="Courier" pitchFamily="2" charset="0"/>
+                <a:ea typeface="+mn-ea"/>
+                <a:cs typeface="Arial"/>
+              </a:rPr>
+              <a:t>Lock(lock)</a:t>
+            </a:r>
+          </a:p>
+          <a:p>
+            <a:pPr lvl="1" indent="0" defTabSz="953697" eaLnBrk="0">
+              <a:lnSpc>
+                <a:spcPct val="100000"/>
+              </a:lnSpc>
+              <a:buClrTx/>
+              <a:buSzTx/>
+              <a:defRPr/>
+            </a:pPr>
+            <a:r>
+              <a:rPr kumimoji="0" lang="en-US" altLang="en-US" sz="3200" b="0" i="0" u="none" strike="noStrike" kern="1200" cap="none" spc="0" normalizeH="0" baseline="0" noProof="0" dirty="0">
+                <a:ln>
+                  <a:noFill/>
+                </a:ln>
+                <a:solidFill>
+                  <a:srgbClr val="000000"/>
+                </a:solidFill>
+                <a:effectLst/>
+                <a:uLnTx/>
+                <a:uFillTx/>
+                <a:latin typeface="Courier" pitchFamily="2" charset="0"/>
+                <a:ea typeface="+mn-ea"/>
+                <a:cs typeface="Arial"/>
+              </a:rPr>
+              <a:t>// critical section</a:t>
+            </a:r>
+          </a:p>
+          <a:p>
+            <a:pPr lvl="1" indent="0" defTabSz="953697" eaLnBrk="0">
+              <a:lnSpc>
+                <a:spcPct val="100000"/>
+              </a:lnSpc>
+              <a:buClrTx/>
+              <a:buSzTx/>
+              <a:defRPr/>
+            </a:pPr>
+            <a:r>
+              <a:rPr kumimoji="0" lang="en-US" altLang="en-US" sz="3200" b="0" i="0" u="none" strike="noStrike" kern="1200" cap="none" spc="0" normalizeH="0" baseline="0" noProof="0" dirty="0">
+                <a:ln>
+                  <a:noFill/>
+                </a:ln>
+                <a:solidFill>
+                  <a:srgbClr val="00B050"/>
+                </a:solidFill>
+                <a:effectLst/>
+                <a:uLnTx/>
+                <a:uFillTx/>
+                <a:latin typeface="Courier" pitchFamily="2" charset="0"/>
+                <a:ea typeface="+mn-ea"/>
+                <a:cs typeface="Arial"/>
+              </a:rPr>
+              <a:t>Unlock(lock);</a:t>
+            </a:r>
+          </a:p>
+          <a:p>
+            <a:pPr lvl="1" indent="0" defTabSz="953697" eaLnBrk="0">
+              <a:lnSpc>
+                <a:spcPct val="100000"/>
+              </a:lnSpc>
+              <a:buClrTx/>
+              <a:buSzTx/>
+              <a:defRPr/>
+            </a:pPr>
+            <a:r>
+              <a:rPr kumimoji="0" lang="en-US" altLang="en-US" sz="3200" b="0" i="0" u="none" strike="noStrike" kern="1200" cap="none" spc="0" normalizeH="0" baseline="0" noProof="0" dirty="0">
+                <a:ln>
+                  <a:noFill/>
+                </a:ln>
+                <a:solidFill>
+                  <a:srgbClr val="000000"/>
+                </a:solidFill>
+                <a:effectLst/>
+                <a:uLnTx/>
+                <a:uFillTx/>
+                <a:latin typeface="Courier" pitchFamily="2" charset="0"/>
+                <a:ea typeface="+mn-ea"/>
+                <a:cs typeface="Arial"/>
+              </a:rPr>
+              <a:t>// remainder of code</a:t>
+            </a:r>
+          </a:p>
+          <a:p>
+            <a:pPr lvl="1" indent="0" defTabSz="953697" eaLnBrk="0">
+              <a:lnSpc>
+                <a:spcPct val="100000"/>
+              </a:lnSpc>
+              <a:buClrTx/>
+              <a:buSzTx/>
+              <a:defRPr/>
+            </a:pPr>
+            <a:r>
+              <a:rPr kumimoji="0" lang="en-US" altLang="en-US" sz="3200" b="0" i="0" u="none" strike="noStrike" kern="1200" cap="none" spc="0" normalizeH="0" baseline="0" noProof="0" dirty="0">
+                <a:ln>
+                  <a:noFill/>
+                </a:ln>
+                <a:solidFill>
+                  <a:srgbClr val="000000"/>
+                </a:solidFill>
+                <a:effectLst/>
+                <a:uLnTx/>
+                <a:uFillTx/>
+                <a:latin typeface="Courier" pitchFamily="2" charset="0"/>
+                <a:ea typeface="+mn-ea"/>
+                <a:cs typeface="Arial"/>
+              </a:rPr>
+              <a:t>}</a:t>
+            </a:r>
+          </a:p>
+          <a:p>
+            <a:pPr marL="0" marR="0" lvl="0" indent="0" algn="l" defTabSz="953697" rtl="0" eaLnBrk="0" fontAlgn="base" latinLnBrk="0" hangingPunct="0">
+              <a:lnSpc>
+                <a:spcPct val="100000"/>
+              </a:lnSpc>
+              <a:spcBef>
+                <a:spcPct val="0"/>
+              </a:spcBef>
+              <a:spcAft>
+                <a:spcPct val="0"/>
+              </a:spcAft>
+              <a:buClrTx/>
+              <a:buSzTx/>
+              <a:buFont typeface="Times New Roman" panose="02020603050405020304" pitchFamily="18" charset="0"/>
+              <a:buNone/>
+              <a:tabLst/>
+              <a:defRPr/>
+            </a:pPr>
+            <a:r>
+              <a:rPr lang="en-US" altLang="en-US" sz="3200" dirty="0">
+                <a:solidFill>
+                  <a:srgbClr val="000000"/>
+                </a:solidFill>
+                <a:latin typeface="Courier" pitchFamily="2" charset="0"/>
+                <a:cs typeface="Arial"/>
+              </a:rPr>
+              <a:t>}</a:t>
+            </a:r>
+            <a:endParaRPr kumimoji="0" lang="en-US" altLang="en-US" sz="3200" b="0" i="0" u="none" strike="noStrike" kern="1200" cap="none" spc="0" normalizeH="0" baseline="0" noProof="0" dirty="0">
+              <a:ln>
+                <a:noFill/>
+              </a:ln>
+              <a:solidFill>
+                <a:srgbClr val="000000"/>
+              </a:solidFill>
+              <a:effectLst/>
+              <a:uLnTx/>
+              <a:uFillTx/>
+              <a:latin typeface="Courier" pitchFamily="2" charset="0"/>
+              <a:ea typeface="+mn-ea"/>
+              <a:cs typeface="Arial"/>
+            </a:endParaRPr>
+          </a:p>
+        </p:txBody>
+      </p:sp>
+      <p:sp>
+        <p:nvSpPr>
+          <p:cNvPr id="99332" name="Text Box 4">
+            <a:extLst>
+              <a:ext uri="{FF2B5EF4-FFF2-40B4-BE49-F238E27FC236}">
+                <a16:creationId xmlns:a16="http://schemas.microsoft.com/office/drawing/2014/main" id="{100A8DDF-8520-4E4C-B33A-A6A8B8E09C76}"/>
+              </a:ext>
+            </a:extLst>
+          </p:cNvPr>
+          <p:cNvSpPr txBox="1">
+            <a:spLocks noChangeArrowheads="1"/>
+          </p:cNvSpPr>
+          <p:nvPr/>
+        </p:nvSpPr>
+        <p:spPr bwMode="auto">
+          <a:xfrm>
+            <a:off x="1663211" y="1510259"/>
+            <a:ext cx="6334077" cy="605255"/>
+          </a:xfrm>
+          <a:prstGeom prst="rect">
+            <a:avLst/>
+          </a:prstGeom>
+          <a:noFill/>
+          <a:ln w="6350">
+            <a:solidFill>
+              <a:schemeClr val="tx1"/>
+            </a:solidFill>
+            <a:miter lim="800000"/>
+            <a:headEnd/>
+            <a:tailEnd/>
+          </a:ln>
+          <a:effectLst/>
+          <a:extLst>
+            <a:ext uri="{909E8E84-426E-40DD-AFC4-6F175D3DCCD1}">
+              <a14:hiddenFill xmlns:a14="http://schemas.microsoft.com/office/drawing/2010/main">
+                <a:solidFill>
+                  <a:schemeClr val="accent1"/>
+                </a:solidFill>
+              </a14:hiddenFill>
+            </a:ext>
+            <a:ext uri="{AF507438-7753-43E0-B8FC-AC1667EBCBE1}">
+              <a14:hiddenEffects xmlns:a14="http://schemas.microsoft.com/office/drawing/2010/main">
+                <a:effectLst>
+                  <a:outerShdw dist="35921" dir="2700000" algn="ctr" rotWithShape="0">
+                    <a:schemeClr val="bg2"/>
+                  </a:outerShdw>
+                </a:effectLst>
+              </a14:hiddenEffects>
+            </a:ext>
+          </a:extLst>
+        </p:spPr>
+        <p:txBody>
+          <a:bodyPr wrap="square" lIns="95343" tIns="47672" rIns="95343" bIns="47672">
+            <a:spAutoFit/>
+          </a:bodyPr>
+          <a:lstStyle>
+            <a:lvl1pPr defTabSz="865188">
+              <a:defRPr sz="2400">
+                <a:solidFill>
+                  <a:schemeClr val="tx1"/>
+                </a:solidFill>
+                <a:latin typeface="Times" pitchFamily="2" charset="0"/>
+              </a:defRPr>
+            </a:lvl1pPr>
+            <a:lvl2pPr marL="431800" defTabSz="865188">
+              <a:defRPr sz="2400">
+                <a:solidFill>
+                  <a:schemeClr val="tx1"/>
+                </a:solidFill>
+                <a:latin typeface="Times" pitchFamily="2" charset="0"/>
+              </a:defRPr>
+            </a:lvl2pPr>
+            <a:lvl3pPr marL="865188" defTabSz="865188">
+              <a:defRPr sz="2400">
+                <a:solidFill>
+                  <a:schemeClr val="tx1"/>
+                </a:solidFill>
+                <a:latin typeface="Times" pitchFamily="2" charset="0"/>
+              </a:defRPr>
+            </a:lvl3pPr>
+            <a:lvl4pPr marL="1296988" defTabSz="865188">
+              <a:defRPr sz="2400">
+                <a:solidFill>
+                  <a:schemeClr val="tx1"/>
+                </a:solidFill>
+                <a:latin typeface="Times" pitchFamily="2" charset="0"/>
+              </a:defRPr>
+            </a:lvl4pPr>
+            <a:lvl5pPr marL="1730375" defTabSz="865188">
+              <a:defRPr sz="2400">
+                <a:solidFill>
+                  <a:schemeClr val="tx1"/>
+                </a:solidFill>
+                <a:latin typeface="Times" pitchFamily="2" charset="0"/>
+              </a:defRPr>
+            </a:lvl5pPr>
+            <a:lvl6pPr marL="2187575" defTabSz="865188" eaLnBrk="0" fontAlgn="base" hangingPunct="0">
+              <a:spcBef>
+                <a:spcPct val="0"/>
+              </a:spcBef>
+              <a:spcAft>
+                <a:spcPct val="0"/>
+              </a:spcAft>
+              <a:defRPr sz="2400">
+                <a:solidFill>
+                  <a:schemeClr val="tx1"/>
+                </a:solidFill>
+                <a:latin typeface="Times" pitchFamily="2" charset="0"/>
+              </a:defRPr>
+            </a:lvl6pPr>
+            <a:lvl7pPr marL="2644775" defTabSz="865188" eaLnBrk="0" fontAlgn="base" hangingPunct="0">
+              <a:spcBef>
+                <a:spcPct val="0"/>
+              </a:spcBef>
+              <a:spcAft>
+                <a:spcPct val="0"/>
+              </a:spcAft>
+              <a:defRPr sz="2400">
+                <a:solidFill>
+                  <a:schemeClr val="tx1"/>
+                </a:solidFill>
+                <a:latin typeface="Times" pitchFamily="2" charset="0"/>
+              </a:defRPr>
+            </a:lvl7pPr>
+            <a:lvl8pPr marL="3101975" defTabSz="865188" eaLnBrk="0" fontAlgn="base" hangingPunct="0">
+              <a:spcBef>
+                <a:spcPct val="0"/>
+              </a:spcBef>
+              <a:spcAft>
+                <a:spcPct val="0"/>
+              </a:spcAft>
+              <a:defRPr sz="2400">
+                <a:solidFill>
+                  <a:schemeClr val="tx1"/>
+                </a:solidFill>
+                <a:latin typeface="Times" pitchFamily="2" charset="0"/>
+              </a:defRPr>
+            </a:lvl8pPr>
+            <a:lvl9pPr marL="3559175" defTabSz="865188" eaLnBrk="0" fontAlgn="base" hangingPunct="0">
+              <a:spcBef>
+                <a:spcPct val="0"/>
+              </a:spcBef>
+              <a:spcAft>
+                <a:spcPct val="0"/>
+              </a:spcAft>
+              <a:defRPr sz="2400">
+                <a:solidFill>
+                  <a:schemeClr val="tx1"/>
+                </a:solidFill>
+                <a:latin typeface="Times" pitchFamily="2" charset="0"/>
+              </a:defRPr>
+            </a:lvl9pPr>
+          </a:lstStyle>
+          <a:p>
+            <a:pPr marL="0" marR="0" lvl="0" indent="0" algn="l" defTabSz="953697" rtl="0" eaLnBrk="0" fontAlgn="base" latinLnBrk="0" hangingPunct="0">
+              <a:lnSpc>
+                <a:spcPct val="100000"/>
+              </a:lnSpc>
+              <a:spcBef>
+                <a:spcPct val="0"/>
+              </a:spcBef>
+              <a:spcAft>
+                <a:spcPct val="0"/>
+              </a:spcAft>
+              <a:buClrTx/>
+              <a:buSzTx/>
+              <a:buFont typeface="Times New Roman" panose="02020603050405020304" pitchFamily="18" charset="0"/>
+              <a:buNone/>
+              <a:tabLst/>
+              <a:defRPr/>
+            </a:pPr>
+            <a:r>
+              <a:rPr kumimoji="0" lang="en-US" altLang="en-US" sz="3200" b="0" i="0" u="none" strike="noStrike" kern="1200" cap="none" spc="0" normalizeH="0" baseline="0" noProof="0" dirty="0">
+                <a:ln>
+                  <a:noFill/>
+                </a:ln>
+                <a:solidFill>
+                  <a:srgbClr val="000000"/>
+                </a:solidFill>
+                <a:effectLst/>
+                <a:uLnTx/>
+                <a:uFillTx/>
+                <a:latin typeface="Courier" pitchFamily="2" charset="0"/>
+                <a:ea typeface="+mn-ea"/>
+                <a:cs typeface="Arial"/>
+              </a:rPr>
+              <a:t>Spinlock lock;</a:t>
+            </a:r>
+          </a:p>
+        </p:txBody>
+      </p:sp>
+    </p:spTree>
+    <p:extLst>
+      <p:ext uri="{BB962C8B-B14F-4D97-AF65-F5344CB8AC3E}">
+        <p14:creationId xmlns:p14="http://schemas.microsoft.com/office/powerpoint/2010/main" val="3138501136"/>
+      </p:ext>
+    </p:extLst>
+  </p:cSld>
+  <p:clrMapOvr>
+    <a:masterClrMapping/>
+  </p:clrMapOvr>
+</p:sld>
+</file>
+
+<file path=ppt/slides/slide16.xml><?xml version="1.0" encoding="utf-8"?>
+<p:sld xmlns:a="http://schemas.openxmlformats.org/drawingml/2006/main" xmlns:r="http://schemas.openxmlformats.org/officeDocument/2006/relationships" xmlns:p="http://schemas.openxmlformats.org/presentationml/2006/main">
+  <p:cSld>
+    <p:spTree>
+      <p:nvGrpSpPr>
+        <p:cNvPr id="1" name=""/>
+        <p:cNvGrpSpPr/>
+        <p:nvPr/>
+      </p:nvGrpSpPr>
+      <p:grpSpPr>
+        <a:xfrm>
+          <a:off x="0" y="0"/>
+          <a:ext cx="0" cy="0"/>
+          <a:chOff x="0" y="0"/>
+          <a:chExt cx="0" cy="0"/>
+        </a:xfrm>
+      </p:grpSpPr>
+      <p:sp>
+        <p:nvSpPr>
+          <p:cNvPr id="98306" name="Rectangle 2">
+            <a:extLst>
+              <a:ext uri="{FF2B5EF4-FFF2-40B4-BE49-F238E27FC236}">
+                <a16:creationId xmlns:a16="http://schemas.microsoft.com/office/drawing/2014/main" id="{8383A26D-3C56-0042-8B6C-8FD1E0DFA250}"/>
+              </a:ext>
+            </a:extLst>
+          </p:cNvPr>
+          <p:cNvSpPr>
+            <a:spLocks noGrp="1" noChangeArrowheads="1"/>
+          </p:cNvSpPr>
+          <p:nvPr>
+            <p:ph type="title"/>
+          </p:nvPr>
+        </p:nvSpPr>
+        <p:spPr/>
+        <p:txBody>
+          <a:bodyPr/>
+          <a:lstStyle/>
+          <a:p>
+            <a:r>
+              <a:rPr lang="en-US" altLang="en-US" dirty="0"/>
+              <a:t>Spinlock implementation (1/2)</a:t>
+            </a:r>
+          </a:p>
+        </p:txBody>
+      </p:sp>
+      <p:sp>
+        <p:nvSpPr>
+          <p:cNvPr id="98307" name="Rectangle 3">
+            <a:extLst>
+              <a:ext uri="{FF2B5EF4-FFF2-40B4-BE49-F238E27FC236}">
+                <a16:creationId xmlns:a16="http://schemas.microsoft.com/office/drawing/2014/main" id="{6AF066B1-89F4-4E4D-8ABF-40AC813F6866}"/>
+              </a:ext>
+            </a:extLst>
+          </p:cNvPr>
+          <p:cNvSpPr>
+            <a:spLocks noGrp="1" noChangeArrowheads="1"/>
+          </p:cNvSpPr>
+          <p:nvPr>
+            <p:ph idx="1"/>
+          </p:nvPr>
+        </p:nvSpPr>
+        <p:spPr/>
+        <p:txBody>
+          <a:bodyPr/>
+          <a:lstStyle/>
+          <a:p>
+            <a:r>
+              <a:rPr lang="en-US" altLang="en-US" dirty="0"/>
+              <a:t>Solution: use hardware</a:t>
+            </a:r>
+          </a:p>
+          <a:p>
+            <a:r>
+              <a:rPr lang="en-US" altLang="en-US" dirty="0"/>
+              <a:t>Several hardware methods</a:t>
+            </a:r>
+          </a:p>
+          <a:p>
+            <a:pPr lvl="1"/>
+            <a:r>
+              <a:rPr lang="en-US" altLang="en-US" dirty="0"/>
+              <a:t>Test &amp; set: test a variable and set it in one instruction</a:t>
+            </a:r>
+          </a:p>
+          <a:p>
+            <a:pPr lvl="1"/>
+            <a:r>
+              <a:rPr lang="en-US" altLang="en-US" dirty="0"/>
+              <a:t>Atomic swap: switch register &amp; memory in one instruction</a:t>
+            </a:r>
+          </a:p>
+          <a:p>
+            <a:pPr lvl="1"/>
+            <a:r>
+              <a:rPr lang="en-US" altLang="en-US" dirty="0"/>
+              <a:t>Turn off interrupts: process won’t be switched out unless it asks to be suspended</a:t>
+            </a:r>
+          </a:p>
+          <a:p>
+            <a:r>
+              <a:rPr lang="en-US" altLang="en-US" dirty="0"/>
+              <a:t>Can be in user land</a:t>
+            </a:r>
+          </a:p>
+        </p:txBody>
+      </p:sp>
+      <p:sp>
+        <p:nvSpPr>
+          <p:cNvPr id="4" name="Footer Placeholder 3">
+            <a:extLst>
+              <a:ext uri="{FF2B5EF4-FFF2-40B4-BE49-F238E27FC236}">
+                <a16:creationId xmlns:a16="http://schemas.microsoft.com/office/drawing/2014/main" id="{27AC079A-FDEE-5245-9DF2-0EA014E67F57}"/>
+              </a:ext>
+            </a:extLst>
+          </p:cNvPr>
+          <p:cNvSpPr>
+            <a:spLocks noGrp="1"/>
+          </p:cNvSpPr>
+          <p:nvPr>
+            <p:ph type="ftr" idx="11"/>
+          </p:nvPr>
+        </p:nvSpPr>
+        <p:spPr/>
+        <p:txBody>
+          <a:bodyPr/>
+          <a:lstStyle/>
+          <a:p>
+            <a:pPr marL="0" marR="0" lvl="0" indent="0" algn="ctr" defTabSz="1007943" rtl="0" eaLnBrk="1" fontAlgn="base" latinLnBrk="0" hangingPunct="0">
+              <a:lnSpc>
+                <a:spcPct val="100000"/>
+              </a:lnSpc>
+              <a:spcBef>
+                <a:spcPct val="0"/>
+              </a:spcBef>
+              <a:spcAft>
+                <a:spcPct val="0"/>
+              </a:spcAft>
+              <a:buClrTx/>
+              <a:buSzTx/>
+              <a:buFont typeface="Times New Roman" pitchFamily="16" charset="0"/>
+              <a:buNone/>
+              <a:tabLst>
+                <a:tab pos="0" algn="l"/>
+                <a:tab pos="457200" algn="l"/>
+                <a:tab pos="914400" algn="l"/>
+                <a:tab pos="1371600" algn="l"/>
+                <a:tab pos="1828800" algn="l"/>
+                <a:tab pos="2286000" algn="l"/>
+                <a:tab pos="2743200" algn="l"/>
+                <a:tab pos="3200400" algn="l"/>
+                <a:tab pos="3657600" algn="l"/>
+                <a:tab pos="4114800" algn="l"/>
+                <a:tab pos="4572000" algn="l"/>
+                <a:tab pos="5029200" algn="l"/>
+                <a:tab pos="5486400" algn="l"/>
+                <a:tab pos="5943600" algn="l"/>
+                <a:tab pos="6400800" algn="l"/>
+                <a:tab pos="6858000" algn="l"/>
+                <a:tab pos="7315200" algn="l"/>
+                <a:tab pos="7772400" algn="l"/>
+                <a:tab pos="8229600" algn="l"/>
+                <a:tab pos="8686800" algn="l"/>
+                <a:tab pos="9144000" algn="l"/>
+              </a:tabLst>
+              <a:defRPr/>
+            </a:pPr>
+            <a:r>
+              <a:rPr kumimoji="0" lang="en-US" altLang="en-US" sz="1400" b="0" i="0" u="none" strike="noStrike" kern="1200" cap="none" spc="0" normalizeH="0" baseline="0" noProof="0">
+                <a:ln>
+                  <a:noFill/>
+                </a:ln>
+                <a:solidFill>
+                  <a:srgbClr val="000000"/>
+                </a:solidFill>
+                <a:effectLst/>
+                <a:uLnTx/>
+                <a:uFillTx/>
+                <a:latin typeface="Arial"/>
+                <a:ea typeface="+mn-ea"/>
+                <a:cs typeface="Arial"/>
+              </a:rPr>
+              <a:t>CS/COE 1550 – Operating Systems – Sherif Khattab</a:t>
+            </a:r>
+          </a:p>
+        </p:txBody>
+      </p:sp>
+      <p:sp>
+        <p:nvSpPr>
+          <p:cNvPr id="5" name="Slide Number Placeholder 4">
+            <a:extLst>
+              <a:ext uri="{FF2B5EF4-FFF2-40B4-BE49-F238E27FC236}">
+                <a16:creationId xmlns:a16="http://schemas.microsoft.com/office/drawing/2014/main" id="{4BE14FC9-25DA-A545-BFFF-97AA43D9616B}"/>
+              </a:ext>
+            </a:extLst>
+          </p:cNvPr>
+          <p:cNvSpPr>
+            <a:spLocks noGrp="1"/>
+          </p:cNvSpPr>
+          <p:nvPr>
+            <p:ph type="sldNum" idx="12"/>
+          </p:nvPr>
+        </p:nvSpPr>
+        <p:spPr/>
+        <p:txBody>
+          <a:bodyPr/>
+          <a:lstStyle/>
+          <a:p>
+            <a:pPr marL="0" marR="0" lvl="0" indent="0" algn="r" defTabSz="1007943" rtl="0" eaLnBrk="1" fontAlgn="base" latinLnBrk="0" hangingPunct="0">
+              <a:lnSpc>
+                <a:spcPct val="100000"/>
+              </a:lnSpc>
+              <a:spcBef>
+                <a:spcPct val="0"/>
+              </a:spcBef>
+              <a:spcAft>
+                <a:spcPct val="0"/>
+              </a:spcAft>
+              <a:buClrTx/>
+              <a:buSzTx/>
+              <a:buFont typeface="Times New Roman" panose="02020603050405020304" pitchFamily="18" charset="0"/>
+              <a:buNone/>
+              <a:tabLst/>
+              <a:defRPr/>
+            </a:pPr>
+            <a:fld id="{0E4FE751-6D10-DF48-B5EA-EED7A3F958ED}" type="slidenum">
+              <a:rPr kumimoji="0" lang="en-US" altLang="en-US" sz="1400" b="0" i="0" u="none" strike="noStrike" kern="1200" cap="none" spc="0" normalizeH="0" baseline="0" noProof="0">
+                <a:ln>
+                  <a:noFill/>
+                </a:ln>
+                <a:solidFill>
+                  <a:srgbClr val="000000"/>
+                </a:solidFill>
+                <a:effectLst/>
+                <a:uLnTx/>
+                <a:uFillTx/>
+                <a:latin typeface="Arial"/>
+                <a:ea typeface="+mn-ea"/>
+                <a:cs typeface="Arial"/>
+              </a:rPr>
+              <a:pPr marL="0" marR="0" lvl="0" indent="0" algn="r" defTabSz="1007943" rtl="0" eaLnBrk="1" fontAlgn="base" latinLnBrk="0" hangingPunct="0">
+                <a:lnSpc>
+                  <a:spcPct val="100000"/>
+                </a:lnSpc>
+                <a:spcBef>
+                  <a:spcPct val="0"/>
+                </a:spcBef>
+                <a:spcAft>
+                  <a:spcPct val="0"/>
+                </a:spcAft>
+                <a:buClrTx/>
+                <a:buSzTx/>
+                <a:buFont typeface="Times New Roman" panose="02020603050405020304" pitchFamily="18" charset="0"/>
+                <a:buNone/>
+                <a:tabLst/>
+                <a:defRPr/>
+              </a:pPr>
+              <a:t>16</a:t>
+            </a:fld>
+            <a:endParaRPr kumimoji="0" lang="en-US" altLang="en-US" sz="1400" b="0" i="0" u="none" strike="noStrike" kern="1200" cap="none" spc="0" normalizeH="0" baseline="0" noProof="0">
+              <a:ln>
+                <a:noFill/>
+              </a:ln>
+              <a:solidFill>
+                <a:srgbClr val="000000"/>
+              </a:solidFill>
+              <a:effectLst/>
+              <a:uLnTx/>
+              <a:uFillTx/>
+              <a:latin typeface="Arial"/>
+              <a:ea typeface="+mn-ea"/>
+              <a:cs typeface="Arial"/>
+            </a:endParaRPr>
+          </a:p>
+        </p:txBody>
+      </p:sp>
     </p:spTree>
     <p:extLst>
       <p:ext uri="{BB962C8B-B14F-4D97-AF65-F5344CB8AC3E}">
@@ -20727,7 +20928,7 @@
 </p:sld>
 </file>
 
-<file path=ppt/slides/slide16.xml><?xml version="1.0" encoding="utf-8"?>
+<file path=ppt/slides/slide17.xml><?xml version="1.0" encoding="utf-8"?>
 <p:sld xmlns:a="http://schemas.openxmlformats.org/drawingml/2006/main" xmlns:r="http://schemas.openxmlformats.org/officeDocument/2006/relationships" xmlns:p="http://schemas.openxmlformats.org/presentationml/2006/main">
   <p:cSld>
     <p:spTree>
@@ -20858,7 +21059,7 @@
             <a:fld id="{65E435D9-63B0-4660-8D04-E83F5E2CA2AE}" type="slidenum">
               <a:rPr lang="en-GB" altLang="en-US" smtClean="0"/>
               <a:pPr/>
-              <a:t>16</a:t>
+              <a:t>17</a:t>
             </a:fld>
             <a:endParaRPr lang="en-GB" altLang="en-US" dirty="0"/>
           </a:p>
@@ -20907,7 +21108,7 @@
 </p:sld>
 </file>
 
-<file path=ppt/slides/slide17.xml><?xml version="1.0" encoding="utf-8"?>
+<file path=ppt/slides/slide18.xml><?xml version="1.0" encoding="utf-8"?>
 <p:sld xmlns:a="http://schemas.openxmlformats.org/drawingml/2006/main" xmlns:r="http://schemas.openxmlformats.org/officeDocument/2006/relationships" xmlns:p="http://schemas.openxmlformats.org/presentationml/2006/main">
   <p:cSld>
     <p:spTree>
@@ -21196,7 +21397,7 @@
                 <a:tabLst/>
                 <a:defRPr/>
               </a:pPr>
-              <a:t>17</a:t>
+              <a:t>18</a:t>
             </a:fld>
             <a:endParaRPr kumimoji="0" lang="en-US" altLang="en-US" sz="1400" b="0" i="0" u="none" strike="noStrike" kern="1200" cap="none" spc="0" normalizeH="0" baseline="0" noProof="0">
               <a:ln>
@@ -22168,7 +22369,7 @@
 </p:sld>
 </file>
 
-<file path=ppt/slides/slide18.xml><?xml version="1.0" encoding="utf-8"?>
+<file path=ppt/slides/slide19.xml><?xml version="1.0" encoding="utf-8"?>
 <p:sld xmlns:a="http://schemas.openxmlformats.org/drawingml/2006/main" xmlns:r="http://schemas.openxmlformats.org/officeDocument/2006/relationships" xmlns:p="http://schemas.openxmlformats.org/presentationml/2006/main">
   <p:cSld>
     <p:spTree>
@@ -22392,7 +22593,7 @@
             <a:fld id="{65E435D9-63B0-4660-8D04-E83F5E2CA2AE}" type="slidenum">
               <a:rPr lang="en-GB" altLang="en-US" smtClean="0"/>
               <a:pPr/>
-              <a:t>18</a:t>
+              <a:t>19</a:t>
             </a:fld>
             <a:endParaRPr lang="en-GB" altLang="en-US" dirty="0"/>
           </a:p>
@@ -23060,6 +23261,288 @@
           <p:cNvPr id="2" name="Title 1">
             <a:extLst>
               <a:ext uri="{FF2B5EF4-FFF2-40B4-BE49-F238E27FC236}">
+                <a16:creationId xmlns:a16="http://schemas.microsoft.com/office/drawing/2014/main" id="{1E7BE3A4-9ACC-45F0-9109-92A2F1C1B7FF}"/>
+              </a:ext>
+            </a:extLst>
+          </p:cNvPr>
+          <p:cNvSpPr>
+            <a:spLocks noGrp="1"/>
+          </p:cNvSpPr>
+          <p:nvPr>
+            <p:ph type="title"/>
+          </p:nvPr>
+        </p:nvSpPr>
+        <p:spPr/>
+        <p:txBody>
+          <a:bodyPr/>
+          <a:lstStyle/>
+          <a:p>
+            <a:r>
+              <a:rPr lang="en-US"/>
+              <a:t>Muddiest points</a:t>
+            </a:r>
+          </a:p>
+        </p:txBody>
+      </p:sp>
+      <p:sp>
+        <p:nvSpPr>
+          <p:cNvPr id="3" name="Content Placeholder 2">
+            <a:extLst>
+              <a:ext uri="{FF2B5EF4-FFF2-40B4-BE49-F238E27FC236}">
+                <a16:creationId xmlns:a16="http://schemas.microsoft.com/office/drawing/2014/main" id="{E1064C43-9078-4C76-A016-C8AE45AE9774}"/>
+              </a:ext>
+            </a:extLst>
+          </p:cNvPr>
+          <p:cNvSpPr>
+            <a:spLocks noGrp="1"/>
+          </p:cNvSpPr>
+          <p:nvPr>
+            <p:ph idx="1"/>
+          </p:nvPr>
+        </p:nvSpPr>
+        <p:spPr>
+          <a:xfrm>
+            <a:off x="0" y="890640"/>
+            <a:ext cx="10096296" cy="6567487"/>
+          </a:xfrm>
+        </p:spPr>
+        <p:txBody>
+          <a:bodyPr>
+            <a:normAutofit fontScale="70000" lnSpcReduction="20000"/>
+          </a:bodyPr>
+          <a:lstStyle/>
+          <a:p>
+            <a:r>
+              <a:rPr lang="en-US" dirty="0">
+                <a:solidFill>
+                  <a:schemeClr val="tx1"/>
+                </a:solidFill>
+              </a:rPr>
+              <a:t>Xv6 code for context switching</a:t>
+            </a:r>
+          </a:p>
+          <a:p>
+            <a:r>
+              <a:rPr lang="en-US" dirty="0">
+                <a:solidFill>
+                  <a:schemeClr val="tx1"/>
+                </a:solidFill>
+              </a:rPr>
+              <a:t>Process lifecycle</a:t>
+            </a:r>
+          </a:p>
+          <a:p>
+            <a:r>
+              <a:rPr lang="en-US" dirty="0">
+                <a:solidFill>
+                  <a:schemeClr val="tx1"/>
+                </a:solidFill>
+              </a:rPr>
+              <a:t>CPU mode switching in context switching</a:t>
+            </a:r>
+          </a:p>
+          <a:p>
+            <a:r>
+              <a:rPr lang="en-US" dirty="0">
+                <a:solidFill>
+                  <a:schemeClr val="tx1"/>
+                </a:solidFill>
+              </a:rPr>
+              <a:t>What is inside PCB</a:t>
+            </a:r>
+          </a:p>
+          <a:p>
+            <a:r>
+              <a:rPr lang="en-US" dirty="0"/>
+              <a:t>Switching register sets in context switching</a:t>
+            </a:r>
+          </a:p>
+          <a:p>
+            <a:r>
+              <a:rPr lang="en-US" dirty="0"/>
+              <a:t>the code plus the diagram side by side</a:t>
+            </a:r>
+          </a:p>
+          <a:p>
+            <a:r>
+              <a:rPr lang="en-US" dirty="0"/>
+              <a:t>Determining when a context switch is actually required - if it's needed between each individual process regardless of user/kernel bit</a:t>
+            </a:r>
+          </a:p>
+          <a:p>
+            <a:r>
+              <a:rPr lang="en-US" dirty="0" err="1"/>
+              <a:t>monotlithic</a:t>
+            </a:r>
+            <a:r>
+              <a:rPr lang="en-US" dirty="0"/>
+              <a:t> vs microkernel</a:t>
+            </a:r>
+          </a:p>
+          <a:p>
+            <a:pPr lvl="1"/>
+            <a:r>
+              <a:rPr lang="en-US" dirty="0"/>
+              <a:t>Pros and cons</a:t>
+            </a:r>
+          </a:p>
+          <a:p>
+            <a:pPr lvl="1"/>
+            <a:r>
+              <a:rPr lang="en-US" dirty="0"/>
+              <a:t>What a microkernel OS would look like in practice</a:t>
+            </a:r>
+          </a:p>
+          <a:p>
+            <a:r>
+              <a:rPr lang="en-US" dirty="0"/>
+              <a:t>the two </a:t>
+            </a:r>
+            <a:r>
+              <a:rPr lang="en-US" dirty="0" err="1"/>
+              <a:t>tophat</a:t>
+            </a:r>
+            <a:r>
+              <a:rPr lang="en-US" dirty="0"/>
+              <a:t> questions we all got wrong about </a:t>
+            </a:r>
+            <a:r>
+              <a:rPr lang="en-US" i="1" dirty="0"/>
+              <a:t>immediately</a:t>
+            </a:r>
+            <a:r>
+              <a:rPr lang="en-US" dirty="0"/>
+              <a:t> performing instructions in </a:t>
+            </a:r>
+            <a:r>
+              <a:rPr lang="en-US" dirty="0" err="1"/>
+              <a:t>priviledged</a:t>
+            </a:r>
+            <a:r>
+              <a:rPr lang="en-US" dirty="0"/>
+              <a:t>/non-</a:t>
+            </a:r>
+            <a:r>
+              <a:rPr lang="en-US" dirty="0" err="1"/>
+              <a:t>priviledged</a:t>
+            </a:r>
+            <a:r>
+              <a:rPr lang="en-US" dirty="0"/>
+              <a:t> mode</a:t>
+            </a:r>
+          </a:p>
+          <a:p>
+            <a:r>
+              <a:rPr lang="en-US" dirty="0"/>
+              <a:t>How long the context switching takes on average compared to the processes themselves.</a:t>
+            </a:r>
+            <a:endParaRPr lang="en-US" dirty="0">
+              <a:solidFill>
+                <a:schemeClr val="tx1"/>
+              </a:solidFill>
+            </a:endParaRPr>
+          </a:p>
+        </p:txBody>
+      </p:sp>
+      <p:sp>
+        <p:nvSpPr>
+          <p:cNvPr id="4" name="Footer Placeholder 3">
+            <a:extLst>
+              <a:ext uri="{FF2B5EF4-FFF2-40B4-BE49-F238E27FC236}">
+                <a16:creationId xmlns:a16="http://schemas.microsoft.com/office/drawing/2014/main" id="{F647DAB6-60C6-4D52-820A-55811E8B2785}"/>
+              </a:ext>
+            </a:extLst>
+          </p:cNvPr>
+          <p:cNvSpPr>
+            <a:spLocks noGrp="1"/>
+          </p:cNvSpPr>
+          <p:nvPr>
+            <p:ph type="ftr" idx="11"/>
+          </p:nvPr>
+        </p:nvSpPr>
+        <p:spPr/>
+        <p:txBody>
+          <a:bodyPr/>
+          <a:lstStyle/>
+          <a:p>
+            <a:pPr>
+              <a:defRPr/>
+            </a:pPr>
+            <a:r>
+              <a:rPr lang="en-US">
+                <a:latin typeface="+mn-lt"/>
+              </a:rPr>
+              <a:t>CS/COE 1550 – Operating Systems – Sherif Khattab</a:t>
+            </a:r>
+            <a:endParaRPr lang="en-GB"/>
+          </a:p>
+        </p:txBody>
+      </p:sp>
+      <p:sp>
+        <p:nvSpPr>
+          <p:cNvPr id="5" name="Slide Number Placeholder 4">
+            <a:extLst>
+              <a:ext uri="{FF2B5EF4-FFF2-40B4-BE49-F238E27FC236}">
+                <a16:creationId xmlns:a16="http://schemas.microsoft.com/office/drawing/2014/main" id="{42CF592C-BB31-4195-BF5C-E5FC2BB55D9B}"/>
+              </a:ext>
+            </a:extLst>
+          </p:cNvPr>
+          <p:cNvSpPr>
+            <a:spLocks noGrp="1"/>
+          </p:cNvSpPr>
+          <p:nvPr>
+            <p:ph type="sldNum" idx="12"/>
+          </p:nvPr>
+        </p:nvSpPr>
+        <p:spPr/>
+        <p:txBody>
+          <a:bodyPr/>
+          <a:lstStyle/>
+          <a:p>
+            <a:fld id="{65E435D9-63B0-4660-8D04-E83F5E2CA2AE}" type="slidenum">
+              <a:rPr lang="en-GB" altLang="en-US" smtClean="0"/>
+              <a:pPr/>
+              <a:t>5</a:t>
+            </a:fld>
+            <a:endParaRPr lang="en-GB" altLang="en-US"/>
+          </a:p>
+        </p:txBody>
+      </p:sp>
+    </p:spTree>
+    <p:extLst>
+      <p:ext uri="{BB962C8B-B14F-4D97-AF65-F5344CB8AC3E}">
+        <p14:creationId xmlns:p14="http://schemas.microsoft.com/office/powerpoint/2010/main" val="3238743984"/>
+      </p:ext>
+    </p:extLst>
+  </p:cSld>
+  <p:clrMapOvr>
+    <a:masterClrMapping/>
+  </p:clrMapOvr>
+</p:sld>
+</file>
+
+<file path=ppt/slides/slide6.xml><?xml version="1.0" encoding="utf-8"?>
+<p:sld xmlns:a="http://schemas.openxmlformats.org/drawingml/2006/main" xmlns:r="http://schemas.openxmlformats.org/officeDocument/2006/relationships" xmlns:p="http://schemas.openxmlformats.org/presentationml/2006/main">
+  <p:cSld>
+    <p:spTree>
+      <p:nvGrpSpPr>
+        <p:cNvPr id="1" name=""/>
+        <p:cNvGrpSpPr/>
+        <p:nvPr/>
+      </p:nvGrpSpPr>
+      <p:grpSpPr>
+        <a:xfrm>
+          <a:off x="0" y="0"/>
+          <a:ext cx="0" cy="0"/>
+          <a:chOff x="0" y="0"/>
+          <a:chExt cx="0" cy="0"/>
+        </a:xfrm>
+      </p:grpSpPr>
+      <p:sp>
+        <p:nvSpPr>
+          <p:cNvPr id="2" name="Title 1">
+            <a:extLst>
+              <a:ext uri="{FF2B5EF4-FFF2-40B4-BE49-F238E27FC236}">
                 <a16:creationId xmlns:a16="http://schemas.microsoft.com/office/drawing/2014/main" id="{21B069AF-6569-4512-986F-E784F07B4C99}"/>
               </a:ext>
             </a:extLst>
@@ -23166,7 +23649,7 @@
             <a:fld id="{65E435D9-63B0-4660-8D04-E83F5E2CA2AE}" type="slidenum">
               <a:rPr lang="en-GB" altLang="en-US" smtClean="0"/>
               <a:pPr/>
-              <a:t>5</a:t>
+              <a:t>6</a:t>
             </a:fld>
             <a:endParaRPr lang="en-GB" altLang="en-US" dirty="0"/>
           </a:p>
@@ -23215,7 +23698,7 @@
 </p:sld>
 </file>
 
-<file path=ppt/slides/slide6.xml><?xml version="1.0" encoding="utf-8"?>
+<file path=ppt/slides/slide7.xml><?xml version="1.0" encoding="utf-8"?>
 <p:sld xmlns:a="http://schemas.openxmlformats.org/drawingml/2006/main" xmlns:r="http://schemas.openxmlformats.org/officeDocument/2006/relationships" xmlns:p="http://schemas.openxmlformats.org/presentationml/2006/main">
   <p:cSld>
     <p:spTree>
@@ -23343,7 +23826,7 @@
             <a:fld id="{65E435D9-63B0-4660-8D04-E83F5E2CA2AE}" type="slidenum">
               <a:rPr lang="en-GB" altLang="en-US" smtClean="0"/>
               <a:pPr/>
-              <a:t>6</a:t>
+              <a:t>7</a:t>
             </a:fld>
             <a:endParaRPr lang="en-GB" altLang="en-US" dirty="0"/>
           </a:p>
@@ -23392,7 +23875,7 @@
 </p:sld>
 </file>
 
-<file path=ppt/slides/slide7.xml><?xml version="1.0" encoding="utf-8"?>
+<file path=ppt/slides/slide8.xml><?xml version="1.0" encoding="utf-8"?>
 <p:sld xmlns:a="http://schemas.openxmlformats.org/drawingml/2006/main" xmlns:r="http://schemas.openxmlformats.org/officeDocument/2006/relationships" xmlns:p="http://schemas.openxmlformats.org/presentationml/2006/main">
   <p:cSld>
     <p:spTree>
@@ -23520,7 +24003,7 @@
             <a:fld id="{65E435D9-63B0-4660-8D04-E83F5E2CA2AE}" type="slidenum">
               <a:rPr lang="en-GB" altLang="en-US" smtClean="0"/>
               <a:pPr/>
-              <a:t>7</a:t>
+              <a:t>8</a:t>
             </a:fld>
             <a:endParaRPr lang="en-GB" altLang="en-US" dirty="0"/>
           </a:p>
@@ -23569,7 +24052,7 @@
 </p:sld>
 </file>
 
-<file path=ppt/slides/slide8.xml><?xml version="1.0" encoding="utf-8"?>
+<file path=ppt/slides/slide9.xml><?xml version="1.0" encoding="utf-8"?>
 <p:sld xmlns:a="http://schemas.openxmlformats.org/drawingml/2006/main" xmlns:r="http://schemas.openxmlformats.org/officeDocument/2006/relationships" xmlns:p="http://schemas.openxmlformats.org/presentationml/2006/main">
   <p:cSld>
     <p:spTree>
@@ -23733,7 +24216,7 @@
             <a:fld id="{65E435D9-63B0-4660-8D04-E83F5E2CA2AE}" type="slidenum">
               <a:rPr lang="en-GB" altLang="en-US" smtClean="0"/>
               <a:pPr/>
-              <a:t>8</a:t>
+              <a:t>9</a:t>
             </a:fld>
             <a:endParaRPr lang="en-GB" altLang="en-US" dirty="0"/>
           </a:p>
@@ -23743,190 +24226,6 @@
     <p:extLst>
       <p:ext uri="{BB962C8B-B14F-4D97-AF65-F5344CB8AC3E}">
         <p14:creationId xmlns:p14="http://schemas.microsoft.com/office/powerpoint/2010/main" val="4120720973"/>
-      </p:ext>
-    </p:extLst>
-  </p:cSld>
-  <p:clrMapOvr>
-    <a:masterClrMapping/>
-  </p:clrMapOvr>
-</p:sld>
-</file>
-
-<file path=ppt/slides/slide9.xml><?xml version="1.0" encoding="utf-8"?>
-<p:sld xmlns:a="http://schemas.openxmlformats.org/drawingml/2006/main" xmlns:r="http://schemas.openxmlformats.org/officeDocument/2006/relationships" xmlns:p="http://schemas.openxmlformats.org/presentationml/2006/main">
-  <p:cSld>
-    <p:spTree>
-      <p:nvGrpSpPr>
-        <p:cNvPr id="1" name=""/>
-        <p:cNvGrpSpPr/>
-        <p:nvPr/>
-      </p:nvGrpSpPr>
-      <p:grpSpPr>
-        <a:xfrm>
-          <a:off x="0" y="0"/>
-          <a:ext cx="0" cy="0"/>
-          <a:chOff x="0" y="0"/>
-          <a:chExt cx="0" cy="0"/>
-        </a:xfrm>
-      </p:grpSpPr>
-      <p:sp>
-        <p:nvSpPr>
-          <p:cNvPr id="2" name="Title 1">
-            <a:extLst>
-              <a:ext uri="{FF2B5EF4-FFF2-40B4-BE49-F238E27FC236}">
-                <a16:creationId xmlns:a16="http://schemas.microsoft.com/office/drawing/2014/main" id="{E097A24C-0B49-6145-9835-7406BF7C245B}"/>
-              </a:ext>
-            </a:extLst>
-          </p:cNvPr>
-          <p:cNvSpPr>
-            <a:spLocks noGrp="1"/>
-          </p:cNvSpPr>
-          <p:nvPr>
-            <p:ph type="title"/>
-          </p:nvPr>
-        </p:nvSpPr>
-        <p:spPr/>
-        <p:txBody>
-          <a:bodyPr/>
-          <a:lstStyle/>
-          <a:p>
-            <a:r>
-              <a:rPr lang="en-US" dirty="0"/>
-              <a:t>Today ….</a:t>
-            </a:r>
-          </a:p>
-        </p:txBody>
-      </p:sp>
-      <p:sp>
-        <p:nvSpPr>
-          <p:cNvPr id="3" name="Content Placeholder 2">
-            <a:extLst>
-              <a:ext uri="{FF2B5EF4-FFF2-40B4-BE49-F238E27FC236}">
-                <a16:creationId xmlns:a16="http://schemas.microsoft.com/office/drawing/2014/main" id="{93532249-5E17-2A4B-B649-961DDDF1F5F6}"/>
-              </a:ext>
-            </a:extLst>
-          </p:cNvPr>
-          <p:cNvSpPr>
-            <a:spLocks noGrp="1"/>
-          </p:cNvSpPr>
-          <p:nvPr>
-            <p:ph idx="1"/>
-          </p:nvPr>
-        </p:nvSpPr>
-        <p:spPr/>
-        <p:txBody>
-          <a:bodyPr/>
-          <a:lstStyle/>
-          <a:p>
-            <a:r>
-              <a:rPr lang="en-US" dirty="0"/>
-              <a:t>Spinlocks</a:t>
-            </a:r>
-          </a:p>
-          <a:p>
-            <a:pPr lvl="1"/>
-            <a:r>
-              <a:rPr lang="en-US" dirty="0"/>
-              <a:t>How to use</a:t>
-            </a:r>
-          </a:p>
-          <a:p>
-            <a:pPr lvl="1"/>
-            <a:r>
-              <a:rPr lang="en-US" dirty="0"/>
-              <a:t>How to implement</a:t>
-            </a:r>
-          </a:p>
-          <a:p>
-            <a:r>
-              <a:rPr lang="en-US" dirty="0"/>
-              <a:t>Semaphores</a:t>
-            </a:r>
-          </a:p>
-          <a:p>
-            <a:pPr lvl="1"/>
-            <a:r>
-              <a:rPr lang="en-US" dirty="0"/>
-              <a:t>How to use</a:t>
-            </a:r>
-          </a:p>
-          <a:p>
-            <a:pPr lvl="1"/>
-            <a:r>
-              <a:rPr lang="en-US" dirty="0"/>
-              <a:t>How to implement</a:t>
-            </a:r>
-          </a:p>
-        </p:txBody>
-      </p:sp>
-      <p:sp>
-        <p:nvSpPr>
-          <p:cNvPr id="4" name="Footer Placeholder 3">
-            <a:extLst>
-              <a:ext uri="{FF2B5EF4-FFF2-40B4-BE49-F238E27FC236}">
-                <a16:creationId xmlns:a16="http://schemas.microsoft.com/office/drawing/2014/main" id="{2550EB3E-D7D4-7946-ADA7-722A8DA377D5}"/>
-              </a:ext>
-            </a:extLst>
-          </p:cNvPr>
-          <p:cNvSpPr>
-            <a:spLocks noGrp="1"/>
-          </p:cNvSpPr>
-          <p:nvPr>
-            <p:ph type="ftr" idx="11"/>
-          </p:nvPr>
-        </p:nvSpPr>
-        <p:spPr/>
-        <p:txBody>
-          <a:bodyPr/>
-          <a:lstStyle/>
-          <a:p>
-            <a:pPr>
-              <a:defRPr/>
-            </a:pPr>
-            <a:r>
-              <a:rPr lang="en-US">
-                <a:latin typeface="+mn-lt"/>
-              </a:rPr>
-              <a:t>CS/COE 1550 – Operating Systems – Sherif Khattab</a:t>
-            </a:r>
-            <a:endParaRPr lang="en-GB" dirty="0"/>
-          </a:p>
-        </p:txBody>
-      </p:sp>
-      <p:sp>
-        <p:nvSpPr>
-          <p:cNvPr id="5" name="Slide Number Placeholder 4">
-            <a:extLst>
-              <a:ext uri="{FF2B5EF4-FFF2-40B4-BE49-F238E27FC236}">
-                <a16:creationId xmlns:a16="http://schemas.microsoft.com/office/drawing/2014/main" id="{C1015D7E-DA69-CD4B-B6BE-D1EDF4DD75D6}"/>
-              </a:ext>
-            </a:extLst>
-          </p:cNvPr>
-          <p:cNvSpPr>
-            <a:spLocks noGrp="1"/>
-          </p:cNvSpPr>
-          <p:nvPr>
-            <p:ph type="sldNum" idx="12"/>
-          </p:nvPr>
-        </p:nvSpPr>
-        <p:spPr/>
-        <p:txBody>
-          <a:bodyPr/>
-          <a:lstStyle/>
-          <a:p>
-            <a:fld id="{65E435D9-63B0-4660-8D04-E83F5E2CA2AE}" type="slidenum">
-              <a:rPr lang="en-GB" altLang="en-US" smtClean="0"/>
-              <a:pPr/>
-              <a:t>9</a:t>
-            </a:fld>
-            <a:endParaRPr lang="en-GB" altLang="en-US" dirty="0"/>
-          </a:p>
-        </p:txBody>
-      </p:sp>
-    </p:spTree>
-    <p:extLst>
-      <p:ext uri="{BB962C8B-B14F-4D97-AF65-F5344CB8AC3E}">
-        <p14:creationId xmlns:p14="http://schemas.microsoft.com/office/powerpoint/2010/main" val="747882086"/>
       </p:ext>
     </p:extLst>
   </p:cSld>
